--- a/Documents/CIT312Presentation.pptx
+++ b/Documents/CIT312Presentation.pptx
@@ -5,15 +5,13 @@
     <p:sldMasterId id="2147483660" r:id="rId1"/>
   </p:sldMasterIdLst>
   <p:notesMasterIdLst>
-    <p:notesMasterId r:id="rId8"/>
+    <p:notesMasterId r:id="rId6"/>
   </p:notesMasterIdLst>
   <p:sldIdLst>
     <p:sldId id="256" r:id="rId2"/>
     <p:sldId id="257" r:id="rId3"/>
     <p:sldId id="258" r:id="rId4"/>
     <p:sldId id="259" r:id="rId5"/>
-    <p:sldId id="260" r:id="rId6"/>
-    <p:sldId id="261" r:id="rId7"/>
   </p:sldIdLst>
   <p:sldSz cx="9144000" cy="6858000" type="screen4x3"/>
   <p:notesSz cx="6858000" cy="9144000"/>
@@ -197,7 +195,7 @@
           <a:p>
             <a:fld id="{E6D11BD6-3C27-AE4B-8E1D-F2E88D3E25BE}" type="datetimeFigureOut">
               <a:rPr lang="en-US" smtClean="0"/>
-              <a:t>7/6/13</a:t>
+              <a:t>7/8/13</a:t>
             </a:fld>
             <a:endParaRPr lang="en-US"/>
           </a:p>
@@ -591,8 +589,188 @@
             </a:pPr>
             <a:r>
               <a:rPr lang="en-US" dirty="0" smtClean="0"/>
-              <a:t>Ability to communicate well</a:t>
-            </a:r>
+              <a:t>Ability to communicate </a:t>
+            </a:r>
+            <a:r>
+              <a:rPr lang="en-US" dirty="0" smtClean="0"/>
+              <a:t>well</a:t>
+            </a:r>
+          </a:p>
+          <a:p>
+            <a:pPr marL="171450" indent="-171450">
+              <a:buFont typeface="Arial"/>
+              <a:buChar char="•"/>
+            </a:pPr>
+            <a:endParaRPr lang="en-US" dirty="0" smtClean="0"/>
+          </a:p>
+          <a:p>
+            <a:pPr marL="171450" indent="-171450">
+              <a:buFont typeface="Arial"/>
+              <a:buChar char="•"/>
+            </a:pPr>
+            <a:endParaRPr lang="en-US" dirty="0" smtClean="0"/>
+          </a:p>
+          <a:p>
+            <a:pPr marL="171450" indent="-171450">
+              <a:buFont typeface="Arial"/>
+              <a:buChar char="•"/>
+            </a:pPr>
+            <a:endParaRPr lang="en-US" dirty="0" smtClean="0"/>
+          </a:p>
+          <a:p>
+            <a:pPr marL="171450" indent="-171450">
+              <a:buFont typeface="Arial"/>
+              <a:buChar char="•"/>
+            </a:pPr>
+            <a:endParaRPr lang="en-US" dirty="0" smtClean="0"/>
+          </a:p>
+          <a:p>
+            <a:pPr marL="171450" indent="-171450">
+              <a:buFont typeface="Arial"/>
+              <a:buChar char="•"/>
+            </a:pPr>
+            <a:endParaRPr lang="en-US" dirty="0" smtClean="0"/>
+          </a:p>
+          <a:p>
+            <a:pPr marL="0" indent="0">
+              <a:buFont typeface="Arial"/>
+              <a:buNone/>
+            </a:pPr>
+            <a:r>
+              <a:rPr lang="en-US" b="1" u="sng" dirty="0" smtClean="0"/>
+              <a:t>Use these technical areas</a:t>
+            </a:r>
+            <a:r>
+              <a:rPr lang="en-US" b="1" u="sng" baseline="0" dirty="0" smtClean="0"/>
+              <a:t> to demonstrate the above:</a:t>
+            </a:r>
+          </a:p>
+          <a:p>
+            <a:pPr marL="171450" indent="-171450">
+              <a:buFont typeface="Arial"/>
+              <a:buChar char="•"/>
+            </a:pPr>
+            <a:r>
+              <a:rPr lang="en-US" dirty="0" smtClean="0"/>
+              <a:t>Sharing Code</a:t>
+            </a:r>
+          </a:p>
+          <a:p>
+            <a:pPr marL="171450" indent="-171450">
+              <a:buFont typeface="Arial"/>
+              <a:buChar char="•"/>
+            </a:pPr>
+            <a:r>
+              <a:rPr lang="en-US" dirty="0" smtClean="0"/>
+              <a:t>User Interface Development in Android</a:t>
+            </a:r>
+          </a:p>
+          <a:p>
+            <a:pPr marL="171450" indent="-171450">
+              <a:buFont typeface="Arial"/>
+              <a:buChar char="•"/>
+            </a:pPr>
+            <a:r>
+              <a:rPr lang="en-US" dirty="0" smtClean="0"/>
+              <a:t>Java Collections</a:t>
+            </a:r>
+          </a:p>
+          <a:p>
+            <a:pPr marL="171450" indent="-171450">
+              <a:buFont typeface="Arial"/>
+              <a:buChar char="•"/>
+            </a:pPr>
+            <a:r>
+              <a:rPr lang="en-US" dirty="0" smtClean="0"/>
+              <a:t>JavaBeans</a:t>
+            </a:r>
+          </a:p>
+          <a:p>
+            <a:pPr marL="171450" indent="-171450">
+              <a:buFont typeface="Arial"/>
+              <a:buChar char="•"/>
+            </a:pPr>
+            <a:r>
+              <a:rPr lang="en-US" dirty="0" smtClean="0"/>
+              <a:t>Hibernate</a:t>
+            </a:r>
+          </a:p>
+          <a:p>
+            <a:pPr marL="171450" indent="-171450">
+              <a:buFont typeface="Arial"/>
+              <a:buChar char="•"/>
+            </a:pPr>
+            <a:r>
+              <a:rPr lang="en-US" dirty="0" smtClean="0"/>
+              <a:t>JSON Data Serialization</a:t>
+            </a:r>
+          </a:p>
+          <a:p>
+            <a:pPr marL="171450" indent="-171450">
+              <a:buFont typeface="Arial"/>
+              <a:buChar char="•"/>
+            </a:pPr>
+            <a:r>
+              <a:rPr lang="en-US" dirty="0" smtClean="0"/>
+              <a:t>Socket IO</a:t>
+            </a:r>
+          </a:p>
+          <a:p>
+            <a:pPr marL="171450" indent="-171450">
+              <a:buFont typeface="Arial"/>
+              <a:buChar char="•"/>
+            </a:pPr>
+            <a:r>
+              <a:rPr lang="en-US" dirty="0" smtClean="0"/>
+              <a:t>Android HTTP Communication</a:t>
+            </a:r>
+          </a:p>
+          <a:p>
+            <a:pPr marL="171450" indent="-171450">
+              <a:buFont typeface="Arial"/>
+              <a:buChar char="•"/>
+            </a:pPr>
+            <a:r>
+              <a:rPr lang="en-US" dirty="0" smtClean="0"/>
+              <a:t>Unit and other types of tests</a:t>
+            </a:r>
+          </a:p>
+          <a:p>
+            <a:pPr marL="171450" indent="-171450">
+              <a:buFont typeface="Arial"/>
+              <a:buChar char="•"/>
+            </a:pPr>
+            <a:r>
+              <a:rPr lang="en-US" dirty="0" smtClean="0"/>
+              <a:t>UML</a:t>
+            </a:r>
+          </a:p>
+          <a:p>
+            <a:pPr marL="171450" indent="-171450">
+              <a:buFont typeface="Arial"/>
+              <a:buChar char="•"/>
+            </a:pPr>
+            <a:r>
+              <a:rPr lang="en-US" dirty="0" smtClean="0"/>
+              <a:t>Safe Parallel Processing</a:t>
+            </a:r>
+          </a:p>
+          <a:p>
+            <a:pPr marL="171450" indent="-171450">
+              <a:buFont typeface="Arial"/>
+              <a:buChar char="•"/>
+            </a:pPr>
+            <a:r>
+              <a:rPr lang="en-US" dirty="0" smtClean="0"/>
+              <a:t>Modern Software Designs</a:t>
+            </a:r>
+          </a:p>
+          <a:p>
+            <a:pPr marL="0" indent="0">
+              <a:buFont typeface="Arial"/>
+              <a:buNone/>
+            </a:pPr>
+            <a:endParaRPr lang="en-US" dirty="0" smtClean="0"/>
           </a:p>
         </p:txBody>
       </p:sp>
@@ -937,7 +1115,7 @@
           <a:p>
             <a:fld id="{651A0C47-018D-4460-B945-BFF7981B6CA6}" type="datetimeFigureOut">
               <a:rPr lang="en-US" smtClean="0"/>
-              <a:t>7/6/13</a:t>
+              <a:t>7/8/13</a:t>
             </a:fld>
             <a:endParaRPr lang="en-US"/>
           </a:p>
@@ -1269,7 +1447,7 @@
           <a:p>
             <a:fld id="{651A0C47-018D-4460-B945-BFF7981B6CA6}" type="datetimeFigureOut">
               <a:rPr lang="en-US" smtClean="0"/>
-              <a:t>7/6/13</a:t>
+              <a:t>7/8/13</a:t>
             </a:fld>
             <a:endParaRPr lang="en-US"/>
           </a:p>
@@ -1601,7 +1779,7 @@
           <a:p>
             <a:fld id="{651A0C47-018D-4460-B945-BFF7981B6CA6}" type="datetimeFigureOut">
               <a:rPr lang="en-US" smtClean="0"/>
-              <a:t>7/6/13</a:t>
+              <a:t>7/8/13</a:t>
             </a:fld>
             <a:endParaRPr lang="en-US"/>
           </a:p>
@@ -1933,7 +2111,7 @@
           <a:p>
             <a:fld id="{651A0C47-018D-4460-B945-BFF7981B6CA6}" type="datetimeFigureOut">
               <a:rPr lang="en-US" smtClean="0"/>
-              <a:t>7/6/13</a:t>
+              <a:t>7/8/13</a:t>
             </a:fld>
             <a:endParaRPr lang="en-US"/>
           </a:p>
@@ -2622,7 +2800,7 @@
           <a:p>
             <a:fld id="{651A0C47-018D-4460-B945-BFF7981B6CA6}" type="datetimeFigureOut">
               <a:rPr lang="en-US" smtClean="0"/>
-              <a:t>7/6/13</a:t>
+              <a:t>7/8/13</a:t>
             </a:fld>
             <a:endParaRPr lang="en-US"/>
           </a:p>
@@ -2801,7 +2979,7 @@
           <a:p>
             <a:fld id="{651A0C47-018D-4460-B945-BFF7981B6CA6}" type="datetimeFigureOut">
               <a:rPr lang="en-US" smtClean="0"/>
-              <a:t>7/6/13</a:t>
+              <a:t>7/8/13</a:t>
             </a:fld>
             <a:endParaRPr lang="en-US"/>
           </a:p>
@@ -2975,7 +3153,7 @@
           <a:p>
             <a:fld id="{651A0C47-018D-4460-B945-BFF7981B6CA6}" type="datetimeFigureOut">
               <a:rPr lang="en-US" smtClean="0"/>
-              <a:t>7/6/13</a:t>
+              <a:t>7/8/13</a:t>
             </a:fld>
             <a:endParaRPr lang="en-US"/>
           </a:p>
@@ -3223,7 +3401,7 @@
           <a:p>
             <a:fld id="{651A0C47-018D-4460-B945-BFF7981B6CA6}" type="datetimeFigureOut">
               <a:rPr lang="en-US" smtClean="0"/>
-              <a:t>7/6/13</a:t>
+              <a:t>7/8/13</a:t>
             </a:fld>
             <a:endParaRPr lang="en-US"/>
           </a:p>
@@ -3553,7 +3731,7 @@
           <a:p>
             <a:fld id="{651A0C47-018D-4460-B945-BFF7981B6CA6}" type="datetimeFigureOut">
               <a:rPr lang="en-US" smtClean="0"/>
-              <a:t>7/6/13</a:t>
+              <a:t>7/8/13</a:t>
             </a:fld>
             <a:endParaRPr lang="en-US"/>
           </a:p>
@@ -3845,7 +4023,7 @@
           <a:p>
             <a:fld id="{651A0C47-018D-4460-B945-BFF7981B6CA6}" type="datetimeFigureOut">
               <a:rPr lang="en-US" smtClean="0"/>
-              <a:t>7/6/13</a:t>
+              <a:t>7/8/13</a:t>
             </a:fld>
             <a:endParaRPr lang="en-US"/>
           </a:p>
@@ -4281,7 +4459,7 @@
           <a:p>
             <a:fld id="{651A0C47-018D-4460-B945-BFF7981B6CA6}" type="datetimeFigureOut">
               <a:rPr lang="en-US" smtClean="0"/>
-              <a:t>7/6/13</a:t>
+              <a:t>7/8/13</a:t>
             </a:fld>
             <a:endParaRPr lang="en-US"/>
           </a:p>
@@ -4468,7 +4646,7 @@
           <a:p>
             <a:fld id="{651A0C47-018D-4460-B945-BFF7981B6CA6}" type="datetimeFigureOut">
               <a:rPr lang="en-US" smtClean="0"/>
-              <a:t>7/6/13</a:t>
+              <a:t>7/8/13</a:t>
             </a:fld>
             <a:endParaRPr lang="en-US"/>
           </a:p>
@@ -4558,7 +4736,7 @@
           <a:p>
             <a:fld id="{651A0C47-018D-4460-B945-BFF7981B6CA6}" type="datetimeFigureOut">
               <a:rPr lang="en-US" smtClean="0"/>
-              <a:t>7/6/13</a:t>
+              <a:t>7/8/13</a:t>
             </a:fld>
             <a:endParaRPr lang="en-US"/>
           </a:p>
@@ -4839,7 +5017,7 @@
           <a:p>
             <a:fld id="{651A0C47-018D-4460-B945-BFF7981B6CA6}" type="datetimeFigureOut">
               <a:rPr lang="en-US" smtClean="0"/>
-              <a:t>7/6/13</a:t>
+              <a:t>7/8/13</a:t>
             </a:fld>
             <a:endParaRPr lang="en-US"/>
           </a:p>
@@ -5054,7 +5232,7 @@
           <a:p>
             <a:fld id="{651A0C47-018D-4460-B945-BFF7981B6CA6}" type="datetimeFigureOut">
               <a:rPr lang="en-US" smtClean="0"/>
-              <a:t>7/6/13</a:t>
+              <a:t>7/8/13</a:t>
             </a:fld>
             <a:endParaRPr lang="en-US"/>
           </a:p>
@@ -5622,7 +5800,7 @@
           <a:p>
             <a:r>
               <a:rPr lang="en-US" dirty="0" smtClean="0"/>
-              <a:t>Long Distance Collaboration</a:t>
+              <a:t>Shawn</a:t>
             </a:r>
             <a:endParaRPr lang="en-US" dirty="0"/>
           </a:p>
@@ -5694,7 +5872,7 @@
           <a:p>
             <a:r>
               <a:rPr lang="en-US" dirty="0" smtClean="0"/>
-              <a:t>UML Diagrams</a:t>
+              <a:t>Jeff</a:t>
             </a:r>
             <a:endParaRPr lang="en-US" dirty="0"/>
           </a:p>
@@ -5715,14 +5893,6 @@
           <a:bodyPr/>
           <a:lstStyle/>
           <a:p>
-            <a:r>
-              <a:rPr lang="en-US" dirty="0" smtClean="0"/>
-              <a:t>Our </a:t>
-            </a:r>
-            <a:r>
-              <a:rPr lang="en-US" dirty="0" err="1" smtClean="0"/>
-              <a:t>expierences</a:t>
-            </a:r>
             <a:endParaRPr lang="en-US" dirty="0"/>
           </a:p>
         </p:txBody>
@@ -5773,8 +5943,8 @@
           <a:lstStyle/>
           <a:p>
             <a:r>
-              <a:rPr lang="en-US" dirty="0" err="1" smtClean="0"/>
-              <a:t>TestCases</a:t>
+              <a:rPr lang="en-US" dirty="0" smtClean="0"/>
+              <a:t>Craig</a:t>
             </a:r>
             <a:endParaRPr lang="en-US" dirty="0"/>
           </a:p>
@@ -5794,16 +5964,6 @@
         <p:txBody>
           <a:bodyPr/>
           <a:lstStyle/>
-          <a:p>
-            <a:r>
-              <a:rPr lang="en-US" dirty="0" err="1" smtClean="0"/>
-              <a:t>JUnit</a:t>
-            </a:r>
-            <a:r>
-              <a:rPr lang="en-US" dirty="0" smtClean="0"/>
-              <a:t> Code</a:t>
-            </a:r>
-          </a:p>
           <a:p>
             <a:endParaRPr lang="en-US" dirty="0"/>
           </a:p>
@@ -5819,160 +5979,6 @@
     <p:extLst>
       <p:ext uri="{BB962C8B-B14F-4D97-AF65-F5344CB8AC3E}">
         <p14:creationId xmlns:p14="http://schemas.microsoft.com/office/powerpoint/2010/main" val="3041906056"/>
-      </p:ext>
-    </p:extLst>
-  </p:cSld>
-  <p:clrMapOvr>
-    <a:masterClrMapping/>
-  </p:clrMapOvr>
-</p:sld>
-</file>
-
-<file path=ppt/slides/slide5.xml><?xml version="1.0" encoding="utf-8"?>
-<p:sld xmlns:a="http://schemas.openxmlformats.org/drawingml/2006/main" xmlns:r="http://schemas.openxmlformats.org/officeDocument/2006/relationships" xmlns:p="http://schemas.openxmlformats.org/presentationml/2006/main">
-  <p:cSld>
-    <p:spTree>
-      <p:nvGrpSpPr>
-        <p:cNvPr id="1" name=""/>
-        <p:cNvGrpSpPr/>
-        <p:nvPr/>
-      </p:nvGrpSpPr>
-      <p:grpSpPr>
-        <a:xfrm>
-          <a:off x="0" y="0"/>
-          <a:ext cx="0" cy="0"/>
-          <a:chOff x="0" y="0"/>
-          <a:chExt cx="0" cy="0"/>
-        </a:xfrm>
-      </p:grpSpPr>
-      <p:sp>
-        <p:nvSpPr>
-          <p:cNvPr id="2" name="Title 1"/>
-          <p:cNvSpPr>
-            <a:spLocks noGrp="1"/>
-          </p:cNvSpPr>
-          <p:nvPr>
-            <p:ph type="title"/>
-          </p:nvPr>
-        </p:nvSpPr>
-        <p:spPr/>
-        <p:txBody>
-          <a:bodyPr/>
-          <a:lstStyle/>
-          <a:p>
-            <a:r>
-              <a:rPr lang="en-US" dirty="0" smtClean="0"/>
-              <a:t>Collections</a:t>
-            </a:r>
-            <a:endParaRPr lang="en-US" dirty="0"/>
-          </a:p>
-        </p:txBody>
-      </p:sp>
-      <p:sp>
-        <p:nvSpPr>
-          <p:cNvPr id="3" name="Content Placeholder 2"/>
-          <p:cNvSpPr>
-            <a:spLocks noGrp="1"/>
-          </p:cNvSpPr>
-          <p:nvPr>
-            <p:ph idx="1"/>
-          </p:nvPr>
-        </p:nvSpPr>
-        <p:spPr/>
-        <p:txBody>
-          <a:bodyPr/>
-          <a:lstStyle/>
-          <a:p>
-            <a:r>
-              <a:rPr lang="en-US" dirty="0" err="1" smtClean="0"/>
-              <a:t>HashMap</a:t>
-            </a:r>
-            <a:endParaRPr lang="en-US" dirty="0" smtClean="0"/>
-          </a:p>
-          <a:p>
-            <a:endParaRPr lang="en-US" dirty="0"/>
-          </a:p>
-          <a:p>
-            <a:r>
-              <a:rPr lang="en-US" dirty="0" err="1" smtClean="0"/>
-              <a:t>ArrayList</a:t>
-            </a:r>
-            <a:endParaRPr lang="en-US" dirty="0"/>
-          </a:p>
-        </p:txBody>
-      </p:sp>
-    </p:spTree>
-    <p:extLst>
-      <p:ext uri="{BB962C8B-B14F-4D97-AF65-F5344CB8AC3E}">
-        <p14:creationId xmlns:p14="http://schemas.microsoft.com/office/powerpoint/2010/main" val="386964924"/>
-      </p:ext>
-    </p:extLst>
-  </p:cSld>
-  <p:clrMapOvr>
-    <a:masterClrMapping/>
-  </p:clrMapOvr>
-</p:sld>
-</file>
-
-<file path=ppt/slides/slide6.xml><?xml version="1.0" encoding="utf-8"?>
-<p:sld xmlns:a="http://schemas.openxmlformats.org/drawingml/2006/main" xmlns:r="http://schemas.openxmlformats.org/officeDocument/2006/relationships" xmlns:p="http://schemas.openxmlformats.org/presentationml/2006/main">
-  <p:cSld>
-    <p:spTree>
-      <p:nvGrpSpPr>
-        <p:cNvPr id="1" name=""/>
-        <p:cNvGrpSpPr/>
-        <p:nvPr/>
-      </p:nvGrpSpPr>
-      <p:grpSpPr>
-        <a:xfrm>
-          <a:off x="0" y="0"/>
-          <a:ext cx="0" cy="0"/>
-          <a:chOff x="0" y="0"/>
-          <a:chExt cx="0" cy="0"/>
-        </a:xfrm>
-      </p:grpSpPr>
-      <p:sp>
-        <p:nvSpPr>
-          <p:cNvPr id="2" name="Title 1"/>
-          <p:cNvSpPr>
-            <a:spLocks noGrp="1"/>
-          </p:cNvSpPr>
-          <p:nvPr>
-            <p:ph type="title"/>
-          </p:nvPr>
-        </p:nvSpPr>
-        <p:spPr/>
-        <p:txBody>
-          <a:bodyPr/>
-          <a:lstStyle/>
-          <a:p>
-            <a:endParaRPr lang="en-US" dirty="0"/>
-          </a:p>
-        </p:txBody>
-      </p:sp>
-      <p:sp>
-        <p:nvSpPr>
-          <p:cNvPr id="3" name="Content Placeholder 2"/>
-          <p:cNvSpPr>
-            <a:spLocks noGrp="1"/>
-          </p:cNvSpPr>
-          <p:nvPr>
-            <p:ph idx="1"/>
-          </p:nvPr>
-        </p:nvSpPr>
-        <p:spPr/>
-        <p:txBody>
-          <a:bodyPr/>
-          <a:lstStyle/>
-          <a:p>
-            <a:endParaRPr lang="en-US"/>
-          </a:p>
-        </p:txBody>
-      </p:sp>
-    </p:spTree>
-    <p:extLst>
-      <p:ext uri="{BB962C8B-B14F-4D97-AF65-F5344CB8AC3E}">
-        <p14:creationId xmlns:p14="http://schemas.microsoft.com/office/powerpoint/2010/main" val="4266857435"/>
       </p:ext>
     </p:extLst>
   </p:cSld>

--- a/Documents/CIT312Presentation.pptx
+++ b/Documents/CIT312Presentation.pptx
@@ -5,13 +5,18 @@
     <p:sldMasterId id="2147483660" r:id="rId1"/>
   </p:sldMasterIdLst>
   <p:notesMasterIdLst>
-    <p:notesMasterId r:id="rId6"/>
+    <p:notesMasterId r:id="rId11"/>
   </p:notesMasterIdLst>
   <p:sldIdLst>
     <p:sldId id="256" r:id="rId2"/>
-    <p:sldId id="257" r:id="rId3"/>
-    <p:sldId id="258" r:id="rId4"/>
-    <p:sldId id="259" r:id="rId5"/>
+    <p:sldId id="264" r:id="rId3"/>
+    <p:sldId id="265" r:id="rId4"/>
+    <p:sldId id="263" r:id="rId5"/>
+    <p:sldId id="260" r:id="rId6"/>
+    <p:sldId id="262" r:id="rId7"/>
+    <p:sldId id="259" r:id="rId8"/>
+    <p:sldId id="261" r:id="rId9"/>
+    <p:sldId id="266" r:id="rId10"/>
   </p:sldIdLst>
   <p:sldSz cx="9144000" cy="6858000" type="screen4x3"/>
   <p:notesSz cx="6858000" cy="9144000"/>
@@ -195,7 +200,7 @@
           <a:p>
             <a:fld id="{E6D11BD6-3C27-AE4B-8E1D-F2E88D3E25BE}" type="datetimeFigureOut">
               <a:rPr lang="en-US" smtClean="0"/>
-              <a:t>7/8/13</a:t>
+              <a:t>7/10/13</a:t>
             </a:fld>
             <a:endParaRPr lang="en-US"/>
           </a:p>
@@ -508,269 +513,17 @@
           <a:lstStyle/>
           <a:p>
             <a:r>
-              <a:rPr lang="en-US" b="1" u="sng" dirty="0" smtClean="0"/>
-              <a:t>Presentation</a:t>
-            </a:r>
-            <a:r>
-              <a:rPr lang="en-US" b="1" u="sng" baseline="0" dirty="0" smtClean="0"/>
-              <a:t> needs to demonstrate:</a:t>
-            </a:r>
-            <a:endParaRPr lang="en-US" b="1" u="sng" dirty="0" smtClean="0"/>
-          </a:p>
-          <a:p>
-            <a:pPr marL="171450" indent="-171450">
-              <a:buFont typeface="Arial"/>
-              <a:buChar char="•"/>
-            </a:pPr>
-            <a:r>
               <a:rPr lang="en-US" dirty="0" smtClean="0"/>
-              <a:t>Fluent in technical areas</a:t>
-            </a:r>
-          </a:p>
-          <a:p>
-            <a:pPr marL="171450" indent="-171450">
-              <a:buFont typeface="Arial"/>
-              <a:buChar char="•"/>
-            </a:pPr>
-            <a:r>
-              <a:rPr lang="en-US" dirty="0" smtClean="0"/>
-              <a:t>Creativity</a:t>
-            </a:r>
-          </a:p>
-          <a:p>
-            <a:pPr marL="171450" indent="-171450">
-              <a:buFont typeface="Arial"/>
-              <a:buChar char="•"/>
-            </a:pPr>
-            <a:r>
-              <a:rPr lang="en-US" dirty="0" smtClean="0"/>
-              <a:t>Originality</a:t>
-            </a:r>
-          </a:p>
-          <a:p>
-            <a:pPr marL="171450" indent="-171450">
-              <a:buFont typeface="Arial"/>
-              <a:buChar char="•"/>
-            </a:pPr>
-            <a:r>
-              <a:rPr lang="en-US" dirty="0" smtClean="0"/>
-              <a:t>Openness to new</a:t>
+              <a:t>Intro</a:t>
             </a:r>
             <a:r>
               <a:rPr lang="en-US" baseline="0" dirty="0" smtClean="0"/>
-              <a:t> ideas</a:t>
-            </a:r>
-            <a:endParaRPr lang="en-US" dirty="0" smtClean="0"/>
-          </a:p>
-          <a:p>
-            <a:pPr marL="171450" indent="-171450">
-              <a:buFont typeface="Arial"/>
-              <a:buChar char="•"/>
-            </a:pPr>
-            <a:r>
-              <a:rPr lang="en-US" dirty="0" smtClean="0"/>
-              <a:t>Explain why options were selected</a:t>
-            </a:r>
-          </a:p>
-          <a:p>
-            <a:pPr marL="171450" indent="-171450">
-              <a:buFont typeface="Arial"/>
-              <a:buChar char="•"/>
-            </a:pPr>
-            <a:r>
-              <a:rPr lang="en-US" dirty="0" smtClean="0"/>
-              <a:t>Self reflection/meta-cognition</a:t>
-            </a:r>
-          </a:p>
-          <a:p>
-            <a:pPr marL="171450" indent="-171450">
-              <a:buFont typeface="Arial"/>
-              <a:buChar char="•"/>
-            </a:pPr>
-            <a:r>
-              <a:rPr lang="en-US" dirty="0" smtClean="0"/>
-              <a:t>Ability to communicate </a:t>
-            </a:r>
-            <a:r>
-              <a:rPr lang="en-US" dirty="0" smtClean="0"/>
-              <a:t>well</a:t>
-            </a:r>
-          </a:p>
-          <a:p>
-            <a:pPr marL="171450" indent="-171450">
-              <a:buFont typeface="Arial"/>
-              <a:buChar char="•"/>
-            </a:pPr>
-            <a:endParaRPr lang="en-US" dirty="0" smtClean="0"/>
-          </a:p>
-          <a:p>
-            <a:pPr marL="171450" indent="-171450">
-              <a:buFont typeface="Arial"/>
-              <a:buChar char="•"/>
-            </a:pPr>
-            <a:endParaRPr lang="en-US" dirty="0" smtClean="0"/>
-          </a:p>
-          <a:p>
-            <a:pPr marL="171450" indent="-171450">
-              <a:buFont typeface="Arial"/>
-              <a:buChar char="•"/>
-            </a:pPr>
-            <a:endParaRPr lang="en-US" dirty="0" smtClean="0"/>
-          </a:p>
-          <a:p>
-            <a:pPr marL="171450" indent="-171450">
-              <a:buFont typeface="Arial"/>
-              <a:buChar char="•"/>
-            </a:pPr>
-            <a:endParaRPr lang="en-US" dirty="0" smtClean="0"/>
-          </a:p>
-          <a:p>
-            <a:pPr marL="171450" indent="-171450">
-              <a:buFont typeface="Arial"/>
-              <a:buChar char="•"/>
-            </a:pPr>
-            <a:endParaRPr lang="en-US" dirty="0" smtClean="0"/>
-          </a:p>
-          <a:p>
-            <a:pPr marL="0" indent="0">
-              <a:buFont typeface="Arial"/>
-              <a:buNone/>
-            </a:pPr>
-            <a:r>
-              <a:rPr lang="en-US" b="1" u="sng" dirty="0" smtClean="0"/>
-              <a:t>Use these technical areas</a:t>
-            </a:r>
-            <a:r>
-              <a:rPr lang="en-US" b="1" u="sng" baseline="0" dirty="0" smtClean="0"/>
-              <a:t> to demonstrate the above:</a:t>
-            </a:r>
-          </a:p>
-          <a:p>
-            <a:pPr marL="171450" indent="-171450">
-              <a:buFont typeface="Arial"/>
-              <a:buChar char="•"/>
-            </a:pPr>
-            <a:r>
-              <a:rPr lang="en-US" dirty="0" smtClean="0"/>
-              <a:t>Sharing Code</a:t>
-            </a:r>
-          </a:p>
-          <a:p>
-            <a:pPr marL="171450" indent="-171450">
-              <a:buFont typeface="Arial"/>
-              <a:buChar char="•"/>
-            </a:pPr>
-            <a:r>
-              <a:rPr lang="en-US" dirty="0" smtClean="0"/>
-              <a:t>User Interface Development in Android</a:t>
-            </a:r>
-          </a:p>
-          <a:p>
-            <a:pPr marL="171450" indent="-171450">
-              <a:buFont typeface="Arial"/>
-              <a:buChar char="•"/>
-            </a:pPr>
-            <a:r>
-              <a:rPr lang="en-US" dirty="0" smtClean="0"/>
-              <a:t>Java Collections</a:t>
-            </a:r>
-          </a:p>
-          <a:p>
-            <a:pPr marL="171450" indent="-171450">
-              <a:buFont typeface="Arial"/>
-              <a:buChar char="•"/>
-            </a:pPr>
-            <a:r>
-              <a:rPr lang="en-US" dirty="0" smtClean="0"/>
-              <a:t>JavaBeans</a:t>
-            </a:r>
-          </a:p>
-          <a:p>
-            <a:pPr marL="171450" indent="-171450">
-              <a:buFont typeface="Arial"/>
-              <a:buChar char="•"/>
-            </a:pPr>
-            <a:r>
-              <a:rPr lang="en-US" dirty="0" smtClean="0"/>
-              <a:t>Hibernate</a:t>
-            </a:r>
-          </a:p>
-          <a:p>
-            <a:pPr marL="171450" indent="-171450">
-              <a:buFont typeface="Arial"/>
-              <a:buChar char="•"/>
-            </a:pPr>
-            <a:r>
-              <a:rPr lang="en-US" dirty="0" smtClean="0"/>
-              <a:t>JSON Data Serialization</a:t>
-            </a:r>
-          </a:p>
-          <a:p>
-            <a:pPr marL="171450" indent="-171450">
-              <a:buFont typeface="Arial"/>
-              <a:buChar char="•"/>
-            </a:pPr>
-            <a:r>
-              <a:rPr lang="en-US" dirty="0" smtClean="0"/>
-              <a:t>Socket IO</a:t>
-            </a:r>
-          </a:p>
-          <a:p>
-            <a:pPr marL="171450" indent="-171450">
-              <a:buFont typeface="Arial"/>
-              <a:buChar char="•"/>
-            </a:pPr>
-            <a:r>
-              <a:rPr lang="en-US" dirty="0" smtClean="0"/>
-              <a:t>Android HTTP Communication</a:t>
-            </a:r>
-          </a:p>
-          <a:p>
-            <a:pPr marL="171450" indent="-171450">
-              <a:buFont typeface="Arial"/>
-              <a:buChar char="•"/>
-            </a:pPr>
-            <a:r>
-              <a:rPr lang="en-US" dirty="0" smtClean="0"/>
-              <a:t>Unit and other types of tests</a:t>
-            </a:r>
-          </a:p>
-          <a:p>
-            <a:pPr marL="171450" indent="-171450">
-              <a:buFont typeface="Arial"/>
-              <a:buChar char="•"/>
-            </a:pPr>
-            <a:r>
-              <a:rPr lang="en-US" dirty="0" smtClean="0"/>
-              <a:t>UML</a:t>
-            </a:r>
-          </a:p>
-          <a:p>
-            <a:pPr marL="171450" indent="-171450">
-              <a:buFont typeface="Arial"/>
-              <a:buChar char="•"/>
-            </a:pPr>
-            <a:r>
-              <a:rPr lang="en-US" dirty="0" smtClean="0"/>
-              <a:t>Safe Parallel Processing</a:t>
-            </a:r>
-          </a:p>
-          <a:p>
-            <a:pPr marL="171450" indent="-171450">
-              <a:buFont typeface="Arial"/>
-              <a:buChar char="•"/>
-            </a:pPr>
-            <a:r>
-              <a:rPr lang="en-US" dirty="0" smtClean="0"/>
-              <a:t>Modern Software Designs</a:t>
-            </a:r>
-          </a:p>
-          <a:p>
-            <a:pPr marL="0" indent="0">
-              <a:buFont typeface="Arial"/>
-              <a:buNone/>
-            </a:pPr>
-            <a:endParaRPr lang="en-US" dirty="0" smtClean="0"/>
+              <a:t> to our app and the basic info about it</a:t>
+            </a:r>
+            <a:r>
+              <a:rPr lang="en-US" baseline="0" dirty="0" smtClean="0"/>
+              <a:t>.</a:t>
+            </a:r>
           </a:p>
         </p:txBody>
       </p:sp>
@@ -854,6 +607,100 @@
           <a:bodyPr/>
           <a:lstStyle/>
           <a:p>
+            <a:pPr marL="0" indent="0">
+              <a:buFont typeface="Arial"/>
+              <a:buNone/>
+            </a:pPr>
+            <a:r>
+              <a:rPr lang="en-US" b="1" u="sng" dirty="0" smtClean="0"/>
+              <a:t>All – start with Jeff then </a:t>
+            </a:r>
+            <a:r>
+              <a:rPr lang="en-US" b="1" u="sng" dirty="0" smtClean="0"/>
+              <a:t>Shawn</a:t>
+            </a:r>
+            <a:r>
+              <a:rPr lang="en-US" b="1" u="sng" baseline="0" dirty="0" smtClean="0"/>
+              <a:t> </a:t>
+            </a:r>
+            <a:r>
+              <a:rPr lang="en-US" b="1" u="sng" baseline="0" dirty="0" smtClean="0"/>
+              <a:t>then </a:t>
+            </a:r>
+            <a:r>
+              <a:rPr lang="en-US" b="1" u="sng" baseline="0" dirty="0" smtClean="0"/>
+              <a:t>Craig</a:t>
+            </a:r>
+            <a:endParaRPr lang="en-US" b="1" u="sng" dirty="0" smtClean="0"/>
+          </a:p>
+          <a:p>
+            <a:pPr marL="0" indent="0">
+              <a:buFont typeface="Arial"/>
+              <a:buNone/>
+            </a:pPr>
+            <a:endParaRPr lang="en-US" b="1" u="sng" dirty="0" smtClean="0"/>
+          </a:p>
+          <a:p>
+            <a:pPr marL="0" indent="0">
+              <a:buFont typeface="Arial"/>
+              <a:buNone/>
+            </a:pPr>
+            <a:r>
+              <a:rPr lang="en-US" b="1" u="sng" dirty="0" smtClean="0"/>
+              <a:t>Ability to communicate well</a:t>
+            </a:r>
+          </a:p>
+          <a:p>
+            <a:pPr marL="171450" lvl="0" indent="-171450">
+              <a:buFont typeface="Arial"/>
+              <a:buChar char="•"/>
+            </a:pPr>
+            <a:r>
+              <a:rPr lang="en-US" dirty="0" smtClean="0"/>
+              <a:t>Share experiences with</a:t>
+            </a:r>
+            <a:r>
+              <a:rPr lang="en-US" baseline="0" dirty="0" smtClean="0"/>
+              <a:t> </a:t>
+            </a:r>
+            <a:r>
+              <a:rPr lang="en-US" baseline="0" dirty="0" err="1" smtClean="0"/>
+              <a:t>GoToMeeting</a:t>
+            </a:r>
+            <a:r>
+              <a:rPr lang="en-US" baseline="0" dirty="0" smtClean="0"/>
+              <a:t>/</a:t>
+            </a:r>
+            <a:r>
+              <a:rPr lang="en-US" baseline="0" dirty="0" err="1" smtClean="0"/>
+              <a:t>GitHub</a:t>
+            </a:r>
+            <a:endParaRPr lang="en-US" baseline="0" dirty="0" smtClean="0"/>
+          </a:p>
+          <a:p>
+            <a:pPr marL="171450" lvl="0" indent="-171450">
+              <a:buFont typeface="Arial"/>
+              <a:buChar char="•"/>
+            </a:pPr>
+            <a:r>
+              <a:rPr lang="en-US" baseline="0" dirty="0" smtClean="0"/>
+              <a:t>Learn </a:t>
+            </a:r>
+            <a:r>
+              <a:rPr lang="en-US" baseline="0" dirty="0" smtClean="0"/>
+              <a:t>on our own then come </a:t>
+            </a:r>
+            <a:r>
+              <a:rPr lang="en-US" baseline="0" dirty="0" smtClean="0"/>
+              <a:t>together and taught </a:t>
+            </a:r>
+            <a:r>
+              <a:rPr lang="en-US" baseline="0" dirty="0" err="1" smtClean="0"/>
+              <a:t>eachother</a:t>
+            </a:r>
+            <a:endParaRPr lang="en-US" dirty="0" smtClean="0"/>
+          </a:p>
+          <a:p>
             <a:endParaRPr lang="en-US" dirty="0"/>
           </a:p>
         </p:txBody>
@@ -884,7 +731,924 @@
     </p:spTree>
     <p:extLst>
       <p:ext uri="{BB962C8B-B14F-4D97-AF65-F5344CB8AC3E}">
-        <p14:creationId xmlns:p14="http://schemas.microsoft.com/office/powerpoint/2010/main" val="4168840207"/>
+        <p14:creationId xmlns:p14="http://schemas.microsoft.com/office/powerpoint/2010/main" val="2559779320"/>
+      </p:ext>
+    </p:extLst>
+  </p:cSld>
+  <p:clrMapOvr>
+    <a:masterClrMapping/>
+  </p:clrMapOvr>
+</p:notes>
+</file>
+
+<file path=ppt/notesSlides/notesSlide3.xml><?xml version="1.0" encoding="utf-8"?>
+<p:notes xmlns:a="http://schemas.openxmlformats.org/drawingml/2006/main" xmlns:r="http://schemas.openxmlformats.org/officeDocument/2006/relationships" xmlns:p="http://schemas.openxmlformats.org/presentationml/2006/main">
+  <p:cSld>
+    <p:spTree>
+      <p:nvGrpSpPr>
+        <p:cNvPr id="1" name=""/>
+        <p:cNvGrpSpPr/>
+        <p:nvPr/>
+      </p:nvGrpSpPr>
+      <p:grpSpPr>
+        <a:xfrm>
+          <a:off x="0" y="0"/>
+          <a:ext cx="0" cy="0"/>
+          <a:chOff x="0" y="0"/>
+          <a:chExt cx="0" cy="0"/>
+        </a:xfrm>
+      </p:grpSpPr>
+      <p:sp>
+        <p:nvSpPr>
+          <p:cNvPr id="2" name="Slide Image Placeholder 1"/>
+          <p:cNvSpPr>
+            <a:spLocks noGrp="1" noRot="1" noChangeAspect="1"/>
+          </p:cNvSpPr>
+          <p:nvPr>
+            <p:ph type="sldImg"/>
+          </p:nvPr>
+        </p:nvSpPr>
+        <p:spPr/>
+      </p:sp>
+      <p:sp>
+        <p:nvSpPr>
+          <p:cNvPr id="3" name="Notes Placeholder 2"/>
+          <p:cNvSpPr>
+            <a:spLocks noGrp="1"/>
+          </p:cNvSpPr>
+          <p:nvPr>
+            <p:ph type="body" idx="1"/>
+          </p:nvPr>
+        </p:nvSpPr>
+        <p:spPr/>
+        <p:txBody>
+          <a:bodyPr/>
+          <a:lstStyle/>
+          <a:p>
+            <a:r>
+              <a:rPr lang="en-US" b="1" u="sng" dirty="0" smtClean="0"/>
+              <a:t>Jeff</a:t>
+            </a:r>
+          </a:p>
+          <a:p>
+            <a:pPr marL="171450" indent="-171450">
+              <a:buFont typeface="Arial"/>
+              <a:buChar char="•"/>
+            </a:pPr>
+            <a:r>
+              <a:rPr lang="en-US" b="0" u="none" dirty="0" smtClean="0"/>
+              <a:t>By creating diagrams helped visualize the flow</a:t>
+            </a:r>
+            <a:r>
+              <a:rPr lang="en-US" b="0" u="none" baseline="0" dirty="0" smtClean="0"/>
+              <a:t> and relationships of classes that allows to organize the code in a more efficient modular manner</a:t>
+            </a:r>
+            <a:endParaRPr lang="en-US" b="0" u="none" dirty="0"/>
+          </a:p>
+        </p:txBody>
+      </p:sp>
+      <p:sp>
+        <p:nvSpPr>
+          <p:cNvPr id="4" name="Slide Number Placeholder 3"/>
+          <p:cNvSpPr>
+            <a:spLocks noGrp="1"/>
+          </p:cNvSpPr>
+          <p:nvPr>
+            <p:ph type="sldNum" sz="quarter" idx="10"/>
+          </p:nvPr>
+        </p:nvSpPr>
+        <p:spPr/>
+        <p:txBody>
+          <a:bodyPr/>
+          <a:lstStyle/>
+          <a:p>
+            <a:fld id="{1F5F59E0-0C9E-B44E-B3B1-2F0A462DBE4C}" type="slidenum">
+              <a:rPr lang="en-US" smtClean="0"/>
+              <a:t>3</a:t>
+            </a:fld>
+            <a:endParaRPr lang="en-US"/>
+          </a:p>
+        </p:txBody>
+      </p:sp>
+    </p:spTree>
+    <p:extLst>
+      <p:ext uri="{BB962C8B-B14F-4D97-AF65-F5344CB8AC3E}">
+        <p14:creationId xmlns:p14="http://schemas.microsoft.com/office/powerpoint/2010/main" val="978563351"/>
+      </p:ext>
+    </p:extLst>
+  </p:cSld>
+  <p:clrMapOvr>
+    <a:masterClrMapping/>
+  </p:clrMapOvr>
+</p:notes>
+</file>
+
+<file path=ppt/notesSlides/notesSlide4.xml><?xml version="1.0" encoding="utf-8"?>
+<p:notes xmlns:a="http://schemas.openxmlformats.org/drawingml/2006/main" xmlns:r="http://schemas.openxmlformats.org/officeDocument/2006/relationships" xmlns:p="http://schemas.openxmlformats.org/presentationml/2006/main">
+  <p:cSld>
+    <p:spTree>
+      <p:nvGrpSpPr>
+        <p:cNvPr id="1" name=""/>
+        <p:cNvGrpSpPr/>
+        <p:nvPr/>
+      </p:nvGrpSpPr>
+      <p:grpSpPr>
+        <a:xfrm>
+          <a:off x="0" y="0"/>
+          <a:ext cx="0" cy="0"/>
+          <a:chOff x="0" y="0"/>
+          <a:chExt cx="0" cy="0"/>
+        </a:xfrm>
+      </p:grpSpPr>
+      <p:sp>
+        <p:nvSpPr>
+          <p:cNvPr id="2" name="Slide Image Placeholder 1"/>
+          <p:cNvSpPr>
+            <a:spLocks noGrp="1" noRot="1" noChangeAspect="1"/>
+          </p:cNvSpPr>
+          <p:nvPr>
+            <p:ph type="sldImg"/>
+          </p:nvPr>
+        </p:nvSpPr>
+        <p:spPr/>
+      </p:sp>
+      <p:sp>
+        <p:nvSpPr>
+          <p:cNvPr id="3" name="Notes Placeholder 2"/>
+          <p:cNvSpPr>
+            <a:spLocks noGrp="1"/>
+          </p:cNvSpPr>
+          <p:nvPr>
+            <p:ph type="body" idx="1"/>
+          </p:nvPr>
+        </p:nvSpPr>
+        <p:spPr/>
+        <p:txBody>
+          <a:bodyPr/>
+          <a:lstStyle/>
+          <a:p>
+            <a:pPr marL="0" indent="0">
+              <a:buFont typeface="Arial"/>
+              <a:buNone/>
+            </a:pPr>
+            <a:r>
+              <a:rPr lang="en-US" b="1" u="sng" dirty="0" smtClean="0"/>
+              <a:t>Craig/Jeff</a:t>
+            </a:r>
+          </a:p>
+          <a:p>
+            <a:pPr marL="0" indent="0">
+              <a:buFont typeface="Arial"/>
+              <a:buNone/>
+            </a:pPr>
+            <a:endParaRPr lang="en-US" b="1" u="sng" dirty="0" smtClean="0"/>
+          </a:p>
+          <a:p>
+            <a:pPr marL="0" indent="0">
+              <a:buFont typeface="Arial"/>
+              <a:buNone/>
+            </a:pPr>
+            <a:r>
+              <a:rPr lang="en-US" b="1" u="sng" dirty="0" smtClean="0"/>
+              <a:t>Self reflection/meta-</a:t>
+            </a:r>
+            <a:r>
+              <a:rPr lang="en-US" b="1" u="sng" dirty="0" smtClean="0"/>
+              <a:t>cognition </a:t>
+            </a:r>
+            <a:r>
+              <a:rPr lang="en-US" dirty="0" smtClean="0"/>
+              <a:t>(aka.</a:t>
+            </a:r>
+            <a:r>
+              <a:rPr lang="en-US" baseline="0" dirty="0" smtClean="0"/>
+              <a:t> </a:t>
+            </a:r>
+            <a:r>
+              <a:rPr lang="en-US" dirty="0" smtClean="0"/>
+              <a:t>awareness </a:t>
+            </a:r>
+            <a:r>
+              <a:rPr lang="en-US" dirty="0" smtClean="0"/>
+              <a:t>or analysis of one's own learning or thinking processes)</a:t>
+            </a:r>
+          </a:p>
+          <a:p>
+            <a:pPr marL="171450" lvl="0" indent="-171450">
+              <a:buFont typeface="Arial"/>
+              <a:buChar char="•"/>
+            </a:pPr>
+            <a:r>
+              <a:rPr lang="en-US" dirty="0" smtClean="0"/>
+              <a:t>UML helped programming</a:t>
+            </a:r>
+          </a:p>
+          <a:p>
+            <a:endParaRPr lang="en-US" dirty="0"/>
+          </a:p>
+        </p:txBody>
+      </p:sp>
+      <p:sp>
+        <p:nvSpPr>
+          <p:cNvPr id="4" name="Slide Number Placeholder 3"/>
+          <p:cNvSpPr>
+            <a:spLocks noGrp="1"/>
+          </p:cNvSpPr>
+          <p:nvPr>
+            <p:ph type="sldNum" sz="quarter" idx="10"/>
+          </p:nvPr>
+        </p:nvSpPr>
+        <p:spPr/>
+        <p:txBody>
+          <a:bodyPr/>
+          <a:lstStyle/>
+          <a:p>
+            <a:fld id="{1F5F59E0-0C9E-B44E-B3B1-2F0A462DBE4C}" type="slidenum">
+              <a:rPr lang="en-US" smtClean="0"/>
+              <a:t>4</a:t>
+            </a:fld>
+            <a:endParaRPr lang="en-US"/>
+          </a:p>
+        </p:txBody>
+      </p:sp>
+    </p:spTree>
+    <p:extLst>
+      <p:ext uri="{BB962C8B-B14F-4D97-AF65-F5344CB8AC3E}">
+        <p14:creationId xmlns:p14="http://schemas.microsoft.com/office/powerpoint/2010/main" val="1172300928"/>
+      </p:ext>
+    </p:extLst>
+  </p:cSld>
+  <p:clrMapOvr>
+    <a:masterClrMapping/>
+  </p:clrMapOvr>
+</p:notes>
+</file>
+
+<file path=ppt/notesSlides/notesSlide5.xml><?xml version="1.0" encoding="utf-8"?>
+<p:notes xmlns:a="http://schemas.openxmlformats.org/drawingml/2006/main" xmlns:r="http://schemas.openxmlformats.org/officeDocument/2006/relationships" xmlns:p="http://schemas.openxmlformats.org/presentationml/2006/main">
+  <p:cSld>
+    <p:spTree>
+      <p:nvGrpSpPr>
+        <p:cNvPr id="1" name=""/>
+        <p:cNvGrpSpPr/>
+        <p:nvPr/>
+      </p:nvGrpSpPr>
+      <p:grpSpPr>
+        <a:xfrm>
+          <a:off x="0" y="0"/>
+          <a:ext cx="0" cy="0"/>
+          <a:chOff x="0" y="0"/>
+          <a:chExt cx="0" cy="0"/>
+        </a:xfrm>
+      </p:grpSpPr>
+      <p:sp>
+        <p:nvSpPr>
+          <p:cNvPr id="2" name="Slide Image Placeholder 1"/>
+          <p:cNvSpPr>
+            <a:spLocks noGrp="1" noRot="1" noChangeAspect="1"/>
+          </p:cNvSpPr>
+          <p:nvPr>
+            <p:ph type="sldImg"/>
+          </p:nvPr>
+        </p:nvSpPr>
+        <p:spPr/>
+      </p:sp>
+      <p:sp>
+        <p:nvSpPr>
+          <p:cNvPr id="3" name="Notes Placeholder 2"/>
+          <p:cNvSpPr>
+            <a:spLocks noGrp="1"/>
+          </p:cNvSpPr>
+          <p:nvPr>
+            <p:ph type="body" idx="1"/>
+          </p:nvPr>
+        </p:nvSpPr>
+        <p:spPr/>
+        <p:txBody>
+          <a:bodyPr/>
+          <a:lstStyle/>
+          <a:p>
+            <a:pPr marL="0" indent="0">
+              <a:buFont typeface="Arial"/>
+              <a:buNone/>
+            </a:pPr>
+            <a:r>
+              <a:rPr lang="en-US" b="1" u="sng" dirty="0" smtClean="0"/>
+              <a:t>Craig</a:t>
+            </a:r>
+          </a:p>
+          <a:p>
+            <a:pPr marL="171450" indent="-171450">
+              <a:buFont typeface="Arial"/>
+              <a:buChar char="•"/>
+            </a:pPr>
+            <a:r>
+              <a:rPr lang="en-US" b="0" u="none" dirty="0" smtClean="0"/>
+              <a:t>Simplify </a:t>
+            </a:r>
+            <a:r>
+              <a:rPr lang="en-US" b="0" u="none" dirty="0" smtClean="0"/>
+              <a:t>Java </a:t>
+            </a:r>
+            <a:r>
+              <a:rPr lang="en-US" b="0" u="none" dirty="0" smtClean="0"/>
+              <a:t>code and distribute work load.</a:t>
+            </a:r>
+            <a:endParaRPr lang="en-US" b="0" u="none" dirty="0" smtClean="0"/>
+          </a:p>
+          <a:p>
+            <a:pPr marL="0" indent="0">
+              <a:buFont typeface="Arial"/>
+              <a:buNone/>
+            </a:pPr>
+            <a:r>
+              <a:rPr lang="en-US" b="1" u="sng" dirty="0" smtClean="0"/>
+              <a:t>Originality</a:t>
+            </a:r>
+          </a:p>
+          <a:p>
+            <a:pPr marL="171450" marR="0" lvl="0" indent="-171450" algn="l" defTabSz="457200" rtl="0" eaLnBrk="1" fontAlgn="auto" latinLnBrk="0" hangingPunct="1">
+              <a:lnSpc>
+                <a:spcPct val="100000"/>
+              </a:lnSpc>
+              <a:spcBef>
+                <a:spcPts val="0"/>
+              </a:spcBef>
+              <a:spcAft>
+                <a:spcPts val="0"/>
+              </a:spcAft>
+              <a:buClrTx/>
+              <a:buSzTx/>
+              <a:buFont typeface="Arial"/>
+              <a:buChar char="•"/>
+              <a:tabLst/>
+              <a:defRPr/>
+            </a:pPr>
+            <a:r>
+              <a:rPr lang="en-US" dirty="0" smtClean="0"/>
+              <a:t>Created own service</a:t>
+            </a:r>
+            <a:r>
+              <a:rPr lang="en-US" baseline="0" dirty="0" smtClean="0"/>
+              <a:t> to produce JSON </a:t>
+            </a:r>
+            <a:r>
+              <a:rPr lang="en-US" baseline="0" dirty="0" smtClean="0"/>
+              <a:t>string.</a:t>
+            </a:r>
+            <a:endParaRPr lang="en-US" dirty="0" smtClean="0"/>
+          </a:p>
+          <a:p>
+            <a:endParaRPr lang="en-US" dirty="0"/>
+          </a:p>
+        </p:txBody>
+      </p:sp>
+      <p:sp>
+        <p:nvSpPr>
+          <p:cNvPr id="4" name="Slide Number Placeholder 3"/>
+          <p:cNvSpPr>
+            <a:spLocks noGrp="1"/>
+          </p:cNvSpPr>
+          <p:nvPr>
+            <p:ph type="sldNum" sz="quarter" idx="10"/>
+          </p:nvPr>
+        </p:nvSpPr>
+        <p:spPr/>
+        <p:txBody>
+          <a:bodyPr/>
+          <a:lstStyle/>
+          <a:p>
+            <a:fld id="{1F5F59E0-0C9E-B44E-B3B1-2F0A462DBE4C}" type="slidenum">
+              <a:rPr lang="en-US" smtClean="0"/>
+              <a:t>5</a:t>
+            </a:fld>
+            <a:endParaRPr lang="en-US"/>
+          </a:p>
+        </p:txBody>
+      </p:sp>
+    </p:spTree>
+    <p:extLst>
+      <p:ext uri="{BB962C8B-B14F-4D97-AF65-F5344CB8AC3E}">
+        <p14:creationId xmlns:p14="http://schemas.microsoft.com/office/powerpoint/2010/main" val="1837848869"/>
+      </p:ext>
+    </p:extLst>
+  </p:cSld>
+  <p:clrMapOvr>
+    <a:masterClrMapping/>
+  </p:clrMapOvr>
+</p:notes>
+</file>
+
+<file path=ppt/notesSlides/notesSlide6.xml><?xml version="1.0" encoding="utf-8"?>
+<p:notes xmlns:a="http://schemas.openxmlformats.org/drawingml/2006/main" xmlns:r="http://schemas.openxmlformats.org/officeDocument/2006/relationships" xmlns:p="http://schemas.openxmlformats.org/presentationml/2006/main">
+  <p:cSld>
+    <p:spTree>
+      <p:nvGrpSpPr>
+        <p:cNvPr id="1" name=""/>
+        <p:cNvGrpSpPr/>
+        <p:nvPr/>
+      </p:nvGrpSpPr>
+      <p:grpSpPr>
+        <a:xfrm>
+          <a:off x="0" y="0"/>
+          <a:ext cx="0" cy="0"/>
+          <a:chOff x="0" y="0"/>
+          <a:chExt cx="0" cy="0"/>
+        </a:xfrm>
+      </p:grpSpPr>
+      <p:sp>
+        <p:nvSpPr>
+          <p:cNvPr id="2" name="Slide Image Placeholder 1"/>
+          <p:cNvSpPr>
+            <a:spLocks noGrp="1" noRot="1" noChangeAspect="1"/>
+          </p:cNvSpPr>
+          <p:nvPr>
+            <p:ph type="sldImg"/>
+          </p:nvPr>
+        </p:nvSpPr>
+        <p:spPr/>
+      </p:sp>
+      <p:sp>
+        <p:nvSpPr>
+          <p:cNvPr id="3" name="Notes Placeholder 2"/>
+          <p:cNvSpPr>
+            <a:spLocks noGrp="1"/>
+          </p:cNvSpPr>
+          <p:nvPr>
+            <p:ph type="body" idx="1"/>
+          </p:nvPr>
+        </p:nvSpPr>
+        <p:spPr/>
+        <p:txBody>
+          <a:bodyPr/>
+          <a:lstStyle/>
+          <a:p>
+            <a:pPr marL="0" indent="0">
+              <a:buFont typeface="Arial"/>
+              <a:buNone/>
+            </a:pPr>
+            <a:r>
+              <a:rPr lang="en-US" b="1" u="sng" dirty="0" smtClean="0"/>
+              <a:t>Craig</a:t>
+            </a:r>
+          </a:p>
+          <a:p>
+            <a:pPr marL="171450" indent="-171450">
+              <a:buFont typeface="Arial"/>
+              <a:buChar char="•"/>
+            </a:pPr>
+            <a:r>
+              <a:rPr lang="en-US" b="0" u="none" dirty="0" smtClean="0"/>
+              <a:t>Working smarter</a:t>
+            </a:r>
+            <a:r>
+              <a:rPr lang="en-US" b="0" u="none" baseline="0" dirty="0" smtClean="0"/>
+              <a:t> not harder.</a:t>
+            </a:r>
+          </a:p>
+          <a:p>
+            <a:pPr marL="171450" indent="-171450">
+              <a:buFont typeface="Arial"/>
+              <a:buChar char="•"/>
+            </a:pPr>
+            <a:r>
+              <a:rPr lang="en-US" b="0" u="none" baseline="0" dirty="0" smtClean="0"/>
+              <a:t>Finding alternatives.</a:t>
+            </a:r>
+          </a:p>
+          <a:p>
+            <a:pPr marL="171450" indent="-171450">
+              <a:buFont typeface="Arial"/>
+              <a:buChar char="•"/>
+            </a:pPr>
+            <a:endParaRPr lang="en-US" b="0" u="none" dirty="0" smtClean="0"/>
+          </a:p>
+          <a:p>
+            <a:pPr marL="0" indent="0">
+              <a:buFont typeface="Arial"/>
+              <a:buNone/>
+            </a:pPr>
+            <a:r>
+              <a:rPr lang="en-US" b="1" u="sng" dirty="0" smtClean="0"/>
+              <a:t>Explain why options were selected</a:t>
+            </a:r>
+          </a:p>
+          <a:p>
+            <a:pPr marL="171450" lvl="0" indent="-171450">
+              <a:buFont typeface="Arial"/>
+              <a:buChar char="•"/>
+            </a:pPr>
+            <a:r>
+              <a:rPr lang="en-US" dirty="0" smtClean="0"/>
+              <a:t>Use of </a:t>
+            </a:r>
+            <a:r>
+              <a:rPr lang="en-US" dirty="0" err="1" smtClean="0"/>
+              <a:t>JSONInputStream</a:t>
+            </a:r>
+            <a:r>
+              <a:rPr lang="en-US" dirty="0" smtClean="0"/>
+              <a:t> with</a:t>
+            </a:r>
+            <a:r>
+              <a:rPr lang="en-US" baseline="0" dirty="0" smtClean="0"/>
+              <a:t> </a:t>
+            </a:r>
+            <a:r>
+              <a:rPr lang="en-US" baseline="0" dirty="0" err="1" smtClean="0"/>
+              <a:t>HttpRequest</a:t>
+            </a:r>
+            <a:r>
+              <a:rPr lang="en-US" baseline="0" dirty="0" smtClean="0"/>
+              <a:t>.</a:t>
+            </a:r>
+            <a:endParaRPr lang="en-US" dirty="0" smtClean="0"/>
+          </a:p>
+          <a:p>
+            <a:endParaRPr lang="en-US" dirty="0"/>
+          </a:p>
+        </p:txBody>
+      </p:sp>
+      <p:sp>
+        <p:nvSpPr>
+          <p:cNvPr id="4" name="Slide Number Placeholder 3"/>
+          <p:cNvSpPr>
+            <a:spLocks noGrp="1"/>
+          </p:cNvSpPr>
+          <p:nvPr>
+            <p:ph type="sldNum" sz="quarter" idx="10"/>
+          </p:nvPr>
+        </p:nvSpPr>
+        <p:spPr/>
+        <p:txBody>
+          <a:bodyPr/>
+          <a:lstStyle/>
+          <a:p>
+            <a:fld id="{1F5F59E0-0C9E-B44E-B3B1-2F0A462DBE4C}" type="slidenum">
+              <a:rPr lang="en-US" smtClean="0"/>
+              <a:t>6</a:t>
+            </a:fld>
+            <a:endParaRPr lang="en-US"/>
+          </a:p>
+        </p:txBody>
+      </p:sp>
+    </p:spTree>
+    <p:extLst>
+      <p:ext uri="{BB962C8B-B14F-4D97-AF65-F5344CB8AC3E}">
+        <p14:creationId xmlns:p14="http://schemas.microsoft.com/office/powerpoint/2010/main" val="1838159008"/>
+      </p:ext>
+    </p:extLst>
+  </p:cSld>
+  <p:clrMapOvr>
+    <a:masterClrMapping/>
+  </p:clrMapOvr>
+</p:notes>
+</file>
+
+<file path=ppt/notesSlides/notesSlide7.xml><?xml version="1.0" encoding="utf-8"?>
+<p:notes xmlns:a="http://schemas.openxmlformats.org/drawingml/2006/main" xmlns:r="http://schemas.openxmlformats.org/officeDocument/2006/relationships" xmlns:p="http://schemas.openxmlformats.org/presentationml/2006/main">
+  <p:cSld>
+    <p:spTree>
+      <p:nvGrpSpPr>
+        <p:cNvPr id="1" name=""/>
+        <p:cNvGrpSpPr/>
+        <p:nvPr/>
+      </p:nvGrpSpPr>
+      <p:grpSpPr>
+        <a:xfrm>
+          <a:off x="0" y="0"/>
+          <a:ext cx="0" cy="0"/>
+          <a:chOff x="0" y="0"/>
+          <a:chExt cx="0" cy="0"/>
+        </a:xfrm>
+      </p:grpSpPr>
+      <p:sp>
+        <p:nvSpPr>
+          <p:cNvPr id="2" name="Slide Image Placeholder 1"/>
+          <p:cNvSpPr>
+            <a:spLocks noGrp="1" noRot="1" noChangeAspect="1"/>
+          </p:cNvSpPr>
+          <p:nvPr>
+            <p:ph type="sldImg"/>
+          </p:nvPr>
+        </p:nvSpPr>
+        <p:spPr/>
+      </p:sp>
+      <p:sp>
+        <p:nvSpPr>
+          <p:cNvPr id="3" name="Notes Placeholder 2"/>
+          <p:cNvSpPr>
+            <a:spLocks noGrp="1"/>
+          </p:cNvSpPr>
+          <p:nvPr>
+            <p:ph type="body" idx="1"/>
+          </p:nvPr>
+        </p:nvSpPr>
+        <p:spPr/>
+        <p:txBody>
+          <a:bodyPr/>
+          <a:lstStyle/>
+          <a:p>
+            <a:r>
+              <a:rPr lang="en-US" b="1" u="sng" strike="noStrike" dirty="0" smtClean="0"/>
+              <a:t>Craig</a:t>
+            </a:r>
+          </a:p>
+          <a:p>
+            <a:pPr marL="171450" marR="0" lvl="1" indent="-171450" algn="l" defTabSz="457200" rtl="0" eaLnBrk="1" fontAlgn="auto" latinLnBrk="0" hangingPunct="1">
+              <a:lnSpc>
+                <a:spcPct val="100000"/>
+              </a:lnSpc>
+              <a:spcBef>
+                <a:spcPts val="0"/>
+              </a:spcBef>
+              <a:spcAft>
+                <a:spcPts val="0"/>
+              </a:spcAft>
+              <a:buClrTx/>
+              <a:buSzTx/>
+              <a:buFont typeface="Arial"/>
+              <a:buChar char="•"/>
+              <a:tabLst/>
+              <a:defRPr/>
+            </a:pPr>
+            <a:r>
+              <a:rPr lang="en-US" dirty="0" smtClean="0"/>
+              <a:t>Database </a:t>
+            </a:r>
+            <a:r>
+              <a:rPr lang="en-US" dirty="0" smtClean="0"/>
+              <a:t>Design</a:t>
+            </a:r>
+          </a:p>
+          <a:p>
+            <a:pPr marL="171450" marR="0" lvl="1" indent="-171450" algn="l" defTabSz="457200" rtl="0" eaLnBrk="1" fontAlgn="auto" latinLnBrk="0" hangingPunct="1">
+              <a:lnSpc>
+                <a:spcPct val="100000"/>
+              </a:lnSpc>
+              <a:spcBef>
+                <a:spcPts val="0"/>
+              </a:spcBef>
+              <a:spcAft>
+                <a:spcPts val="0"/>
+              </a:spcAft>
+              <a:buClrTx/>
+              <a:buSzTx/>
+              <a:buFont typeface="Arial"/>
+              <a:buChar char="•"/>
+              <a:tabLst/>
+              <a:defRPr/>
+            </a:pPr>
+            <a:r>
+              <a:rPr lang="en-US" dirty="0" smtClean="0"/>
+              <a:t>What!? No</a:t>
+            </a:r>
+            <a:r>
+              <a:rPr lang="en-US" baseline="0" dirty="0" smtClean="0"/>
+              <a:t> SQL!?</a:t>
+            </a:r>
+            <a:endParaRPr lang="en-US" dirty="0" smtClean="0"/>
+          </a:p>
+          <a:p>
+            <a:r>
+              <a:rPr lang="en-US" sz="1400" b="1" u="sng" dirty="0" smtClean="0"/>
+              <a:t>Jeff</a:t>
+            </a:r>
+          </a:p>
+          <a:p>
+            <a:pPr marL="285750" indent="-285750">
+              <a:buFont typeface="Arial"/>
+              <a:buChar char="•"/>
+            </a:pPr>
+            <a:r>
+              <a:rPr lang="en-US" sz="1400" b="0" u="none" dirty="0" smtClean="0"/>
+              <a:t>Hibernate</a:t>
+            </a:r>
+          </a:p>
+          <a:p>
+            <a:pPr marL="742950" lvl="1" indent="-285750">
+              <a:buFont typeface="Arial"/>
+              <a:buChar char="•"/>
+            </a:pPr>
+            <a:r>
+              <a:rPr lang="en-US" sz="1400" b="0" u="none" dirty="0" smtClean="0"/>
+              <a:t>READ THE BOOK FIRST</a:t>
+            </a:r>
+            <a:endParaRPr lang="en-US" sz="1400" b="0" u="none" dirty="0" smtClean="0"/>
+          </a:p>
+          <a:p>
+            <a:pPr marL="742950" lvl="1" indent="-285750">
+              <a:buFont typeface="Arial"/>
+              <a:buChar char="•"/>
+            </a:pPr>
+            <a:r>
+              <a:rPr lang="en-US" sz="1400" b="0" u="none" dirty="0" smtClean="0"/>
+              <a:t>Adds layer of security</a:t>
+            </a:r>
+          </a:p>
+          <a:p>
+            <a:pPr marL="742950" lvl="1" indent="-285750">
+              <a:buFont typeface="Arial"/>
+              <a:buChar char="•"/>
+            </a:pPr>
+            <a:r>
+              <a:rPr lang="en-US" sz="1400" b="0" u="none" dirty="0" smtClean="0"/>
+              <a:t>Middle man</a:t>
+            </a:r>
+            <a:endParaRPr lang="en-US" sz="1400" b="0" u="none" dirty="0"/>
+          </a:p>
+          <a:p>
+            <a:pPr marL="742950" lvl="1" indent="-285750">
+              <a:buFont typeface="Arial"/>
+              <a:buChar char="•"/>
+            </a:pPr>
+            <a:endParaRPr lang="en-US" sz="1400" b="0" u="none" dirty="0" smtClean="0"/>
+          </a:p>
+          <a:p>
+            <a:pPr marL="0" marR="0" lvl="0" indent="0" algn="l" defTabSz="457200" rtl="0" eaLnBrk="1" fontAlgn="auto" latinLnBrk="0" hangingPunct="1">
+              <a:lnSpc>
+                <a:spcPct val="100000"/>
+              </a:lnSpc>
+              <a:spcBef>
+                <a:spcPts val="0"/>
+              </a:spcBef>
+              <a:spcAft>
+                <a:spcPts val="0"/>
+              </a:spcAft>
+              <a:buClrTx/>
+              <a:buSzTx/>
+              <a:buFont typeface="Arial"/>
+              <a:buNone/>
+              <a:tabLst/>
+              <a:defRPr/>
+            </a:pPr>
+            <a:r>
+              <a:rPr lang="en-US" sz="1400" b="1" u="sng" strike="noStrike" dirty="0" smtClean="0"/>
+              <a:t>Creativity</a:t>
+            </a:r>
+          </a:p>
+          <a:p>
+            <a:pPr marL="285750" lvl="0" indent="-285750">
+              <a:buFont typeface="Arial"/>
+              <a:buChar char="•"/>
+            </a:pPr>
+            <a:endParaRPr lang="en-US" sz="1400" b="0" u="none" dirty="0"/>
+          </a:p>
+        </p:txBody>
+      </p:sp>
+      <p:sp>
+        <p:nvSpPr>
+          <p:cNvPr id="4" name="Slide Number Placeholder 3"/>
+          <p:cNvSpPr>
+            <a:spLocks noGrp="1"/>
+          </p:cNvSpPr>
+          <p:nvPr>
+            <p:ph type="sldNum" sz="quarter" idx="10"/>
+          </p:nvPr>
+        </p:nvSpPr>
+        <p:spPr/>
+        <p:txBody>
+          <a:bodyPr/>
+          <a:lstStyle/>
+          <a:p>
+            <a:fld id="{1F5F59E0-0C9E-B44E-B3B1-2F0A462DBE4C}" type="slidenum">
+              <a:rPr lang="en-US" smtClean="0"/>
+              <a:t>7</a:t>
+            </a:fld>
+            <a:endParaRPr lang="en-US"/>
+          </a:p>
+        </p:txBody>
+      </p:sp>
+    </p:spTree>
+    <p:extLst>
+      <p:ext uri="{BB962C8B-B14F-4D97-AF65-F5344CB8AC3E}">
+        <p14:creationId xmlns:p14="http://schemas.microsoft.com/office/powerpoint/2010/main" val="3302315348"/>
+      </p:ext>
+    </p:extLst>
+  </p:cSld>
+  <p:clrMapOvr>
+    <a:masterClrMapping/>
+  </p:clrMapOvr>
+</p:notes>
+</file>
+
+<file path=ppt/notesSlides/notesSlide8.xml><?xml version="1.0" encoding="utf-8"?>
+<p:notes xmlns:a="http://schemas.openxmlformats.org/drawingml/2006/main" xmlns:r="http://schemas.openxmlformats.org/officeDocument/2006/relationships" xmlns:p="http://schemas.openxmlformats.org/presentationml/2006/main">
+  <p:cSld>
+    <p:spTree>
+      <p:nvGrpSpPr>
+        <p:cNvPr id="1" name=""/>
+        <p:cNvGrpSpPr/>
+        <p:nvPr/>
+      </p:nvGrpSpPr>
+      <p:grpSpPr>
+        <a:xfrm>
+          <a:off x="0" y="0"/>
+          <a:ext cx="0" cy="0"/>
+          <a:chOff x="0" y="0"/>
+          <a:chExt cx="0" cy="0"/>
+        </a:xfrm>
+      </p:grpSpPr>
+      <p:sp>
+        <p:nvSpPr>
+          <p:cNvPr id="2" name="Slide Image Placeholder 1"/>
+          <p:cNvSpPr>
+            <a:spLocks noGrp="1" noRot="1" noChangeAspect="1"/>
+          </p:cNvSpPr>
+          <p:nvPr>
+            <p:ph type="sldImg"/>
+          </p:nvPr>
+        </p:nvSpPr>
+        <p:spPr/>
+      </p:sp>
+      <p:sp>
+        <p:nvSpPr>
+          <p:cNvPr id="3" name="Notes Placeholder 2"/>
+          <p:cNvSpPr>
+            <a:spLocks noGrp="1"/>
+          </p:cNvSpPr>
+          <p:nvPr>
+            <p:ph type="body" idx="1"/>
+          </p:nvPr>
+        </p:nvSpPr>
+        <p:spPr/>
+        <p:txBody>
+          <a:bodyPr/>
+          <a:lstStyle/>
+          <a:p>
+            <a:pPr marL="0" indent="0">
+              <a:buFont typeface="Arial"/>
+              <a:buNone/>
+            </a:pPr>
+            <a:r>
+              <a:rPr lang="en-US" b="1" u="sng" dirty="0" smtClean="0"/>
+              <a:t>Craig</a:t>
+            </a:r>
+          </a:p>
+          <a:p>
+            <a:pPr marL="171450" indent="-171450">
+              <a:buFont typeface="Arial"/>
+              <a:buChar char="•"/>
+            </a:pPr>
+            <a:r>
+              <a:rPr lang="en-US" b="0" u="none" dirty="0" smtClean="0"/>
+              <a:t>Wanted to implement in current/existing projects</a:t>
+            </a:r>
+          </a:p>
+          <a:p>
+            <a:pPr marL="0" indent="0">
+              <a:buFont typeface="Arial"/>
+              <a:buNone/>
+            </a:pPr>
+            <a:r>
+              <a:rPr lang="en-US" b="1" u="sng" dirty="0" smtClean="0"/>
+              <a:t>Openness to new</a:t>
+            </a:r>
+            <a:r>
+              <a:rPr lang="en-US" b="1" u="sng" baseline="0" dirty="0" smtClean="0"/>
+              <a:t> ideas</a:t>
+            </a:r>
+          </a:p>
+          <a:p>
+            <a:pPr marL="171450" lvl="0" indent="-171450">
+              <a:buFont typeface="Arial"/>
+              <a:buChar char="•"/>
+            </a:pPr>
+            <a:r>
+              <a:rPr lang="en-US" dirty="0" smtClean="0"/>
+              <a:t>Application Controller Pattern</a:t>
+            </a:r>
+            <a:endParaRPr lang="en-US" dirty="0"/>
+          </a:p>
+        </p:txBody>
+      </p:sp>
+      <p:sp>
+        <p:nvSpPr>
+          <p:cNvPr id="4" name="Slide Number Placeholder 3"/>
+          <p:cNvSpPr>
+            <a:spLocks noGrp="1"/>
+          </p:cNvSpPr>
+          <p:nvPr>
+            <p:ph type="sldNum" sz="quarter" idx="10"/>
+          </p:nvPr>
+        </p:nvSpPr>
+        <p:spPr/>
+        <p:txBody>
+          <a:bodyPr/>
+          <a:lstStyle/>
+          <a:p>
+            <a:fld id="{1F5F59E0-0C9E-B44E-B3B1-2F0A462DBE4C}" type="slidenum">
+              <a:rPr lang="en-US" smtClean="0"/>
+              <a:t>8</a:t>
+            </a:fld>
+            <a:endParaRPr lang="en-US"/>
+          </a:p>
+        </p:txBody>
+      </p:sp>
+    </p:spTree>
+    <p:extLst>
+      <p:ext uri="{BB962C8B-B14F-4D97-AF65-F5344CB8AC3E}">
+        <p14:creationId xmlns:p14="http://schemas.microsoft.com/office/powerpoint/2010/main" val="1724871491"/>
       </p:ext>
     </p:extLst>
   </p:cSld>
@@ -1115,7 +1879,7 @@
           <a:p>
             <a:fld id="{651A0C47-018D-4460-B945-BFF7981B6CA6}" type="datetimeFigureOut">
               <a:rPr lang="en-US" smtClean="0"/>
-              <a:t>7/8/13</a:t>
+              <a:t>7/10/13</a:t>
             </a:fld>
             <a:endParaRPr lang="en-US"/>
           </a:p>
@@ -1447,7 +2211,7 @@
           <a:p>
             <a:fld id="{651A0C47-018D-4460-B945-BFF7981B6CA6}" type="datetimeFigureOut">
               <a:rPr lang="en-US" smtClean="0"/>
-              <a:t>7/8/13</a:t>
+              <a:t>7/10/13</a:t>
             </a:fld>
             <a:endParaRPr lang="en-US"/>
           </a:p>
@@ -1779,7 +2543,7 @@
           <a:p>
             <a:fld id="{651A0C47-018D-4460-B945-BFF7981B6CA6}" type="datetimeFigureOut">
               <a:rPr lang="en-US" smtClean="0"/>
-              <a:t>7/8/13</a:t>
+              <a:t>7/10/13</a:t>
             </a:fld>
             <a:endParaRPr lang="en-US"/>
           </a:p>
@@ -2111,7 +2875,7 @@
           <a:p>
             <a:fld id="{651A0C47-018D-4460-B945-BFF7981B6CA6}" type="datetimeFigureOut">
               <a:rPr lang="en-US" smtClean="0"/>
-              <a:t>7/8/13</a:t>
+              <a:t>7/10/13</a:t>
             </a:fld>
             <a:endParaRPr lang="en-US"/>
           </a:p>
@@ -2800,7 +3564,7 @@
           <a:p>
             <a:fld id="{651A0C47-018D-4460-B945-BFF7981B6CA6}" type="datetimeFigureOut">
               <a:rPr lang="en-US" smtClean="0"/>
-              <a:t>7/8/13</a:t>
+              <a:t>7/10/13</a:t>
             </a:fld>
             <a:endParaRPr lang="en-US"/>
           </a:p>
@@ -2979,7 +3743,7 @@
           <a:p>
             <a:fld id="{651A0C47-018D-4460-B945-BFF7981B6CA6}" type="datetimeFigureOut">
               <a:rPr lang="en-US" smtClean="0"/>
-              <a:t>7/8/13</a:t>
+              <a:t>7/10/13</a:t>
             </a:fld>
             <a:endParaRPr lang="en-US"/>
           </a:p>
@@ -3153,7 +3917,7 @@
           <a:p>
             <a:fld id="{651A0C47-018D-4460-B945-BFF7981B6CA6}" type="datetimeFigureOut">
               <a:rPr lang="en-US" smtClean="0"/>
-              <a:t>7/8/13</a:t>
+              <a:t>7/10/13</a:t>
             </a:fld>
             <a:endParaRPr lang="en-US"/>
           </a:p>
@@ -3401,7 +4165,7 @@
           <a:p>
             <a:fld id="{651A0C47-018D-4460-B945-BFF7981B6CA6}" type="datetimeFigureOut">
               <a:rPr lang="en-US" smtClean="0"/>
-              <a:t>7/8/13</a:t>
+              <a:t>7/10/13</a:t>
             </a:fld>
             <a:endParaRPr lang="en-US"/>
           </a:p>
@@ -3731,7 +4495,7 @@
           <a:p>
             <a:fld id="{651A0C47-018D-4460-B945-BFF7981B6CA6}" type="datetimeFigureOut">
               <a:rPr lang="en-US" smtClean="0"/>
-              <a:t>7/8/13</a:t>
+              <a:t>7/10/13</a:t>
             </a:fld>
             <a:endParaRPr lang="en-US"/>
           </a:p>
@@ -4023,7 +4787,7 @@
           <a:p>
             <a:fld id="{651A0C47-018D-4460-B945-BFF7981B6CA6}" type="datetimeFigureOut">
               <a:rPr lang="en-US" smtClean="0"/>
-              <a:t>7/8/13</a:t>
+              <a:t>7/10/13</a:t>
             </a:fld>
             <a:endParaRPr lang="en-US"/>
           </a:p>
@@ -4459,7 +5223,7 @@
           <a:p>
             <a:fld id="{651A0C47-018D-4460-B945-BFF7981B6CA6}" type="datetimeFigureOut">
               <a:rPr lang="en-US" smtClean="0"/>
-              <a:t>7/8/13</a:t>
+              <a:t>7/10/13</a:t>
             </a:fld>
             <a:endParaRPr lang="en-US"/>
           </a:p>
@@ -4646,7 +5410,7 @@
           <a:p>
             <a:fld id="{651A0C47-018D-4460-B945-BFF7981B6CA6}" type="datetimeFigureOut">
               <a:rPr lang="en-US" smtClean="0"/>
-              <a:t>7/8/13</a:t>
+              <a:t>7/10/13</a:t>
             </a:fld>
             <a:endParaRPr lang="en-US"/>
           </a:p>
@@ -4736,7 +5500,7 @@
           <a:p>
             <a:fld id="{651A0C47-018D-4460-B945-BFF7981B6CA6}" type="datetimeFigureOut">
               <a:rPr lang="en-US" smtClean="0"/>
-              <a:t>7/8/13</a:t>
+              <a:t>7/10/13</a:t>
             </a:fld>
             <a:endParaRPr lang="en-US"/>
           </a:p>
@@ -5017,7 +5781,7 @@
           <a:p>
             <a:fld id="{651A0C47-018D-4460-B945-BFF7981B6CA6}" type="datetimeFigureOut">
               <a:rPr lang="en-US" smtClean="0"/>
-              <a:t>7/8/13</a:t>
+              <a:t>7/10/13</a:t>
             </a:fld>
             <a:endParaRPr lang="en-US"/>
           </a:p>
@@ -5232,7 +5996,7 @@
           <a:p>
             <a:fld id="{651A0C47-018D-4460-B945-BFF7981B6CA6}" type="datetimeFigureOut">
               <a:rPr lang="en-US" smtClean="0"/>
-              <a:t>7/8/13</a:t>
+              <a:t>7/10/13</a:t>
             </a:fld>
             <a:endParaRPr lang="en-US"/>
           </a:p>
@@ -5717,15 +6481,43 @@
             <p:ph type="ctrTitle"/>
           </p:nvPr>
         </p:nvSpPr>
-        <p:spPr/>
+        <p:spPr>
+          <a:xfrm>
+            <a:off x="685800" y="2971138"/>
+            <a:ext cx="7772400" cy="372518"/>
+          </a:xfrm>
+        </p:spPr>
         <p:txBody>
           <a:bodyPr/>
           <a:lstStyle/>
           <a:p>
             <a:r>
-              <a:rPr lang="en-US" dirty="0" err="1" smtClean="0"/>
+              <a:rPr lang="en-US" sz="7200" b="1" dirty="0" err="1" smtClean="0"/>
               <a:t>TicWatch</a:t>
             </a:r>
+            <a:r>
+              <a:rPr lang="en-US" sz="7200" b="1" dirty="0"/>
+              <a:t/>
+            </a:r>
+            <a:br>
+              <a:rPr lang="en-US" sz="7200" b="1" dirty="0"/>
+            </a:br>
+            <a:r>
+              <a:rPr lang="en-US" sz="2400" dirty="0" smtClean="0"/>
+              <a:t>Keeping up to date on </a:t>
+            </a:r>
+            <a:r>
+              <a:rPr lang="en-US" sz="2400" dirty="0" smtClean="0"/>
+              <a:t>all your </a:t>
+            </a:r>
+            <a:r>
+              <a:rPr lang="en-US" sz="2400" dirty="0" smtClean="0"/>
+              <a:t>current stock information</a:t>
+            </a:r>
+            <a:r>
+              <a:rPr lang="en-US" sz="2400" dirty="0" smtClean="0"/>
+              <a:t>.</a:t>
+            </a:r>
             <a:endParaRPr lang="en-US" dirty="0"/>
           </a:p>
         </p:txBody>
@@ -5740,16 +6532,31 @@
             <p:ph type="subTitle" idx="1"/>
           </p:nvPr>
         </p:nvSpPr>
-        <p:spPr/>
-        <p:txBody>
-          <a:bodyPr/>
+        <p:spPr>
+          <a:xfrm>
+            <a:off x="685800" y="3352800"/>
+            <a:ext cx="7772400" cy="457515"/>
+          </a:xfrm>
+        </p:spPr>
+        <p:txBody>
+          <a:bodyPr>
+            <a:normAutofit/>
+          </a:bodyPr>
           <a:lstStyle/>
           <a:p>
             <a:r>
-              <a:rPr lang="en-US" dirty="0" smtClean="0"/>
-              <a:t>Shawn, Jeff, Craig</a:t>
-            </a:r>
-            <a:endParaRPr lang="en-US" dirty="0"/>
+              <a:rPr lang="en-US" sz="1800" i="1" dirty="0" smtClean="0">
+                <a:solidFill>
+                  <a:srgbClr val="9ED0F1"/>
+                </a:solidFill>
+              </a:rPr>
+              <a:t>Shawn Fitzpatrick, Jeff McFarlane, Craig Christensen</a:t>
+            </a:r>
+            <a:endParaRPr lang="en-US" sz="1800" i="1" dirty="0">
+              <a:solidFill>
+                <a:srgbClr val="9ED0F1"/>
+              </a:solidFill>
+            </a:endParaRPr>
           </a:p>
         </p:txBody>
       </p:sp>
@@ -5763,6 +6570,13 @@
   <p:clrMapOvr>
     <a:masterClrMapping/>
   </p:clrMapOvr>
+  <p:timing>
+    <p:tnLst>
+      <p:par>
+        <p:cTn xmlns:p14="http://schemas.microsoft.com/office/powerpoint/2010/main" id="1" dur="indefinite" restart="never" nodeType="tmRoot"/>
+      </p:par>
+    </p:tnLst>
+  </p:timing>
 </p:sld>
 </file>
 
@@ -5799,10 +6613,18 @@
           <a:lstStyle/>
           <a:p>
             <a:r>
-              <a:rPr lang="en-US" dirty="0" smtClean="0"/>
-              <a:t>Shawn</a:t>
-            </a:r>
-            <a:endParaRPr lang="en-US" dirty="0"/>
+              <a:rPr lang="en-US" b="1" dirty="0" err="1" smtClean="0"/>
+              <a:t>GoToMeeting</a:t>
+            </a:r>
+            <a:r>
+              <a:rPr lang="en-US" b="1" dirty="0" smtClean="0"/>
+              <a:t> &amp; </a:t>
+            </a:r>
+            <a:r>
+              <a:rPr lang="en-US" b="1" dirty="0" err="1" smtClean="0"/>
+              <a:t>GitHub</a:t>
+            </a:r>
+            <a:endParaRPr lang="en-US" b="1" dirty="0"/>
           </a:p>
         </p:txBody>
       </p:sp>
@@ -5816,25 +6638,150 @@
             <p:ph idx="1"/>
           </p:nvPr>
         </p:nvSpPr>
-        <p:spPr/>
+        <p:spPr>
+          <a:xfrm>
+            <a:off x="685800" y="1371600"/>
+            <a:ext cx="7770813" cy="4754563"/>
+          </a:xfrm>
+        </p:spPr>
         <p:txBody>
           <a:bodyPr/>
           <a:lstStyle/>
           <a:p>
-            <a:endParaRPr lang="en-US" dirty="0"/>
+            <a:pPr marL="0" indent="0" algn="ctr">
+              <a:buNone/>
+            </a:pPr>
+            <a:r>
+              <a:rPr lang="en-US" dirty="0" smtClean="0">
+                <a:solidFill>
+                  <a:srgbClr val="94D66C"/>
+                </a:solidFill>
+              </a:rPr>
+              <a:t>Working remotely can be </a:t>
+            </a:r>
+            <a:r>
+              <a:rPr lang="en-US" dirty="0" smtClean="0">
+                <a:solidFill>
+                  <a:srgbClr val="94D66C"/>
+                </a:solidFill>
+              </a:rPr>
+              <a:t>a big challenge, however, </a:t>
+            </a:r>
+            <a:r>
+              <a:rPr lang="en-US" dirty="0" smtClean="0">
+                <a:solidFill>
+                  <a:srgbClr val="94D66C"/>
+                </a:solidFill>
+              </a:rPr>
+              <a:t>technology today provides </a:t>
+            </a:r>
+            <a:r>
+              <a:rPr lang="en-US" dirty="0">
+                <a:solidFill>
+                  <a:srgbClr val="94D66C"/>
+                </a:solidFill>
+              </a:rPr>
+              <a:t>a</a:t>
+            </a:r>
+            <a:r>
+              <a:rPr lang="en-US" dirty="0" smtClean="0">
+                <a:solidFill>
+                  <a:srgbClr val="94D66C"/>
+                </a:solidFill>
+              </a:rPr>
+              <a:t> </a:t>
+            </a:r>
+            <a:r>
+              <a:rPr lang="en-US" dirty="0" smtClean="0">
+                <a:solidFill>
+                  <a:srgbClr val="94D66C"/>
+                </a:solidFill>
+              </a:rPr>
+              <a:t>solution to this obstacle.</a:t>
+            </a:r>
+          </a:p>
+          <a:p>
+            <a:pPr>
+              <a:buFont typeface="Arial"/>
+              <a:buChar char="•"/>
+            </a:pPr>
+            <a:r>
+              <a:rPr lang="en-US" sz="3200" dirty="0" smtClean="0"/>
+              <a:t>Have a plan of attack.</a:t>
+            </a:r>
+          </a:p>
+          <a:p>
+            <a:pPr>
+              <a:buFont typeface="Arial"/>
+              <a:buChar char="•"/>
+            </a:pPr>
+            <a:r>
+              <a:rPr lang="en-US" sz="3200" dirty="0" smtClean="0"/>
+              <a:t>Use the time wisely.</a:t>
+            </a:r>
+          </a:p>
+          <a:p>
+            <a:pPr>
+              <a:buFont typeface="Arial"/>
+              <a:buChar char="•"/>
+            </a:pPr>
+            <a:r>
+              <a:rPr lang="en-US" sz="3200" dirty="0" smtClean="0"/>
+              <a:t>Teach yourself then teach each other.</a:t>
+            </a:r>
+          </a:p>
+          <a:p>
+            <a:pPr>
+              <a:buFont typeface="Arial"/>
+              <a:buChar char="•"/>
+            </a:pPr>
+            <a:r>
+              <a:rPr lang="en-US" sz="3200" dirty="0" smtClean="0"/>
+              <a:t>#?*! happens. </a:t>
+            </a:r>
+          </a:p>
+          <a:p>
+            <a:pPr lvl="1">
+              <a:buFont typeface="Arial"/>
+              <a:buChar char="•"/>
+            </a:pPr>
+            <a:r>
+              <a:rPr lang="en-US" sz="3000" dirty="0" smtClean="0"/>
+              <a:t>When life gives you lemons…use </a:t>
+            </a:r>
+            <a:r>
+              <a:rPr lang="en-US" sz="3000" dirty="0" err="1" smtClean="0"/>
+              <a:t>GoToMeeting</a:t>
+            </a:r>
+            <a:r>
+              <a:rPr lang="en-US" sz="3000" dirty="0" smtClean="0"/>
+              <a:t> &amp; </a:t>
+            </a:r>
+            <a:r>
+              <a:rPr lang="en-US" sz="3000" dirty="0" err="1" smtClean="0"/>
+              <a:t>GitHub</a:t>
+            </a:r>
+            <a:endParaRPr lang="en-US" sz="3000" dirty="0"/>
           </a:p>
         </p:txBody>
       </p:sp>
     </p:spTree>
     <p:extLst>
       <p:ext uri="{BB962C8B-B14F-4D97-AF65-F5344CB8AC3E}">
-        <p14:creationId xmlns:p14="http://schemas.microsoft.com/office/powerpoint/2010/main" val="534643192"/>
+        <p14:creationId xmlns:p14="http://schemas.microsoft.com/office/powerpoint/2010/main" val="234349628"/>
       </p:ext>
     </p:extLst>
   </p:cSld>
   <p:clrMapOvr>
     <a:masterClrMapping/>
   </p:clrMapOvr>
+  <p:timing>
+    <p:tnLst>
+      <p:par>
+        <p:cTn xmlns:p14="http://schemas.microsoft.com/office/powerpoint/2010/main" id="1" dur="indefinite" restart="never" nodeType="tmRoot"/>
+      </p:par>
+    </p:tnLst>
+  </p:timing>
 </p:sld>
 </file>
 
@@ -5871,42 +6818,62 @@
           <a:lstStyle/>
           <a:p>
             <a:r>
-              <a:rPr lang="en-US" dirty="0" smtClean="0"/>
-              <a:t>Jeff</a:t>
-            </a:r>
-            <a:endParaRPr lang="en-US" dirty="0"/>
-          </a:p>
-        </p:txBody>
-      </p:sp>
-      <p:sp>
-        <p:nvSpPr>
-          <p:cNvPr id="3" name="Content Placeholder 2"/>
-          <p:cNvSpPr>
-            <a:spLocks noGrp="1"/>
-          </p:cNvSpPr>
+              <a:rPr lang="en-US" b="1" dirty="0" smtClean="0"/>
+              <a:t>Visualizing the </a:t>
+            </a:r>
+            <a:r>
+              <a:rPr lang="en-US" b="1" dirty="0" smtClean="0"/>
+              <a:t>Outcome</a:t>
+            </a:r>
+            <a:endParaRPr lang="en-US" b="1" dirty="0"/>
+          </a:p>
+        </p:txBody>
+      </p:sp>
+      <p:pic>
+        <p:nvPicPr>
+          <p:cNvPr id="4" name="Content Placeholder 3" descr="Screen Shot 2013-07-09 at 8.08.09 PM.png"/>
+          <p:cNvPicPr>
+            <a:picLocks noGrp="1" noChangeAspect="1"/>
+          </p:cNvPicPr>
           <p:nvPr>
             <p:ph idx="1"/>
           </p:nvPr>
-        </p:nvSpPr>
-        <p:spPr/>
-        <p:txBody>
-          <a:bodyPr/>
-          <a:lstStyle/>
-          <a:p>
-            <a:endParaRPr lang="en-US" dirty="0"/>
-          </a:p>
-        </p:txBody>
-      </p:sp>
+        </p:nvPicPr>
+        <p:blipFill rotWithShape="1">
+          <a:blip r:embed="rId3">
+            <a:extLst>
+              <a:ext uri="{28A0092B-C50C-407E-A947-70E740481C1C}">
+                <a14:useLocalDpi xmlns:a14="http://schemas.microsoft.com/office/drawing/2010/main" val="0"/>
+              </a:ext>
+            </a:extLst>
+          </a:blip>
+          <a:srcRect l="-256" r="125"/>
+          <a:stretch/>
+        </p:blipFill>
+        <p:spPr>
+          <a:xfrm>
+            <a:off x="689476" y="1625292"/>
+            <a:ext cx="7767137" cy="4500871"/>
+          </a:xfrm>
+        </p:spPr>
+      </p:pic>
     </p:spTree>
     <p:extLst>
       <p:ext uri="{BB962C8B-B14F-4D97-AF65-F5344CB8AC3E}">
-        <p14:creationId xmlns:p14="http://schemas.microsoft.com/office/powerpoint/2010/main" val="3658931165"/>
+        <p14:creationId xmlns:p14="http://schemas.microsoft.com/office/powerpoint/2010/main" val="31788954"/>
       </p:ext>
     </p:extLst>
   </p:cSld>
   <p:clrMapOvr>
     <a:masterClrMapping/>
   </p:clrMapOvr>
+  <p:timing>
+    <p:tnLst>
+      <p:par>
+        <p:cTn xmlns:p14="http://schemas.microsoft.com/office/powerpoint/2010/main" id="1" dur="indefinite" restart="never" nodeType="tmRoot"/>
+      </p:par>
+    </p:tnLst>
+  </p:timing>
 </p:sld>
 </file>
 
@@ -5943,10 +6910,10 @@
           <a:lstStyle/>
           <a:p>
             <a:r>
-              <a:rPr lang="en-US" dirty="0" smtClean="0"/>
-              <a:t>Craig</a:t>
-            </a:r>
-            <a:endParaRPr lang="en-US" dirty="0"/>
+              <a:rPr lang="en-US" b="1" dirty="0" smtClean="0"/>
+              <a:t>Think first, then act.</a:t>
+            </a:r>
+            <a:endParaRPr lang="en-US" b="1" dirty="0"/>
           </a:p>
         </p:txBody>
       </p:sp>
@@ -5960,21 +6927,970 @@
             <p:ph idx="1"/>
           </p:nvPr>
         </p:nvSpPr>
-        <p:spPr/>
+        <p:spPr>
+          <a:xfrm>
+            <a:off x="685800" y="1550894"/>
+            <a:ext cx="7770813" cy="4575269"/>
+          </a:xfrm>
+        </p:spPr>
         <p:txBody>
           <a:bodyPr/>
           <a:lstStyle/>
           <a:p>
+            <a:r>
+              <a:rPr lang="en-US" b="1" dirty="0" smtClean="0">
+                <a:solidFill>
+                  <a:srgbClr val="94D66C"/>
+                </a:solidFill>
+              </a:rPr>
+              <a:t>Learn and understand the technology first.</a:t>
+            </a:r>
+          </a:p>
+          <a:p>
+            <a:pPr lvl="1"/>
+            <a:r>
+              <a:rPr lang="en-US" dirty="0" smtClean="0"/>
+              <a:t>Ask about other’s experiences. </a:t>
+            </a:r>
+          </a:p>
+          <a:p>
+            <a:pPr lvl="1"/>
+            <a:r>
+              <a:rPr lang="en-US" dirty="0" smtClean="0"/>
+              <a:t>Learn the alternatives.</a:t>
+            </a:r>
+          </a:p>
+          <a:p>
+            <a:pPr lvl="1"/>
+            <a:r>
+              <a:rPr lang="en-US" dirty="0" smtClean="0"/>
+              <a:t>Ask lots of questions.</a:t>
+            </a:r>
+          </a:p>
+          <a:p>
+            <a:r>
+              <a:rPr lang="en-US" b="1" dirty="0" smtClean="0">
+                <a:solidFill>
+                  <a:srgbClr val="94D66C"/>
+                </a:solidFill>
+              </a:rPr>
+              <a:t>Simplify, simplify, simplify.  </a:t>
+            </a:r>
+          </a:p>
+          <a:p>
+            <a:pPr lvl="1"/>
+            <a:r>
+              <a:rPr lang="en-US" dirty="0" smtClean="0"/>
+              <a:t>When planning use simple tools. (</a:t>
+            </a:r>
+            <a:r>
+              <a:rPr lang="en-US" dirty="0"/>
+              <a:t>e</a:t>
+            </a:r>
+            <a:r>
+              <a:rPr lang="en-US" dirty="0" smtClean="0"/>
+              <a:t>x. whiteboard, paper/pencil)</a:t>
+            </a:r>
+          </a:p>
+          <a:p>
+            <a:pPr lvl="1"/>
+            <a:r>
+              <a:rPr lang="en-US" dirty="0" smtClean="0"/>
+              <a:t>Using software too soon makes it too complicated.</a:t>
+            </a:r>
+          </a:p>
+          <a:p>
+            <a:r>
+              <a:rPr lang="en-US" b="1" dirty="0" smtClean="0">
+                <a:solidFill>
+                  <a:srgbClr val="94D66C"/>
+                </a:solidFill>
+              </a:rPr>
+              <a:t>Think smarter, not harder.</a:t>
+            </a:r>
+          </a:p>
+          <a:p>
+            <a:pPr lvl="1"/>
+            <a:r>
+              <a:rPr lang="en-US" dirty="0" smtClean="0"/>
+              <a:t>Saves resources.</a:t>
+            </a:r>
+          </a:p>
+          <a:p>
+            <a:pPr lvl="1"/>
+            <a:r>
+              <a:rPr lang="en-US" dirty="0" smtClean="0"/>
+              <a:t>Teamwork is key.</a:t>
+            </a:r>
+          </a:p>
+          <a:p>
+            <a:pPr lvl="1"/>
             <a:endParaRPr lang="en-US" dirty="0"/>
           </a:p>
-          <a:p>
-            <a:endParaRPr lang="en-US" dirty="0" smtClean="0"/>
+        </p:txBody>
+      </p:sp>
+    </p:spTree>
+    <p:extLst>
+      <p:ext uri="{BB962C8B-B14F-4D97-AF65-F5344CB8AC3E}">
+        <p14:creationId xmlns:p14="http://schemas.microsoft.com/office/powerpoint/2010/main" val="3807658290"/>
+      </p:ext>
+    </p:extLst>
+  </p:cSld>
+  <p:clrMapOvr>
+    <a:masterClrMapping/>
+  </p:clrMapOvr>
+  <p:timing>
+    <p:tnLst>
+      <p:par>
+        <p:cTn xmlns:p14="http://schemas.microsoft.com/office/powerpoint/2010/main" id="1" dur="indefinite" restart="never" nodeType="tmRoot"/>
+      </p:par>
+    </p:tnLst>
+  </p:timing>
+</p:sld>
+</file>
+
+<file path=ppt/slides/slide5.xml><?xml version="1.0" encoding="utf-8"?>
+<p:sld xmlns:a="http://schemas.openxmlformats.org/drawingml/2006/main" xmlns:r="http://schemas.openxmlformats.org/officeDocument/2006/relationships" xmlns:p="http://schemas.openxmlformats.org/presentationml/2006/main">
+  <p:cSld>
+    <p:spTree>
+      <p:nvGrpSpPr>
+        <p:cNvPr id="1" name=""/>
+        <p:cNvGrpSpPr/>
+        <p:nvPr/>
+      </p:nvGrpSpPr>
+      <p:grpSpPr>
+        <a:xfrm>
+          <a:off x="0" y="0"/>
+          <a:ext cx="0" cy="0"/>
+          <a:chOff x="0" y="0"/>
+          <a:chExt cx="0" cy="0"/>
+        </a:xfrm>
+      </p:grpSpPr>
+      <p:sp>
+        <p:nvSpPr>
+          <p:cNvPr id="2" name="Title 1"/>
+          <p:cNvSpPr>
+            <a:spLocks noGrp="1"/>
+          </p:cNvSpPr>
+          <p:nvPr>
+            <p:ph type="title"/>
+          </p:nvPr>
+        </p:nvSpPr>
+        <p:spPr/>
+        <p:txBody>
+          <a:bodyPr/>
+          <a:lstStyle/>
+          <a:p>
+            <a:r>
+              <a:rPr lang="en-US" b="1" dirty="0" err="1"/>
+              <a:t>c</a:t>
+            </a:r>
+            <a:r>
+              <a:rPr lang="en-US" b="1" dirty="0" err="1" smtClean="0"/>
+              <a:t>wcraigo’s</a:t>
+            </a:r>
+            <a:r>
+              <a:rPr lang="en-US" b="1" dirty="0" smtClean="0"/>
+              <a:t> JSON Service</a:t>
+            </a:r>
+            <a:endParaRPr lang="en-US" b="1" dirty="0"/>
+          </a:p>
+        </p:txBody>
+      </p:sp>
+      <p:sp>
+        <p:nvSpPr>
+          <p:cNvPr id="3" name="Content Placeholder 2"/>
+          <p:cNvSpPr>
+            <a:spLocks noGrp="1"/>
+          </p:cNvSpPr>
+          <p:nvPr>
+            <p:ph idx="1"/>
+          </p:nvPr>
+        </p:nvSpPr>
+        <p:spPr>
+          <a:xfrm>
+            <a:off x="685800" y="1550894"/>
+            <a:ext cx="7770813" cy="4575269"/>
+          </a:xfrm>
+        </p:spPr>
+        <p:txBody>
+          <a:bodyPr>
+            <a:noAutofit/>
+          </a:bodyPr>
+          <a:lstStyle/>
+          <a:p>
+            <a:pPr marL="0" indent="0" algn="ctr">
+              <a:buNone/>
+            </a:pPr>
+            <a:r>
+              <a:rPr lang="en-US" sz="2800" i="1" dirty="0" smtClean="0">
+                <a:solidFill>
+                  <a:srgbClr val="94D66C"/>
+                </a:solidFill>
+              </a:rPr>
+              <a:t>FROM</a:t>
+            </a:r>
+          </a:p>
+          <a:p>
+            <a:pPr marL="0" indent="0" algn="ctr">
+              <a:buNone/>
+            </a:pPr>
+            <a:r>
+              <a:rPr lang="en-US" sz="2800" dirty="0" smtClean="0"/>
+              <a:t>http://</a:t>
+            </a:r>
+            <a:r>
+              <a:rPr lang="en-US" sz="2800" dirty="0" err="1" smtClean="0"/>
+              <a:t>www.finance.yahoo.com</a:t>
+            </a:r>
+            <a:r>
+              <a:rPr lang="en-US" sz="2800" dirty="0"/>
+              <a:t>/d/</a:t>
+            </a:r>
+            <a:r>
+              <a:rPr lang="en-US" sz="2800" dirty="0" smtClean="0"/>
+              <a:t>quotes.</a:t>
+            </a:r>
+            <a:r>
+              <a:rPr lang="en-US" sz="2800" dirty="0" smtClean="0">
+                <a:solidFill>
+                  <a:srgbClr val="FF0000"/>
+                </a:solidFill>
+              </a:rPr>
+              <a:t>csv</a:t>
+            </a:r>
+            <a:r>
+              <a:rPr lang="en-US" sz="2800" dirty="0" smtClean="0"/>
+              <a:t>?f</a:t>
+            </a:r>
+            <a:r>
+              <a:rPr lang="en-US" sz="2800" dirty="0"/>
+              <a:t>=nsl1c1p2oghx&amp;s</a:t>
+            </a:r>
+            <a:r>
+              <a:rPr lang="en-US" sz="2800" dirty="0" smtClean="0"/>
+              <a:t>=AAPL+GOOG+ORCL</a:t>
+            </a:r>
+          </a:p>
+          <a:p>
+            <a:pPr marL="0" indent="0" algn="ctr">
+              <a:buNone/>
+            </a:pPr>
+            <a:r>
+              <a:rPr lang="en-US" sz="2800" i="1" dirty="0">
+                <a:solidFill>
+                  <a:schemeClr val="accent5">
+                    <a:lumMod val="60000"/>
+                    <a:lumOff val="40000"/>
+                  </a:schemeClr>
+                </a:solidFill>
+              </a:rPr>
+              <a:t>T</a:t>
+            </a:r>
+            <a:r>
+              <a:rPr lang="en-US" sz="2800" i="1" dirty="0" smtClean="0">
+                <a:solidFill>
+                  <a:schemeClr val="accent5">
+                    <a:lumMod val="60000"/>
+                    <a:lumOff val="40000"/>
+                  </a:schemeClr>
+                </a:solidFill>
+              </a:rPr>
+              <a:t>O</a:t>
+            </a:r>
+            <a:endParaRPr lang="en-US" sz="2800" i="1" dirty="0" smtClean="0">
+              <a:solidFill>
+                <a:schemeClr val="accent5">
+                  <a:lumMod val="60000"/>
+                  <a:lumOff val="40000"/>
+                </a:schemeClr>
+              </a:solidFill>
+              <a:hlinkClick r:id="rId3"/>
+            </a:endParaRPr>
+          </a:p>
+          <a:p>
+            <a:pPr marL="0" indent="0" algn="ctr">
+              <a:buNone/>
+            </a:pPr>
+            <a:r>
+              <a:rPr lang="en-US" sz="2800" dirty="0"/>
+              <a:t>http://</a:t>
+            </a:r>
+            <a:r>
+              <a:rPr lang="en-US" sz="2800" dirty="0" err="1"/>
+              <a:t>www.</a:t>
+            </a:r>
+            <a:r>
+              <a:rPr lang="en-US" sz="2800" dirty="0" err="1" smtClean="0"/>
+              <a:t>cwcraigo.com</a:t>
+            </a:r>
+            <a:r>
+              <a:rPr lang="en-US" sz="2800" dirty="0"/>
+              <a:t>/</a:t>
+            </a:r>
+            <a:r>
+              <a:rPr lang="en-US" sz="2800" dirty="0" err="1"/>
+              <a:t>stockfeed.php?</a:t>
+            </a:r>
+            <a:r>
+              <a:rPr lang="en-US" sz="2800" dirty="0" err="1" smtClean="0"/>
+              <a:t>symbols</a:t>
+            </a:r>
+            <a:r>
+              <a:rPr lang="en-US" sz="2800" dirty="0" smtClean="0"/>
+              <a:t>=AAPL+</a:t>
+            </a:r>
+            <a:r>
+              <a:rPr lang="en-US" sz="2800" dirty="0"/>
+              <a:t>GOOG</a:t>
+            </a:r>
+            <a:r>
+              <a:rPr lang="en-US" sz="2800" dirty="0" smtClean="0"/>
+              <a:t>+</a:t>
+            </a:r>
+            <a:r>
+              <a:rPr lang="en-US" sz="2800" dirty="0"/>
+              <a:t>ORCL</a:t>
+            </a:r>
+            <a:endParaRPr lang="en-US" sz="2800" dirty="0">
+              <a:hlinkClick r:id="rId3"/>
+            </a:endParaRPr>
+          </a:p>
+          <a:p>
+            <a:pPr marL="0" indent="0" algn="ctr">
+              <a:buNone/>
+            </a:pPr>
+            <a:r>
+              <a:rPr lang="en-US" dirty="0" smtClean="0">
+                <a:solidFill>
+                  <a:srgbClr val="94D66C"/>
+                </a:solidFill>
+              </a:rPr>
+              <a:t>produces JSON string</a:t>
+            </a:r>
           </a:p>
           <a:p>
             <a:endParaRPr lang="en-US" dirty="0"/>
           </a:p>
         </p:txBody>
       </p:sp>
+    </p:spTree>
+    <p:extLst>
+      <p:ext uri="{BB962C8B-B14F-4D97-AF65-F5344CB8AC3E}">
+        <p14:creationId xmlns:p14="http://schemas.microsoft.com/office/powerpoint/2010/main" val="1282243093"/>
+      </p:ext>
+    </p:extLst>
+  </p:cSld>
+  <p:clrMapOvr>
+    <a:masterClrMapping/>
+  </p:clrMapOvr>
+  <p:timing>
+    <p:tnLst>
+      <p:par>
+        <p:cTn xmlns:p14="http://schemas.microsoft.com/office/powerpoint/2010/main" id="1" dur="indefinite" restart="never" nodeType="tmRoot"/>
+      </p:par>
+    </p:tnLst>
+  </p:timing>
+</p:sld>
+</file>
+
+<file path=ppt/slides/slide6.xml><?xml version="1.0" encoding="utf-8"?>
+<p:sld xmlns:a="http://schemas.openxmlformats.org/drawingml/2006/main" xmlns:r="http://schemas.openxmlformats.org/officeDocument/2006/relationships" xmlns:p="http://schemas.openxmlformats.org/presentationml/2006/main">
+  <p:cSld>
+    <p:spTree>
+      <p:nvGrpSpPr>
+        <p:cNvPr id="1" name=""/>
+        <p:cNvGrpSpPr/>
+        <p:nvPr/>
+      </p:nvGrpSpPr>
+      <p:grpSpPr>
+        <a:xfrm>
+          <a:off x="0" y="0"/>
+          <a:ext cx="0" cy="0"/>
+          <a:chOff x="0" y="0"/>
+          <a:chExt cx="0" cy="0"/>
+        </a:xfrm>
+      </p:grpSpPr>
+      <p:sp>
+        <p:nvSpPr>
+          <p:cNvPr id="2" name="Title 1"/>
+          <p:cNvSpPr>
+            <a:spLocks noGrp="1"/>
+          </p:cNvSpPr>
+          <p:nvPr>
+            <p:ph type="title"/>
+          </p:nvPr>
+        </p:nvSpPr>
+        <p:spPr/>
+        <p:txBody>
+          <a:bodyPr/>
+          <a:lstStyle/>
+          <a:p>
+            <a:r>
+              <a:rPr lang="en-US" b="1" dirty="0" smtClean="0"/>
+              <a:t>Smarter not Harder</a:t>
+            </a:r>
+            <a:endParaRPr lang="en-US" b="1" dirty="0"/>
+          </a:p>
+        </p:txBody>
+      </p:sp>
+      <p:pic>
+        <p:nvPicPr>
+          <p:cNvPr id="4" name="Content Placeholder 3" descr="Screen Shot 2013-07-09 at 12.12.34 PM.png"/>
+          <p:cNvPicPr>
+            <a:picLocks noGrp="1" noChangeAspect="1"/>
+          </p:cNvPicPr>
+          <p:nvPr>
+            <p:ph idx="1"/>
+          </p:nvPr>
+        </p:nvPicPr>
+        <p:blipFill rotWithShape="1">
+          <a:blip r:embed="rId3">
+            <a:extLst>
+              <a:ext uri="{28A0092B-C50C-407E-A947-70E740481C1C}">
+                <a14:useLocalDpi xmlns:a14="http://schemas.microsoft.com/office/drawing/2010/main" val="0"/>
+              </a:ext>
+            </a:extLst>
+          </a:blip>
+          <a:srcRect t="986" b="-594"/>
+          <a:stretch/>
+        </p:blipFill>
+        <p:spPr>
+          <a:xfrm>
+            <a:off x="685801" y="3007405"/>
+            <a:ext cx="7469668" cy="3486487"/>
+          </a:xfrm>
+        </p:spPr>
+      </p:pic>
+      <p:pic>
+        <p:nvPicPr>
+          <p:cNvPr id="5" name="Picture 4" descr="Screen Shot 2013-07-09 at 12.15.07 PM.png"/>
+          <p:cNvPicPr>
+            <a:picLocks noChangeAspect="1"/>
+          </p:cNvPicPr>
+          <p:nvPr/>
+        </p:nvPicPr>
+        <p:blipFill>
+          <a:blip r:embed="rId4">
+            <a:extLst>
+              <a:ext uri="{28A0092B-C50C-407E-A947-70E740481C1C}">
+                <a14:useLocalDpi xmlns:a14="http://schemas.microsoft.com/office/drawing/2010/main" val="0"/>
+              </a:ext>
+            </a:extLst>
+          </a:blip>
+          <a:stretch>
+            <a:fillRect/>
+          </a:stretch>
+        </p:blipFill>
+        <p:spPr>
+          <a:xfrm>
+            <a:off x="685800" y="1314943"/>
+            <a:ext cx="7469669" cy="1069029"/>
+          </a:xfrm>
+          <a:prstGeom prst="rect">
+            <a:avLst/>
+          </a:prstGeom>
+        </p:spPr>
+      </p:pic>
+      <p:sp>
+        <p:nvSpPr>
+          <p:cNvPr id="6" name="TextBox 5"/>
+          <p:cNvSpPr txBox="1"/>
+          <p:nvPr/>
+        </p:nvSpPr>
+        <p:spPr>
+          <a:xfrm>
+            <a:off x="685800" y="2383972"/>
+            <a:ext cx="7469669" cy="523220"/>
+          </a:xfrm>
+          <a:prstGeom prst="rect">
+            <a:avLst/>
+          </a:prstGeom>
+          <a:noFill/>
+        </p:spPr>
+        <p:txBody>
+          <a:bodyPr wrap="square" rtlCol="0">
+            <a:spAutoFit/>
+          </a:bodyPr>
+          <a:lstStyle/>
+          <a:p>
+            <a:pPr algn="ctr"/>
+            <a:r>
+              <a:rPr lang="en-US" sz="2800" dirty="0" smtClean="0">
+                <a:solidFill>
+                  <a:srgbClr val="94D66C"/>
+                </a:solidFill>
+              </a:rPr>
+              <a:t>Which would you choose?</a:t>
+            </a:r>
+            <a:endParaRPr lang="en-US" sz="2800" dirty="0">
+              <a:solidFill>
+                <a:srgbClr val="94D66C"/>
+              </a:solidFill>
+            </a:endParaRPr>
+          </a:p>
+        </p:txBody>
+      </p:sp>
+    </p:spTree>
+    <p:extLst>
+      <p:ext uri="{BB962C8B-B14F-4D97-AF65-F5344CB8AC3E}">
+        <p14:creationId xmlns:p14="http://schemas.microsoft.com/office/powerpoint/2010/main" val="2315567039"/>
+      </p:ext>
+    </p:extLst>
+  </p:cSld>
+  <p:clrMapOvr>
+    <a:masterClrMapping/>
+  </p:clrMapOvr>
+  <p:timing>
+    <p:tnLst>
+      <p:par>
+        <p:cTn xmlns:p14="http://schemas.microsoft.com/office/powerpoint/2010/main" id="1" dur="indefinite" restart="never" nodeType="tmRoot"/>
+      </p:par>
+    </p:tnLst>
+  </p:timing>
+</p:sld>
+</file>
+
+<file path=ppt/slides/slide7.xml><?xml version="1.0" encoding="utf-8"?>
+<p:sld xmlns:a="http://schemas.openxmlformats.org/drawingml/2006/main" xmlns:r="http://schemas.openxmlformats.org/officeDocument/2006/relationships" xmlns:p="http://schemas.openxmlformats.org/presentationml/2006/main">
+  <p:cSld>
+    <p:spTree>
+      <p:nvGrpSpPr>
+        <p:cNvPr id="1" name=""/>
+        <p:cNvGrpSpPr/>
+        <p:nvPr/>
+      </p:nvGrpSpPr>
+      <p:grpSpPr>
+        <a:xfrm>
+          <a:off x="0" y="0"/>
+          <a:ext cx="0" cy="0"/>
+          <a:chOff x="0" y="0"/>
+          <a:chExt cx="0" cy="0"/>
+        </a:xfrm>
+      </p:grpSpPr>
+      <p:sp>
+        <p:nvSpPr>
+          <p:cNvPr id="2" name="Title 1"/>
+          <p:cNvSpPr>
+            <a:spLocks noGrp="1"/>
+          </p:cNvSpPr>
+          <p:nvPr>
+            <p:ph type="title"/>
+          </p:nvPr>
+        </p:nvSpPr>
+        <p:spPr/>
+        <p:txBody>
+          <a:bodyPr/>
+          <a:lstStyle/>
+          <a:p>
+            <a:r>
+              <a:rPr lang="en-US" b="1" dirty="0" smtClean="0"/>
+              <a:t>Hello Hibernate</a:t>
+            </a:r>
+            <a:endParaRPr lang="en-US" b="1" dirty="0"/>
+          </a:p>
+        </p:txBody>
+      </p:sp>
+      <p:pic>
+        <p:nvPicPr>
+          <p:cNvPr id="5" name="Content Placeholder 4" descr="tic_tables.png"/>
+          <p:cNvPicPr>
+            <a:picLocks noGrp="1" noChangeAspect="1"/>
+          </p:cNvPicPr>
+          <p:nvPr>
+            <p:ph sz="half" idx="1"/>
+          </p:nvPr>
+        </p:nvPicPr>
+        <p:blipFill rotWithShape="1">
+          <a:blip r:embed="rId3">
+            <a:extLst>
+              <a:ext uri="{28A0092B-C50C-407E-A947-70E740481C1C}">
+                <a14:useLocalDpi xmlns:a14="http://schemas.microsoft.com/office/drawing/2010/main" val="0"/>
+              </a:ext>
+            </a:extLst>
+          </a:blip>
+          <a:srcRect t="1327" b="-4334"/>
+          <a:stretch/>
+        </p:blipFill>
+        <p:spPr>
+          <a:xfrm>
+            <a:off x="685799" y="1436790"/>
+            <a:ext cx="7770813" cy="1414469"/>
+          </a:xfrm>
+        </p:spPr>
+      </p:pic>
+      <p:pic>
+        <p:nvPicPr>
+          <p:cNvPr id="10" name="Content Placeholder 9" descr="Screen Shot 2013-07-10 at 8.07.59 AM.png"/>
+          <p:cNvPicPr>
+            <a:picLocks noGrp="1" noChangeAspect="1"/>
+          </p:cNvPicPr>
+          <p:nvPr>
+            <p:ph sz="half" idx="2"/>
+          </p:nvPr>
+        </p:nvPicPr>
+        <p:blipFill rotWithShape="1">
+          <a:blip r:embed="rId4">
+            <a:extLst>
+              <a:ext uri="{28A0092B-C50C-407E-A947-70E740481C1C}">
+                <a14:useLocalDpi xmlns:a14="http://schemas.microsoft.com/office/drawing/2010/main" val="0"/>
+              </a:ext>
+            </a:extLst>
+          </a:blip>
+          <a:srcRect t="57386" b="93"/>
+          <a:stretch/>
+        </p:blipFill>
+        <p:spPr>
+          <a:xfrm>
+            <a:off x="1481632" y="4301592"/>
+            <a:ext cx="6192190" cy="2124147"/>
+          </a:xfrm>
+        </p:spPr>
+      </p:pic>
+      <p:sp>
+        <p:nvSpPr>
+          <p:cNvPr id="4" name="TextBox 3"/>
+          <p:cNvSpPr txBox="1"/>
+          <p:nvPr/>
+        </p:nvSpPr>
+        <p:spPr>
+          <a:xfrm>
+            <a:off x="2902697" y="3527259"/>
+            <a:ext cx="184666" cy="369332"/>
+          </a:xfrm>
+          <a:prstGeom prst="rect">
+            <a:avLst/>
+          </a:prstGeom>
+          <a:noFill/>
+        </p:spPr>
+        <p:txBody>
+          <a:bodyPr wrap="none" rtlCol="0">
+            <a:spAutoFit/>
+          </a:bodyPr>
+          <a:lstStyle/>
+          <a:p>
+            <a:endParaRPr lang="en-US" dirty="0"/>
+          </a:p>
+        </p:txBody>
+      </p:sp>
+      <p:sp>
+        <p:nvSpPr>
+          <p:cNvPr id="3" name="TextBox 2"/>
+          <p:cNvSpPr txBox="1"/>
+          <p:nvPr/>
+        </p:nvSpPr>
+        <p:spPr>
+          <a:xfrm>
+            <a:off x="685800" y="2974363"/>
+            <a:ext cx="7770813" cy="369332"/>
+          </a:xfrm>
+          <a:prstGeom prst="rect">
+            <a:avLst/>
+          </a:prstGeom>
+          <a:noFill/>
+        </p:spPr>
+        <p:txBody>
+          <a:bodyPr wrap="square" rtlCol="0">
+            <a:spAutoFit/>
+          </a:bodyPr>
+          <a:lstStyle/>
+          <a:p>
+            <a:pPr algn="ctr"/>
+            <a:r>
+              <a:rPr lang="en-US" dirty="0" smtClean="0">
+                <a:solidFill>
+                  <a:schemeClr val="accent5">
+                    <a:lumMod val="60000"/>
+                    <a:lumOff val="40000"/>
+                  </a:schemeClr>
+                </a:solidFill>
+              </a:rPr>
+              <a:t>What!? No SQL!?</a:t>
+            </a:r>
+            <a:endParaRPr lang="en-US" dirty="0">
+              <a:solidFill>
+                <a:schemeClr val="accent5">
+                  <a:lumMod val="60000"/>
+                  <a:lumOff val="40000"/>
+                </a:schemeClr>
+              </a:solidFill>
+            </a:endParaRPr>
+          </a:p>
+        </p:txBody>
+      </p:sp>
+      <p:sp>
+        <p:nvSpPr>
+          <p:cNvPr id="11" name="Content Placeholder 8"/>
+          <p:cNvSpPr>
+            <a:spLocks noGrp="1"/>
+          </p:cNvSpPr>
+          <p:nvPr/>
+        </p:nvSpPr>
+        <p:spPr>
+          <a:xfrm>
+            <a:off x="5692705" y="3230151"/>
+            <a:ext cx="2448135" cy="2704393"/>
+          </a:xfrm>
+          <a:prstGeom prst="rect">
+            <a:avLst/>
+          </a:prstGeom>
+        </p:spPr>
+        <p:txBody>
+          <a:bodyPr vert="horz" lIns="91440" tIns="45720" rIns="91440" bIns="45720" rtlCol="0">
+            <a:normAutofit/>
+          </a:bodyPr>
+          <a:lstStyle>
+            <a:lvl1pPr marL="342900" indent="-342900" algn="l" defTabSz="914400" rtl="0" eaLnBrk="1" latinLnBrk="0" hangingPunct="1">
+              <a:spcBef>
+                <a:spcPts val="2000"/>
+              </a:spcBef>
+              <a:buFontTx/>
+              <a:buBlip>
+                <a:blip r:embed="rId5"/>
+              </a:buBlip>
+              <a:defRPr sz="2200" kern="1200">
+                <a:solidFill>
+                  <a:schemeClr val="tx1"/>
+                </a:solidFill>
+                <a:effectLst>
+                  <a:outerShdw blurRad="50800" dist="50800" dir="5400000" sx="101000" sy="101000" algn="t" rotWithShape="0">
+                    <a:prstClr val="black">
+                      <a:alpha val="40000"/>
+                    </a:prstClr>
+                  </a:outerShdw>
+                </a:effectLst>
+                <a:latin typeface="+mn-lt"/>
+                <a:ea typeface="+mn-ea"/>
+                <a:cs typeface="+mn-cs"/>
+              </a:defRPr>
+            </a:lvl1pPr>
+            <a:lvl2pPr marL="685800" indent="-336550" algn="l" defTabSz="914400" rtl="0" eaLnBrk="1" latinLnBrk="0" hangingPunct="1">
+              <a:spcBef>
+                <a:spcPts val="600"/>
+              </a:spcBef>
+              <a:buFontTx/>
+              <a:buBlip>
+                <a:blip r:embed="rId5"/>
+              </a:buBlip>
+              <a:defRPr sz="2000" kern="1200">
+                <a:solidFill>
+                  <a:schemeClr val="tx1"/>
+                </a:solidFill>
+                <a:effectLst>
+                  <a:outerShdw blurRad="50800" dist="50800" dir="5400000" sx="101000" sy="101000" algn="t" rotWithShape="0">
+                    <a:prstClr val="black">
+                      <a:alpha val="40000"/>
+                    </a:prstClr>
+                  </a:outerShdw>
+                </a:effectLst>
+                <a:latin typeface="+mn-lt"/>
+                <a:ea typeface="+mn-ea"/>
+                <a:cs typeface="+mn-cs"/>
+              </a:defRPr>
+            </a:lvl2pPr>
+            <a:lvl3pPr marL="1035050" indent="-349250" algn="l" defTabSz="914400" rtl="0" eaLnBrk="1" latinLnBrk="0" hangingPunct="1">
+              <a:spcBef>
+                <a:spcPts val="600"/>
+              </a:spcBef>
+              <a:buFontTx/>
+              <a:buBlip>
+                <a:blip r:embed="rId5"/>
+              </a:buBlip>
+              <a:defRPr sz="2000" kern="1200">
+                <a:solidFill>
+                  <a:schemeClr val="tx1"/>
+                </a:solidFill>
+                <a:effectLst>
+                  <a:outerShdw blurRad="50800" dist="50800" dir="5400000" sx="101000" sy="101000" algn="t" rotWithShape="0">
+                    <a:prstClr val="black">
+                      <a:alpha val="40000"/>
+                    </a:prstClr>
+                  </a:outerShdw>
+                </a:effectLst>
+                <a:latin typeface="+mn-lt"/>
+                <a:ea typeface="+mn-ea"/>
+                <a:cs typeface="+mn-cs"/>
+              </a:defRPr>
+            </a:lvl3pPr>
+            <a:lvl4pPr marL="1371600" indent="-336550" algn="l" defTabSz="914400" rtl="0" eaLnBrk="1" latinLnBrk="0" hangingPunct="1">
+              <a:spcBef>
+                <a:spcPts val="600"/>
+              </a:spcBef>
+              <a:buFontTx/>
+              <a:buBlip>
+                <a:blip r:embed="rId5"/>
+              </a:buBlip>
+              <a:defRPr sz="2000" kern="1200">
+                <a:solidFill>
+                  <a:schemeClr val="tx1"/>
+                </a:solidFill>
+                <a:effectLst>
+                  <a:outerShdw blurRad="50800" dist="50800" dir="5400000" sx="101000" sy="101000" algn="t" rotWithShape="0">
+                    <a:prstClr val="black">
+                      <a:alpha val="40000"/>
+                    </a:prstClr>
+                  </a:outerShdw>
+                </a:effectLst>
+                <a:latin typeface="+mn-lt"/>
+                <a:ea typeface="+mn-ea"/>
+                <a:cs typeface="+mn-cs"/>
+              </a:defRPr>
+            </a:lvl4pPr>
+            <a:lvl5pPr marL="1720850" indent="-349250" algn="l" defTabSz="914400" rtl="0" eaLnBrk="1" latinLnBrk="0" hangingPunct="1">
+              <a:spcBef>
+                <a:spcPts val="600"/>
+              </a:spcBef>
+              <a:buFontTx/>
+              <a:buBlip>
+                <a:blip r:embed="rId5"/>
+              </a:buBlip>
+              <a:defRPr sz="2000" kern="1200">
+                <a:solidFill>
+                  <a:schemeClr val="tx1"/>
+                </a:solidFill>
+                <a:effectLst>
+                  <a:outerShdw blurRad="50800" dist="50800" dir="5400000" sx="101000" sy="101000" algn="t" rotWithShape="0">
+                    <a:prstClr val="black">
+                      <a:alpha val="40000"/>
+                    </a:prstClr>
+                  </a:outerShdw>
+                </a:effectLst>
+                <a:latin typeface="+mn-lt"/>
+                <a:ea typeface="+mn-ea"/>
+                <a:cs typeface="+mn-cs"/>
+              </a:defRPr>
+            </a:lvl5pPr>
+            <a:lvl6pPr marL="2055813" indent="-336550" algn="l" defTabSz="914400" rtl="0" eaLnBrk="1" latinLnBrk="0" hangingPunct="1">
+              <a:spcBef>
+                <a:spcPct val="20000"/>
+              </a:spcBef>
+              <a:buFontTx/>
+              <a:buBlip>
+                <a:blip r:embed="rId5"/>
+              </a:buBlip>
+              <a:defRPr lang="en-US" sz="1800" kern="1200">
+                <a:solidFill>
+                  <a:schemeClr val="tx1"/>
+                </a:solidFill>
+                <a:effectLst>
+                  <a:outerShdw blurRad="50800" dist="50800" dir="5400000" sx="101000" sy="101000" algn="t" rotWithShape="0">
+                    <a:prstClr val="black">
+                      <a:alpha val="40000"/>
+                    </a:prstClr>
+                  </a:outerShdw>
+                </a:effectLst>
+                <a:latin typeface="+mn-lt"/>
+                <a:ea typeface="+mn-ea"/>
+                <a:cs typeface="+mn-cs"/>
+              </a:defRPr>
+            </a:lvl6pPr>
+            <a:lvl7pPr marL="2398713" indent="-336550" algn="l" defTabSz="914400" rtl="0" eaLnBrk="1" latinLnBrk="0" hangingPunct="1">
+              <a:spcBef>
+                <a:spcPct val="20000"/>
+              </a:spcBef>
+              <a:buFontTx/>
+              <a:buBlip>
+                <a:blip r:embed="rId5"/>
+              </a:buBlip>
+              <a:defRPr lang="en-US" sz="1800" kern="1200">
+                <a:solidFill>
+                  <a:schemeClr val="tx1"/>
+                </a:solidFill>
+                <a:effectLst>
+                  <a:outerShdw blurRad="50800" dist="50800" dir="5400000" sx="101000" sy="101000" algn="t" rotWithShape="0">
+                    <a:prstClr val="black">
+                      <a:alpha val="40000"/>
+                    </a:prstClr>
+                  </a:outerShdw>
+                </a:effectLst>
+                <a:latin typeface="+mn-lt"/>
+                <a:ea typeface="+mn-ea"/>
+                <a:cs typeface="+mn-cs"/>
+              </a:defRPr>
+            </a:lvl7pPr>
+            <a:lvl8pPr marL="2398713" indent="-336550" algn="l" defTabSz="914400" rtl="0" eaLnBrk="1" latinLnBrk="0" hangingPunct="1">
+              <a:spcBef>
+                <a:spcPct val="20000"/>
+              </a:spcBef>
+              <a:buFontTx/>
+              <a:buBlip>
+                <a:blip r:embed="rId5"/>
+              </a:buBlip>
+              <a:defRPr lang="en-US" sz="1800" kern="1200">
+                <a:solidFill>
+                  <a:schemeClr val="tx1"/>
+                </a:solidFill>
+                <a:effectLst>
+                  <a:outerShdw blurRad="50800" dist="50800" dir="5400000" sx="101000" sy="101000" algn="t" rotWithShape="0">
+                    <a:prstClr val="black">
+                      <a:alpha val="40000"/>
+                    </a:prstClr>
+                  </a:outerShdw>
+                </a:effectLst>
+                <a:latin typeface="+mn-lt"/>
+                <a:ea typeface="+mn-ea"/>
+                <a:cs typeface="+mn-cs"/>
+              </a:defRPr>
+            </a:lvl8pPr>
+            <a:lvl9pPr marL="2398713" indent="-336550" algn="l" defTabSz="914400" rtl="0" eaLnBrk="1" latinLnBrk="0" hangingPunct="1">
+              <a:spcBef>
+                <a:spcPct val="20000"/>
+              </a:spcBef>
+              <a:buFontTx/>
+              <a:buBlip>
+                <a:blip r:embed="rId5"/>
+              </a:buBlip>
+              <a:defRPr lang="en-US" sz="1800" kern="1200">
+                <a:solidFill>
+                  <a:schemeClr val="tx1"/>
+                </a:solidFill>
+                <a:effectLst>
+                  <a:outerShdw blurRad="50800" dist="50800" dir="5400000" sx="101000" sy="101000" algn="t" rotWithShape="0">
+                    <a:prstClr val="black">
+                      <a:alpha val="40000"/>
+                    </a:prstClr>
+                  </a:outerShdw>
+                </a:effectLst>
+                <a:latin typeface="+mn-lt"/>
+                <a:ea typeface="+mn-ea"/>
+                <a:cs typeface="+mn-cs"/>
+              </a:defRPr>
+            </a:lvl9pPr>
+          </a:lstStyle>
+          <a:p>
+            <a:endParaRPr lang="en-US" dirty="0"/>
+          </a:p>
+        </p:txBody>
+      </p:sp>
+      <p:pic>
+        <p:nvPicPr>
+          <p:cNvPr id="16" name="Content Placeholder 4" descr="Screen Shot 2013-07-10 at 8.07.59 AM.png"/>
+          <p:cNvPicPr>
+            <a:picLocks noGrp="1" noChangeAspect="1"/>
+          </p:cNvPicPr>
+          <p:nvPr/>
+        </p:nvPicPr>
+        <p:blipFill rotWithShape="1">
+          <a:blip r:embed="rId4">
+            <a:extLst>
+              <a:ext uri="{28A0092B-C50C-407E-A947-70E740481C1C}">
+                <a14:useLocalDpi xmlns:a14="http://schemas.microsoft.com/office/drawing/2010/main" val="0"/>
+              </a:ext>
+            </a:extLst>
+          </a:blip>
+          <a:srcRect t="-3548" b="90720"/>
+          <a:stretch/>
+        </p:blipFill>
+        <p:spPr>
+          <a:xfrm>
+            <a:off x="1481632" y="3317824"/>
+            <a:ext cx="6185840" cy="944436"/>
+          </a:xfrm>
+          <a:prstGeom prst="rect">
+            <a:avLst/>
+          </a:prstGeom>
+        </p:spPr>
+      </p:pic>
     </p:spTree>
     <p:extLst>
       <p:ext uri="{BB962C8B-B14F-4D97-AF65-F5344CB8AC3E}">
@@ -5985,6 +7901,331 @@
   <p:clrMapOvr>
     <a:masterClrMapping/>
   </p:clrMapOvr>
+  <p:timing>
+    <p:tnLst>
+      <p:par>
+        <p:cTn xmlns:p14="http://schemas.microsoft.com/office/powerpoint/2010/main" id="1" dur="indefinite" restart="never" nodeType="tmRoot"/>
+      </p:par>
+    </p:tnLst>
+  </p:timing>
+</p:sld>
+</file>
+
+<file path=ppt/slides/slide8.xml><?xml version="1.0" encoding="utf-8"?>
+<p:sld xmlns:a="http://schemas.openxmlformats.org/drawingml/2006/main" xmlns:r="http://schemas.openxmlformats.org/officeDocument/2006/relationships" xmlns:p="http://schemas.openxmlformats.org/presentationml/2006/main">
+  <p:cSld>
+    <p:spTree>
+      <p:nvGrpSpPr>
+        <p:cNvPr id="1" name=""/>
+        <p:cNvGrpSpPr/>
+        <p:nvPr/>
+      </p:nvGrpSpPr>
+      <p:grpSpPr>
+        <a:xfrm>
+          <a:off x="0" y="0"/>
+          <a:ext cx="0" cy="0"/>
+          <a:chOff x="0" y="0"/>
+          <a:chExt cx="0" cy="0"/>
+        </a:xfrm>
+      </p:grpSpPr>
+      <p:sp>
+        <p:nvSpPr>
+          <p:cNvPr id="2" name="Title 1"/>
+          <p:cNvSpPr>
+            <a:spLocks noGrp="1"/>
+          </p:cNvSpPr>
+          <p:nvPr>
+            <p:ph type="title"/>
+          </p:nvPr>
+        </p:nvSpPr>
+        <p:spPr/>
+        <p:txBody>
+          <a:bodyPr>
+            <a:normAutofit/>
+          </a:bodyPr>
+          <a:lstStyle/>
+          <a:p>
+            <a:r>
+              <a:rPr lang="en-US" b="1" dirty="0" smtClean="0"/>
+              <a:t>Cool Concepts</a:t>
+            </a:r>
+            <a:endParaRPr lang="en-US" b="1" dirty="0"/>
+          </a:p>
+        </p:txBody>
+      </p:sp>
+      <p:pic>
+        <p:nvPicPr>
+          <p:cNvPr id="4" name="Content Placeholder 3" descr="APCcomic.png"/>
+          <p:cNvPicPr>
+            <a:picLocks noGrp="1" noChangeAspect="1"/>
+          </p:cNvPicPr>
+          <p:nvPr>
+            <p:ph idx="1"/>
+          </p:nvPr>
+        </p:nvPicPr>
+        <p:blipFill rotWithShape="1">
+          <a:blip r:embed="rId3" cstate="print">
+            <a:extLst>
+              <a:ext uri="{28A0092B-C50C-407E-A947-70E740481C1C}">
+                <a14:useLocalDpi xmlns:a14="http://schemas.microsoft.com/office/drawing/2010/main" val="0"/>
+              </a:ext>
+            </a:extLst>
+          </a:blip>
+          <a:srcRect l="-256" r="-429"/>
+          <a:stretch/>
+        </p:blipFill>
+        <p:spPr>
+          <a:xfrm>
+            <a:off x="1361698" y="1289012"/>
+            <a:ext cx="6585906" cy="4922487"/>
+          </a:xfrm>
+        </p:spPr>
+      </p:pic>
+      <p:sp>
+        <p:nvSpPr>
+          <p:cNvPr id="5" name="TextBox 4"/>
+          <p:cNvSpPr txBox="1"/>
+          <p:nvPr/>
+        </p:nvSpPr>
+        <p:spPr>
+          <a:xfrm>
+            <a:off x="1911615" y="6270692"/>
+            <a:ext cx="5433699" cy="369332"/>
+          </a:xfrm>
+          <a:prstGeom prst="rect">
+            <a:avLst/>
+          </a:prstGeom>
+          <a:noFill/>
+        </p:spPr>
+        <p:txBody>
+          <a:bodyPr wrap="square" rtlCol="0">
+            <a:spAutoFit/>
+          </a:bodyPr>
+          <a:lstStyle/>
+          <a:p>
+            <a:pPr algn="ctr"/>
+            <a:r>
+              <a:rPr lang="en-US" dirty="0" smtClean="0">
+                <a:solidFill>
+                  <a:schemeClr val="accent1">
+                    <a:lumMod val="40000"/>
+                    <a:lumOff val="60000"/>
+                  </a:schemeClr>
+                </a:solidFill>
+              </a:rPr>
+              <a:t>Illustration by Chad Allen</a:t>
+            </a:r>
+            <a:endParaRPr lang="en-US" dirty="0">
+              <a:solidFill>
+                <a:schemeClr val="accent1">
+                  <a:lumMod val="40000"/>
+                  <a:lumOff val="60000"/>
+                </a:schemeClr>
+              </a:solidFill>
+            </a:endParaRPr>
+          </a:p>
+        </p:txBody>
+      </p:sp>
+    </p:spTree>
+    <p:extLst>
+      <p:ext uri="{BB962C8B-B14F-4D97-AF65-F5344CB8AC3E}">
+        <p14:creationId xmlns:p14="http://schemas.microsoft.com/office/powerpoint/2010/main" val="2704607678"/>
+      </p:ext>
+    </p:extLst>
+  </p:cSld>
+  <p:clrMapOvr>
+    <a:masterClrMapping/>
+  </p:clrMapOvr>
+  <p:timing>
+    <p:tnLst>
+      <p:par>
+        <p:cTn xmlns:p14="http://schemas.microsoft.com/office/powerpoint/2010/main" id="1" dur="indefinite" restart="never" nodeType="tmRoot"/>
+      </p:par>
+    </p:tnLst>
+  </p:timing>
+</p:sld>
+</file>
+
+<file path=ppt/slides/slide9.xml><?xml version="1.0" encoding="utf-8"?>
+<p:sld xmlns:a="http://schemas.openxmlformats.org/drawingml/2006/main" xmlns:r="http://schemas.openxmlformats.org/officeDocument/2006/relationships" xmlns:p="http://schemas.openxmlformats.org/presentationml/2006/main">
+  <p:cSld>
+    <p:spTree>
+      <p:nvGrpSpPr>
+        <p:cNvPr id="1" name=""/>
+        <p:cNvGrpSpPr/>
+        <p:nvPr/>
+      </p:nvGrpSpPr>
+      <p:grpSpPr>
+        <a:xfrm>
+          <a:off x="0" y="0"/>
+          <a:ext cx="0" cy="0"/>
+          <a:chOff x="0" y="0"/>
+          <a:chExt cx="0" cy="0"/>
+        </a:xfrm>
+      </p:grpSpPr>
+      <p:sp>
+        <p:nvSpPr>
+          <p:cNvPr id="2" name="Title 1"/>
+          <p:cNvSpPr>
+            <a:spLocks noGrp="1"/>
+          </p:cNvSpPr>
+          <p:nvPr>
+            <p:ph type="title"/>
+          </p:nvPr>
+        </p:nvSpPr>
+        <p:spPr/>
+        <p:txBody>
+          <a:bodyPr>
+            <a:normAutofit fontScale="90000"/>
+          </a:bodyPr>
+          <a:lstStyle/>
+          <a:p>
+            <a:r>
+              <a:rPr lang="en-US" b="1" dirty="0"/>
+              <a:t>Rejected </a:t>
+            </a:r>
+            <a:r>
+              <a:rPr lang="en-US" b="1" dirty="0" err="1" smtClean="0"/>
+              <a:t>TicWatch</a:t>
+            </a:r>
+            <a:r>
+              <a:rPr lang="en-US" b="1" dirty="0" smtClean="0"/>
+              <a:t> descriptions</a:t>
+            </a:r>
+            <a:endParaRPr lang="en-US" b="1" dirty="0"/>
+          </a:p>
+        </p:txBody>
+      </p:sp>
+      <p:sp>
+        <p:nvSpPr>
+          <p:cNvPr id="3" name="Content Placeholder 2"/>
+          <p:cNvSpPr>
+            <a:spLocks noGrp="1"/>
+          </p:cNvSpPr>
+          <p:nvPr>
+            <p:ph idx="1"/>
+          </p:nvPr>
+        </p:nvSpPr>
+        <p:spPr/>
+        <p:txBody>
+          <a:bodyPr/>
+          <a:lstStyle/>
+          <a:p>
+            <a:r>
+              <a:rPr lang="en-US" sz="2400" dirty="0" smtClean="0">
+                <a:solidFill>
+                  <a:srgbClr val="FF0000"/>
+                </a:solidFill>
+              </a:rPr>
+              <a:t>Watch</a:t>
+            </a:r>
+            <a:r>
+              <a:rPr lang="en-US" sz="2400" dirty="0" smtClean="0"/>
+              <a:t>ing </a:t>
+            </a:r>
+            <a:r>
+              <a:rPr lang="en-US" sz="2400" dirty="0"/>
+              <a:t>your stock like an annoying </a:t>
+            </a:r>
+            <a:r>
+              <a:rPr lang="en-US" sz="2400" u="sng" dirty="0"/>
+              <a:t>tic</a:t>
+            </a:r>
+            <a:r>
+              <a:rPr lang="en-US" sz="2400" dirty="0"/>
+              <a:t>k in your hair.</a:t>
+            </a:r>
+          </a:p>
+          <a:p>
+            <a:r>
+              <a:rPr lang="en-US" sz="2400" dirty="0">
+                <a:solidFill>
+                  <a:srgbClr val="FF0000"/>
+                </a:solidFill>
+              </a:rPr>
+              <a:t>Watch</a:t>
+            </a:r>
+            <a:r>
+              <a:rPr lang="en-US" sz="2400" dirty="0"/>
+              <a:t>ing your stock like a persistent “</a:t>
+            </a:r>
+            <a:r>
+              <a:rPr lang="en-US" sz="2400" dirty="0" err="1">
+                <a:solidFill>
+                  <a:srgbClr val="FF0000"/>
+                </a:solidFill>
+              </a:rPr>
+              <a:t>stock</a:t>
+            </a:r>
+            <a:r>
+              <a:rPr lang="en-US" sz="2400" dirty="0" err="1"/>
+              <a:t>”er</a:t>
+            </a:r>
+            <a:r>
+              <a:rPr lang="en-US" sz="2400" dirty="0"/>
+              <a:t>.</a:t>
+            </a:r>
+          </a:p>
+          <a:p>
+            <a:r>
+              <a:rPr lang="en-US" dirty="0"/>
+              <a:t>This app will NOT “</a:t>
+            </a:r>
+            <a:r>
+              <a:rPr lang="en-US" dirty="0">
+                <a:solidFill>
+                  <a:srgbClr val="FF0000"/>
+                </a:solidFill>
+              </a:rPr>
+              <a:t>Tic</a:t>
+            </a:r>
+            <a:r>
+              <a:rPr lang="en-US" dirty="0"/>
+              <a:t>” you off.</a:t>
+            </a:r>
+          </a:p>
+          <a:p>
+            <a:r>
+              <a:rPr lang="en-US" dirty="0"/>
+              <a:t>“</a:t>
+            </a:r>
+            <a:r>
+              <a:rPr lang="en-US" dirty="0">
+                <a:solidFill>
+                  <a:srgbClr val="FF0000"/>
+                </a:solidFill>
+              </a:rPr>
+              <a:t>Watch</a:t>
+            </a:r>
+            <a:r>
+              <a:rPr lang="en-US" dirty="0"/>
+              <a:t> out!” You’re loosing all your money</a:t>
+            </a:r>
+            <a:r>
+              <a:rPr lang="en-US" dirty="0" smtClean="0"/>
+              <a:t>!</a:t>
+            </a:r>
+            <a:endParaRPr lang="en-US" dirty="0"/>
+          </a:p>
+        </p:txBody>
+      </p:sp>
+    </p:spTree>
+    <p:extLst>
+      <p:ext uri="{BB962C8B-B14F-4D97-AF65-F5344CB8AC3E}">
+        <p14:creationId xmlns:p14="http://schemas.microsoft.com/office/powerpoint/2010/main" val="2129332840"/>
+      </p:ext>
+    </p:extLst>
+  </p:cSld>
+  <p:clrMapOvr>
+    <a:masterClrMapping/>
+  </p:clrMapOvr>
+  <p:timing>
+    <p:tnLst>
+      <p:par>
+        <p:cTn xmlns:p14="http://schemas.microsoft.com/office/powerpoint/2010/main" id="1" dur="indefinite" restart="never" nodeType="tmRoot"/>
+      </p:par>
+    </p:tnLst>
+  </p:timing>
 </p:sld>
 </file>
 

--- a/Documents/CIT312Presentation.pptx
+++ b/Documents/CIT312Presentation.pptx
@@ -5,18 +5,21 @@
     <p:sldMasterId id="2147483660" r:id="rId1"/>
   </p:sldMasterIdLst>
   <p:notesMasterIdLst>
-    <p:notesMasterId r:id="rId11"/>
+    <p:notesMasterId r:id="rId14"/>
   </p:notesMasterIdLst>
   <p:sldIdLst>
     <p:sldId id="256" r:id="rId2"/>
     <p:sldId id="264" r:id="rId3"/>
     <p:sldId id="265" r:id="rId4"/>
-    <p:sldId id="263" r:id="rId5"/>
+    <p:sldId id="268" r:id="rId5"/>
     <p:sldId id="260" r:id="rId6"/>
     <p:sldId id="262" r:id="rId7"/>
-    <p:sldId id="259" r:id="rId8"/>
-    <p:sldId id="261" r:id="rId9"/>
-    <p:sldId id="266" r:id="rId10"/>
+    <p:sldId id="269" r:id="rId8"/>
+    <p:sldId id="259" r:id="rId9"/>
+    <p:sldId id="261" r:id="rId10"/>
+    <p:sldId id="263" r:id="rId11"/>
+    <p:sldId id="270" r:id="rId12"/>
+    <p:sldId id="266" r:id="rId13"/>
   </p:sldIdLst>
   <p:sldSz cx="9144000" cy="6858000" type="screen4x3"/>
   <p:notesSz cx="6858000" cy="9144000"/>
@@ -513,17 +516,34 @@
           <a:lstStyle/>
           <a:p>
             <a:r>
-              <a:rPr lang="en-US" dirty="0" smtClean="0"/>
-              <a:t>Intro</a:t>
-            </a:r>
-            <a:r>
-              <a:rPr lang="en-US" baseline="0" dirty="0" smtClean="0"/>
-              <a:t> to our app and the basic info about it</a:t>
-            </a:r>
-            <a:r>
-              <a:rPr lang="en-US" baseline="0" dirty="0" smtClean="0"/>
-              <a:t>.</a:t>
-            </a:r>
+              <a:rPr lang="en-US" sz="1200" dirty="0" smtClean="0"/>
+              <a:t>Presenter = Craig</a:t>
+            </a:r>
+          </a:p>
+          <a:p>
+            <a:r>
+              <a:rPr lang="en-US" sz="1200" dirty="0" smtClean="0"/>
+              <a:t>Give keyboard and mouse access to Shawn</a:t>
+            </a:r>
+          </a:p>
+          <a:p>
+            <a:endParaRPr lang="en-US" sz="1200" dirty="0" smtClean="0"/>
+          </a:p>
+          <a:p>
+            <a:r>
+              <a:rPr lang="en-US" sz="1200" dirty="0" smtClean="0"/>
+              <a:t>Keeping up to date on all your current stock information.</a:t>
+            </a:r>
+          </a:p>
+          <a:p>
+            <a:endParaRPr lang="en-US" sz="1200" baseline="0" dirty="0" smtClean="0"/>
+          </a:p>
+          <a:p>
+            <a:r>
+              <a:rPr lang="en-US" sz="1200" baseline="0" dirty="0" smtClean="0"/>
+              <a:t>0 - 30 sec</a:t>
+            </a:r>
+            <a:endParaRPr lang="en-US" baseline="0" dirty="0" smtClean="0"/>
           </a:p>
         </p:txBody>
       </p:sp>
@@ -554,6 +574,354 @@
     <p:extLst>
       <p:ext uri="{BB962C8B-B14F-4D97-AF65-F5344CB8AC3E}">
         <p14:creationId xmlns:p14="http://schemas.microsoft.com/office/powerpoint/2010/main" val="1608212196"/>
+      </p:ext>
+    </p:extLst>
+  </p:cSld>
+  <p:clrMapOvr>
+    <a:masterClrMapping/>
+  </p:clrMapOvr>
+</p:notes>
+</file>
+
+<file path=ppt/notesSlides/notesSlide10.xml><?xml version="1.0" encoding="utf-8"?>
+<p:notes xmlns:a="http://schemas.openxmlformats.org/drawingml/2006/main" xmlns:r="http://schemas.openxmlformats.org/officeDocument/2006/relationships" xmlns:p="http://schemas.openxmlformats.org/presentationml/2006/main">
+  <p:cSld>
+    <p:spTree>
+      <p:nvGrpSpPr>
+        <p:cNvPr id="1" name=""/>
+        <p:cNvGrpSpPr/>
+        <p:nvPr/>
+      </p:nvGrpSpPr>
+      <p:grpSpPr>
+        <a:xfrm>
+          <a:off x="0" y="0"/>
+          <a:ext cx="0" cy="0"/>
+          <a:chOff x="0" y="0"/>
+          <a:chExt cx="0" cy="0"/>
+        </a:xfrm>
+      </p:grpSpPr>
+      <p:sp>
+        <p:nvSpPr>
+          <p:cNvPr id="2" name="Slide Image Placeholder 1"/>
+          <p:cNvSpPr>
+            <a:spLocks noGrp="1" noRot="1" noChangeAspect="1"/>
+          </p:cNvSpPr>
+          <p:nvPr>
+            <p:ph type="sldImg"/>
+          </p:nvPr>
+        </p:nvSpPr>
+        <p:spPr/>
+      </p:sp>
+      <p:sp>
+        <p:nvSpPr>
+          <p:cNvPr id="3" name="Notes Placeholder 2"/>
+          <p:cNvSpPr>
+            <a:spLocks noGrp="1"/>
+          </p:cNvSpPr>
+          <p:nvPr>
+            <p:ph type="body" idx="1"/>
+          </p:nvPr>
+        </p:nvSpPr>
+        <p:spPr/>
+        <p:txBody>
+          <a:bodyPr/>
+          <a:lstStyle/>
+          <a:p>
+            <a:pPr marL="0" marR="0" indent="0" algn="l" defTabSz="457200" rtl="0" eaLnBrk="1" fontAlgn="auto" latinLnBrk="0" hangingPunct="1">
+              <a:lnSpc>
+                <a:spcPct val="100000"/>
+              </a:lnSpc>
+              <a:spcBef>
+                <a:spcPts val="0"/>
+              </a:spcBef>
+              <a:spcAft>
+                <a:spcPts val="0"/>
+              </a:spcAft>
+              <a:buClrTx/>
+              <a:buSzTx/>
+              <a:buFont typeface="Arial"/>
+              <a:buNone/>
+              <a:tabLst/>
+              <a:defRPr/>
+            </a:pPr>
+            <a:r>
+              <a:rPr lang="en-US" b="1" u="sng" dirty="0" smtClean="0"/>
+              <a:t>Self reflection/meta-cognition </a:t>
+            </a:r>
+            <a:r>
+              <a:rPr lang="en-US" dirty="0" smtClean="0"/>
+              <a:t>(aka.</a:t>
+            </a:r>
+            <a:r>
+              <a:rPr lang="en-US" baseline="0" dirty="0" smtClean="0"/>
+              <a:t> </a:t>
+            </a:r>
+            <a:r>
+              <a:rPr lang="en-US" dirty="0" smtClean="0"/>
+              <a:t>awareness or analysis of one's own learning or thinking processes)</a:t>
+            </a:r>
+          </a:p>
+          <a:p>
+            <a:pPr marL="0" indent="0">
+              <a:buFont typeface="Arial"/>
+              <a:buNone/>
+            </a:pPr>
+            <a:endParaRPr lang="en-US" b="1" u="sng" dirty="0" smtClean="0"/>
+          </a:p>
+          <a:p>
+            <a:pPr marL="0" indent="0">
+              <a:buFont typeface="Arial"/>
+              <a:buNone/>
+            </a:pPr>
+            <a:r>
+              <a:rPr lang="en-US" b="1" u="sng" dirty="0" smtClean="0"/>
+              <a:t>Craig</a:t>
+            </a:r>
+            <a:r>
+              <a:rPr lang="en-US" b="1" u="sng" dirty="0" smtClean="0"/>
+              <a:t>/</a:t>
+            </a:r>
+            <a:r>
+              <a:rPr lang="en-US" b="1" u="sng" dirty="0" smtClean="0"/>
+              <a:t>Jeff</a:t>
+            </a:r>
+            <a:endParaRPr lang="en-US" b="1" u="sng" dirty="0" smtClean="0"/>
+          </a:p>
+          <a:p>
+            <a:pPr marL="171450" lvl="0" indent="-171450">
+              <a:buFont typeface="Arial"/>
+              <a:buChar char="•"/>
+            </a:pPr>
+            <a:r>
+              <a:rPr lang="en-US" dirty="0" smtClean="0"/>
+              <a:t>UML </a:t>
+            </a:r>
+            <a:r>
+              <a:rPr lang="en-US" dirty="0" smtClean="0"/>
+              <a:t>helped programming</a:t>
+            </a:r>
+          </a:p>
+          <a:p>
+            <a:endParaRPr lang="en-US" dirty="0" smtClean="0"/>
+          </a:p>
+          <a:p>
+            <a:r>
+              <a:rPr lang="en-US" dirty="0" smtClean="0"/>
+              <a:t>5:00 – 7:00</a:t>
+            </a:r>
+            <a:endParaRPr lang="en-US" dirty="0"/>
+          </a:p>
+        </p:txBody>
+      </p:sp>
+      <p:sp>
+        <p:nvSpPr>
+          <p:cNvPr id="4" name="Slide Number Placeholder 3"/>
+          <p:cNvSpPr>
+            <a:spLocks noGrp="1"/>
+          </p:cNvSpPr>
+          <p:nvPr>
+            <p:ph type="sldNum" sz="quarter" idx="10"/>
+          </p:nvPr>
+        </p:nvSpPr>
+        <p:spPr/>
+        <p:txBody>
+          <a:bodyPr/>
+          <a:lstStyle/>
+          <a:p>
+            <a:fld id="{1F5F59E0-0C9E-B44E-B3B1-2F0A462DBE4C}" type="slidenum">
+              <a:rPr lang="en-US" smtClean="0"/>
+              <a:t>10</a:t>
+            </a:fld>
+            <a:endParaRPr lang="en-US"/>
+          </a:p>
+        </p:txBody>
+      </p:sp>
+    </p:spTree>
+    <p:extLst>
+      <p:ext uri="{BB962C8B-B14F-4D97-AF65-F5344CB8AC3E}">
+        <p14:creationId xmlns:p14="http://schemas.microsoft.com/office/powerpoint/2010/main" val="1172300928"/>
+      </p:ext>
+    </p:extLst>
+  </p:cSld>
+  <p:clrMapOvr>
+    <a:masterClrMapping/>
+  </p:clrMapOvr>
+</p:notes>
+</file>
+
+<file path=ppt/notesSlides/notesSlide11.xml><?xml version="1.0" encoding="utf-8"?>
+<p:notes xmlns:a="http://schemas.openxmlformats.org/drawingml/2006/main" xmlns:r="http://schemas.openxmlformats.org/officeDocument/2006/relationships" xmlns:p="http://schemas.openxmlformats.org/presentationml/2006/main">
+  <p:cSld>
+    <p:spTree>
+      <p:nvGrpSpPr>
+        <p:cNvPr id="1" name=""/>
+        <p:cNvGrpSpPr/>
+        <p:nvPr/>
+      </p:nvGrpSpPr>
+      <p:grpSpPr>
+        <a:xfrm>
+          <a:off x="0" y="0"/>
+          <a:ext cx="0" cy="0"/>
+          <a:chOff x="0" y="0"/>
+          <a:chExt cx="0" cy="0"/>
+        </a:xfrm>
+      </p:grpSpPr>
+      <p:sp>
+        <p:nvSpPr>
+          <p:cNvPr id="2" name="Slide Image Placeholder 1"/>
+          <p:cNvSpPr>
+            <a:spLocks noGrp="1" noRot="1" noChangeAspect="1"/>
+          </p:cNvSpPr>
+          <p:nvPr>
+            <p:ph type="sldImg"/>
+          </p:nvPr>
+        </p:nvSpPr>
+        <p:spPr/>
+      </p:sp>
+      <p:sp>
+        <p:nvSpPr>
+          <p:cNvPr id="3" name="Notes Placeholder 2"/>
+          <p:cNvSpPr>
+            <a:spLocks noGrp="1"/>
+          </p:cNvSpPr>
+          <p:nvPr>
+            <p:ph type="body" idx="1"/>
+          </p:nvPr>
+        </p:nvSpPr>
+        <p:spPr/>
+        <p:txBody>
+          <a:bodyPr/>
+          <a:lstStyle/>
+          <a:p>
+            <a:r>
+              <a:rPr lang="en-US" b="1" u="sng" dirty="0" smtClean="0"/>
+              <a:t>ALL – Jeff &gt; Shawn &gt; Craig</a:t>
+            </a:r>
+          </a:p>
+          <a:p>
+            <a:r>
+              <a:rPr lang="en-US" b="0" u="none" dirty="0" smtClean="0"/>
+              <a:t>Summary</a:t>
+            </a:r>
+            <a:r>
+              <a:rPr lang="en-US" b="0" u="none" baseline="0" dirty="0" smtClean="0"/>
+              <a:t> of self reflection.</a:t>
+            </a:r>
+            <a:endParaRPr lang="en-US" b="0" u="none" dirty="0"/>
+          </a:p>
+        </p:txBody>
+      </p:sp>
+      <p:sp>
+        <p:nvSpPr>
+          <p:cNvPr id="4" name="Slide Number Placeholder 3"/>
+          <p:cNvSpPr>
+            <a:spLocks noGrp="1"/>
+          </p:cNvSpPr>
+          <p:nvPr>
+            <p:ph type="sldNum" sz="quarter" idx="10"/>
+          </p:nvPr>
+        </p:nvSpPr>
+        <p:spPr/>
+        <p:txBody>
+          <a:bodyPr/>
+          <a:lstStyle/>
+          <a:p>
+            <a:fld id="{1F5F59E0-0C9E-B44E-B3B1-2F0A462DBE4C}" type="slidenum">
+              <a:rPr lang="en-US" smtClean="0"/>
+              <a:t>11</a:t>
+            </a:fld>
+            <a:endParaRPr lang="en-US"/>
+          </a:p>
+        </p:txBody>
+      </p:sp>
+    </p:spTree>
+    <p:extLst>
+      <p:ext uri="{BB962C8B-B14F-4D97-AF65-F5344CB8AC3E}">
+        <p14:creationId xmlns:p14="http://schemas.microsoft.com/office/powerpoint/2010/main" val="1537103360"/>
+      </p:ext>
+    </p:extLst>
+  </p:cSld>
+  <p:clrMapOvr>
+    <a:masterClrMapping/>
+  </p:clrMapOvr>
+</p:notes>
+</file>
+
+<file path=ppt/notesSlides/notesSlide12.xml><?xml version="1.0" encoding="utf-8"?>
+<p:notes xmlns:a="http://schemas.openxmlformats.org/drawingml/2006/main" xmlns:r="http://schemas.openxmlformats.org/officeDocument/2006/relationships" xmlns:p="http://schemas.openxmlformats.org/presentationml/2006/main">
+  <p:cSld>
+    <p:spTree>
+      <p:nvGrpSpPr>
+        <p:cNvPr id="1" name=""/>
+        <p:cNvGrpSpPr/>
+        <p:nvPr/>
+      </p:nvGrpSpPr>
+      <p:grpSpPr>
+        <a:xfrm>
+          <a:off x="0" y="0"/>
+          <a:ext cx="0" cy="0"/>
+          <a:chOff x="0" y="0"/>
+          <a:chExt cx="0" cy="0"/>
+        </a:xfrm>
+      </p:grpSpPr>
+      <p:sp>
+        <p:nvSpPr>
+          <p:cNvPr id="2" name="Slide Image Placeholder 1"/>
+          <p:cNvSpPr>
+            <a:spLocks noGrp="1" noRot="1" noChangeAspect="1"/>
+          </p:cNvSpPr>
+          <p:nvPr>
+            <p:ph type="sldImg"/>
+          </p:nvPr>
+        </p:nvSpPr>
+        <p:spPr/>
+      </p:sp>
+      <p:sp>
+        <p:nvSpPr>
+          <p:cNvPr id="3" name="Notes Placeholder 2"/>
+          <p:cNvSpPr>
+            <a:spLocks noGrp="1"/>
+          </p:cNvSpPr>
+          <p:nvPr>
+            <p:ph type="body" idx="1"/>
+          </p:nvPr>
+        </p:nvSpPr>
+        <p:spPr/>
+        <p:txBody>
+          <a:bodyPr/>
+          <a:lstStyle/>
+          <a:p>
+            <a:endParaRPr lang="en-US" dirty="0"/>
+          </a:p>
+        </p:txBody>
+      </p:sp>
+      <p:sp>
+        <p:nvSpPr>
+          <p:cNvPr id="4" name="Slide Number Placeholder 3"/>
+          <p:cNvSpPr>
+            <a:spLocks noGrp="1"/>
+          </p:cNvSpPr>
+          <p:nvPr>
+            <p:ph type="sldNum" sz="quarter" idx="10"/>
+          </p:nvPr>
+        </p:nvSpPr>
+        <p:spPr/>
+        <p:txBody>
+          <a:bodyPr/>
+          <a:lstStyle/>
+          <a:p>
+            <a:fld id="{1F5F59E0-0C9E-B44E-B3B1-2F0A462DBE4C}" type="slidenum">
+              <a:rPr lang="en-US" smtClean="0"/>
+              <a:t>12</a:t>
+            </a:fld>
+            <a:endParaRPr lang="en-US"/>
+          </a:p>
+        </p:txBody>
+      </p:sp>
+    </p:spTree>
+    <p:extLst>
+      <p:ext uri="{BB962C8B-B14F-4D97-AF65-F5344CB8AC3E}">
+        <p14:creationId xmlns:p14="http://schemas.microsoft.com/office/powerpoint/2010/main" val="932315950"/>
       </p:ext>
     </p:extLst>
   </p:cSld>
@@ -607,13 +975,43 @@
           <a:bodyPr/>
           <a:lstStyle/>
           <a:p>
+            <a:pPr marL="0" marR="0" indent="0" algn="l" defTabSz="457200" rtl="0" eaLnBrk="1" fontAlgn="auto" latinLnBrk="0" hangingPunct="1">
+              <a:lnSpc>
+                <a:spcPct val="100000"/>
+              </a:lnSpc>
+              <a:spcBef>
+                <a:spcPts val="0"/>
+              </a:spcBef>
+              <a:spcAft>
+                <a:spcPts val="0"/>
+              </a:spcAft>
+              <a:buClrTx/>
+              <a:buSzTx/>
+              <a:buFont typeface="Arial"/>
+              <a:buNone/>
+              <a:tabLst/>
+              <a:defRPr/>
+            </a:pPr>
+            <a:r>
+              <a:rPr lang="en-US" b="1" u="sng" dirty="0" smtClean="0"/>
+              <a:t>Ability to communicate well</a:t>
+            </a:r>
+          </a:p>
+          <a:p>
             <a:pPr marL="0" indent="0">
               <a:buFont typeface="Arial"/>
               <a:buNone/>
             </a:pPr>
-            <a:r>
-              <a:rPr lang="en-US" b="1" u="sng" dirty="0" smtClean="0"/>
-              <a:t>All – start with Jeff then </a:t>
+            <a:endParaRPr lang="en-US" b="1" u="sng" dirty="0" smtClean="0"/>
+          </a:p>
+          <a:p>
+            <a:pPr marL="0" indent="0">
+              <a:buFont typeface="Arial"/>
+              <a:buNone/>
+            </a:pPr>
+            <a:r>
+              <a:rPr lang="en-US" b="1" u="sng" baseline="0" dirty="0" smtClean="0"/>
+              <a:t>Craig &gt; </a:t>
             </a:r>
             <a:r>
               <a:rPr lang="en-US" b="1" u="sng" dirty="0" smtClean="0"/>
@@ -621,34 +1019,9 @@
             </a:r>
             <a:r>
               <a:rPr lang="en-US" b="1" u="sng" baseline="0" dirty="0" smtClean="0"/>
-              <a:t> </a:t>
-            </a:r>
-            <a:r>
-              <a:rPr lang="en-US" b="1" u="sng" baseline="0" dirty="0" smtClean="0"/>
-              <a:t>then </a:t>
-            </a:r>
-            <a:r>
-              <a:rPr lang="en-US" b="1" u="sng" baseline="0" dirty="0" smtClean="0"/>
-              <a:t>Craig</a:t>
+              <a:t> &gt; Jeff</a:t>
             </a:r>
             <a:endParaRPr lang="en-US" b="1" u="sng" dirty="0" smtClean="0"/>
-          </a:p>
-          <a:p>
-            <a:pPr marL="0" indent="0">
-              <a:buFont typeface="Arial"/>
-              <a:buNone/>
-            </a:pPr>
-            <a:endParaRPr lang="en-US" b="1" u="sng" dirty="0" smtClean="0"/>
-          </a:p>
-          <a:p>
-            <a:pPr marL="0" indent="0">
-              <a:buFont typeface="Arial"/>
-              <a:buNone/>
-            </a:pPr>
-            <a:r>
-              <a:rPr lang="en-US" b="1" u="sng" dirty="0" smtClean="0"/>
-              <a:t>Ability to communicate well</a:t>
-            </a:r>
           </a:p>
           <a:p>
             <a:pPr marL="171450" lvl="0" indent="-171450">
@@ -657,7 +1030,11 @@
             </a:pPr>
             <a:r>
               <a:rPr lang="en-US" dirty="0" smtClean="0"/>
-              <a:t>Share experiences with</a:t>
+              <a:t>Share </a:t>
+            </a:r>
+            <a:r>
+              <a:rPr lang="en-US" dirty="0" smtClean="0"/>
+              <a:t>experiences with</a:t>
             </a:r>
             <a:r>
               <a:rPr lang="en-US" baseline="0" dirty="0" smtClean="0"/>
@@ -701,6 +1078,13 @@
             <a:endParaRPr lang="en-US" dirty="0" smtClean="0"/>
           </a:p>
           <a:p>
+            <a:endParaRPr lang="en-US" dirty="0" smtClean="0"/>
+          </a:p>
+          <a:p>
+            <a:r>
+              <a:rPr lang="en-US" dirty="0" smtClean="0"/>
+              <a:t>30 – 5:00</a:t>
+            </a:r>
             <a:endParaRPr lang="en-US" dirty="0"/>
           </a:p>
         </p:txBody>
@@ -801,7 +1185,28 @@
             </a:r>
             <a:r>
               <a:rPr lang="en-US" b="0" u="none" baseline="0" dirty="0" smtClean="0"/>
-              <a:t> and relationships of classes that allows to organize the code in a more efficient modular manner</a:t>
+              <a:t> and relationships of classes that allows to organize the code in a more efficient modular </a:t>
+            </a:r>
+            <a:r>
+              <a:rPr lang="en-US" b="0" u="none" baseline="0" dirty="0" smtClean="0"/>
+              <a:t>manner</a:t>
+            </a:r>
+          </a:p>
+          <a:p>
+            <a:pPr marL="171450" indent="-171450">
+              <a:buFont typeface="Arial"/>
+              <a:buChar char="•"/>
+            </a:pPr>
+            <a:endParaRPr lang="en-US" b="0" u="none" baseline="0" dirty="0" smtClean="0"/>
+          </a:p>
+          <a:p>
+            <a:pPr marL="0" indent="0">
+              <a:buFont typeface="Arial"/>
+              <a:buNone/>
+            </a:pPr>
+            <a:r>
+              <a:rPr lang="en-US" b="0" u="none" baseline="0" dirty="0" smtClean="0"/>
+              <a:t>7:00 – 8:00</a:t>
             </a:r>
             <a:endParaRPr lang="en-US" b="0" u="none" dirty="0"/>
           </a:p>
@@ -887,64 +1292,23 @@
           <a:bodyPr/>
           <a:lstStyle/>
           <a:p>
-            <a:pPr marL="0" indent="0">
-              <a:buFont typeface="Arial"/>
-              <a:buNone/>
-            </a:pPr>
             <a:r>
               <a:rPr lang="en-US" b="1" u="sng" dirty="0" smtClean="0"/>
-              <a:t>Craig/Jeff</a:t>
-            </a:r>
-          </a:p>
-          <a:p>
-            <a:pPr marL="0" indent="0">
-              <a:buFont typeface="Arial"/>
-              <a:buNone/>
-            </a:pPr>
-            <a:endParaRPr lang="en-US" b="1" u="sng" dirty="0" smtClean="0"/>
-          </a:p>
-          <a:p>
-            <a:pPr marL="0" indent="0">
-              <a:buFont typeface="Arial"/>
-              <a:buNone/>
-            </a:pPr>
-            <a:r>
-              <a:rPr lang="en-US" b="1" u="sng" dirty="0" smtClean="0"/>
-              <a:t>Self reflection/meta-</a:t>
-            </a:r>
-            <a:r>
-              <a:rPr lang="en-US" b="1" u="sng" dirty="0" smtClean="0"/>
-              <a:t>cognition </a:t>
-            </a:r>
-            <a:r>
-              <a:rPr lang="en-US" dirty="0" smtClean="0"/>
-              <a:t>(aka.</a:t>
-            </a:r>
-            <a:r>
-              <a:rPr lang="en-US" baseline="0" dirty="0" smtClean="0"/>
-              <a:t> </a:t>
-            </a:r>
-            <a:r>
-              <a:rPr lang="en-US" dirty="0" smtClean="0"/>
-              <a:t>awareness </a:t>
-            </a:r>
-            <a:r>
-              <a:rPr lang="en-US" dirty="0" smtClean="0"/>
-              <a:t>or analysis of one's own learning or thinking processes)</a:t>
-            </a:r>
-          </a:p>
-          <a:p>
-            <a:pPr marL="171450" lvl="0" indent="-171450">
-              <a:buFont typeface="Arial"/>
-              <a:buChar char="•"/>
-            </a:pPr>
-            <a:r>
-              <a:rPr lang="en-US" dirty="0" smtClean="0"/>
-              <a:t>UML helped programming</a:t>
-            </a:r>
-          </a:p>
-          <a:p>
-            <a:endParaRPr lang="en-US" dirty="0"/>
+              <a:t>Shawn</a:t>
+            </a:r>
+          </a:p>
+          <a:p>
+            <a:endParaRPr lang="en-US" b="0" u="none" dirty="0" smtClean="0"/>
+          </a:p>
+          <a:p>
+            <a:endParaRPr lang="en-US" b="0" u="none" dirty="0" smtClean="0"/>
+          </a:p>
+          <a:p>
+            <a:r>
+              <a:rPr lang="en-US" b="0" u="none" dirty="0" smtClean="0"/>
+              <a:t>8:00 – 9:00</a:t>
+            </a:r>
+            <a:endParaRPr lang="en-US" b="0" u="none" dirty="0"/>
           </a:p>
         </p:txBody>
       </p:sp>
@@ -974,7 +1338,7 @@
     </p:spTree>
     <p:extLst>
       <p:ext uri="{BB962C8B-B14F-4D97-AF65-F5344CB8AC3E}">
-        <p14:creationId xmlns:p14="http://schemas.microsoft.com/office/powerpoint/2010/main" val="1172300928"/>
+        <p14:creationId xmlns:p14="http://schemas.microsoft.com/office/powerpoint/2010/main" val="1797630427"/>
       </p:ext>
     </p:extLst>
   </p:cSld>
@@ -1028,46 +1392,7 @@
           <a:bodyPr/>
           <a:lstStyle/>
           <a:p>
-            <a:pPr marL="0" indent="0">
-              <a:buFont typeface="Arial"/>
-              <a:buNone/>
-            </a:pPr>
-            <a:r>
-              <a:rPr lang="en-US" b="1" u="sng" dirty="0" smtClean="0"/>
-              <a:t>Craig</a:t>
-            </a:r>
-          </a:p>
-          <a:p>
-            <a:pPr marL="171450" indent="-171450">
-              <a:buFont typeface="Arial"/>
-              <a:buChar char="•"/>
-            </a:pPr>
-            <a:r>
-              <a:rPr lang="en-US" b="0" u="none" dirty="0" smtClean="0"/>
-              <a:t>Simplify </a:t>
-            </a:r>
-            <a:r>
-              <a:rPr lang="en-US" b="0" u="none" dirty="0" smtClean="0"/>
-              <a:t>Java </a:t>
-            </a:r>
-            <a:r>
-              <a:rPr lang="en-US" b="0" u="none" dirty="0" smtClean="0"/>
-              <a:t>code and distribute work load.</a:t>
-            </a:r>
-            <a:endParaRPr lang="en-US" b="0" u="none" dirty="0" smtClean="0"/>
-          </a:p>
-          <a:p>
-            <a:pPr marL="0" indent="0">
-              <a:buFont typeface="Arial"/>
-              <a:buNone/>
-            </a:pPr>
-            <a:r>
-              <a:rPr lang="en-US" b="1" u="sng" dirty="0" smtClean="0"/>
-              <a:t>Originality</a:t>
-            </a:r>
-          </a:p>
-          <a:p>
-            <a:pPr marL="171450" marR="0" lvl="0" indent="-171450" algn="l" defTabSz="457200" rtl="0" eaLnBrk="1" fontAlgn="auto" latinLnBrk="0" hangingPunct="1">
+            <a:pPr marL="0" marR="0" indent="0" algn="l" defTabSz="457200" rtl="0" eaLnBrk="1" fontAlgn="auto" latinLnBrk="0" hangingPunct="1">
               <a:lnSpc>
                 <a:spcPct val="100000"/>
               </a:lnSpc>
@@ -1080,26 +1405,69 @@
               <a:buClrTx/>
               <a:buSzTx/>
               <a:buFont typeface="Arial"/>
-              <a:buChar char="•"/>
+              <a:buNone/>
               <a:tabLst/>
               <a:defRPr/>
             </a:pPr>
             <a:r>
-              <a:rPr lang="en-US" dirty="0" smtClean="0"/>
-              <a:t>Created own service</a:t>
-            </a:r>
-            <a:r>
-              <a:rPr lang="en-US" baseline="0" dirty="0" smtClean="0"/>
-              <a:t> to produce JSON </a:t>
-            </a:r>
-            <a:r>
-              <a:rPr lang="en-US" baseline="0" dirty="0" smtClean="0"/>
-              <a:t>string.</a:t>
+              <a:rPr lang="en-US" b="1" u="sng" dirty="0" smtClean="0"/>
+              <a:t>Originality</a:t>
             </a:r>
             <a:endParaRPr lang="en-US" dirty="0" smtClean="0"/>
           </a:p>
           <a:p>
-            <a:endParaRPr lang="en-US" dirty="0"/>
+            <a:pPr marL="0" indent="0">
+              <a:buFont typeface="Arial"/>
+              <a:buNone/>
+            </a:pPr>
+            <a:endParaRPr lang="en-US" b="1" u="sng" dirty="0" smtClean="0"/>
+          </a:p>
+          <a:p>
+            <a:pPr marL="0" indent="0">
+              <a:buFont typeface="Arial"/>
+              <a:buNone/>
+            </a:pPr>
+            <a:r>
+              <a:rPr lang="en-US" b="1" u="sng" dirty="0" smtClean="0"/>
+              <a:t>Craig</a:t>
+            </a:r>
+            <a:endParaRPr lang="en-US" b="1" u="sng" dirty="0" smtClean="0"/>
+          </a:p>
+          <a:p>
+            <a:pPr marL="171450" indent="-171450">
+              <a:buFont typeface="Arial"/>
+              <a:buChar char="•"/>
+            </a:pPr>
+            <a:r>
+              <a:rPr lang="en-US" b="0" u="none" dirty="0" smtClean="0"/>
+              <a:t>Simplify </a:t>
+            </a:r>
+            <a:r>
+              <a:rPr lang="en-US" b="0" u="none" dirty="0" smtClean="0"/>
+              <a:t>Java </a:t>
+            </a:r>
+            <a:r>
+              <a:rPr lang="en-US" b="0" u="none" dirty="0" smtClean="0"/>
+              <a:t>code and distribute work load.</a:t>
+            </a:r>
+          </a:p>
+          <a:p>
+            <a:pPr marL="171450" indent="-171450">
+              <a:buFont typeface="Arial"/>
+              <a:buChar char="•"/>
+            </a:pPr>
+            <a:endParaRPr lang="en-US" b="0" u="none" dirty="0" smtClean="0"/>
+          </a:p>
+          <a:p>
+            <a:pPr marL="0" indent="0">
+              <a:buFont typeface="Arial"/>
+              <a:buNone/>
+            </a:pPr>
+            <a:r>
+              <a:rPr lang="en-US" b="0" u="none" dirty="0" smtClean="0"/>
+              <a:t>10 - 11</a:t>
+            </a:r>
+            <a:endParaRPr lang="en-US" b="0" u="none" dirty="0" smtClean="0"/>
           </a:p>
         </p:txBody>
       </p:sp>
@@ -1183,6 +1551,36 @@
           <a:bodyPr/>
           <a:lstStyle/>
           <a:p>
+            <a:pPr marL="0" marR="0" indent="0" algn="l" defTabSz="457200" rtl="0" eaLnBrk="1" fontAlgn="auto" latinLnBrk="0" hangingPunct="1">
+              <a:lnSpc>
+                <a:spcPct val="100000"/>
+              </a:lnSpc>
+              <a:spcBef>
+                <a:spcPts val="0"/>
+              </a:spcBef>
+              <a:spcAft>
+                <a:spcPts val="0"/>
+              </a:spcAft>
+              <a:buClrTx/>
+              <a:buSzTx/>
+              <a:buFont typeface="Arial"/>
+              <a:buNone/>
+              <a:tabLst/>
+              <a:defRPr/>
+            </a:pPr>
+            <a:r>
+              <a:rPr lang="en-US" b="1" u="sng" dirty="0" smtClean="0"/>
+              <a:t>Explain why options were selected</a:t>
+            </a:r>
+          </a:p>
+          <a:p>
+            <a:pPr marL="0" indent="0">
+              <a:buFont typeface="Arial"/>
+              <a:buNone/>
+            </a:pPr>
+            <a:endParaRPr lang="en-US" b="1" u="sng" dirty="0" smtClean="0"/>
+          </a:p>
+          <a:p>
             <a:pPr marL="0" indent="0">
               <a:buFont typeface="Arial"/>
               <a:buNone/>
@@ -1221,7 +1619,7 @@
               <a:buFont typeface="Arial"/>
               <a:buChar char="•"/>
             </a:pPr>
-            <a:endParaRPr lang="en-US" b="0" u="none" dirty="0" smtClean="0"/>
+            <a:endParaRPr lang="en-US" b="0" u="none" baseline="0" dirty="0" smtClean="0"/>
           </a:p>
           <a:p>
             <a:pPr marL="0" indent="0">
@@ -1229,43 +1627,10 @@
               <a:buNone/>
             </a:pPr>
             <a:r>
-              <a:rPr lang="en-US" b="1" u="sng" dirty="0" smtClean="0"/>
-              <a:t>Explain why options were selected</a:t>
-            </a:r>
-          </a:p>
-          <a:p>
-            <a:pPr marL="171450" lvl="0" indent="-171450">
-              <a:buFont typeface="Arial"/>
-              <a:buChar char="•"/>
-            </a:pPr>
-            <a:r>
-              <a:rPr lang="en-US" dirty="0" smtClean="0"/>
-              <a:t>Use of </a:t>
-            </a:r>
-            <a:r>
-              <a:rPr lang="en-US" dirty="0" err="1" smtClean="0"/>
-              <a:t>JSONInputStream</a:t>
-            </a:r>
-            <a:r>
-              <a:rPr lang="en-US" dirty="0" smtClean="0"/>
-              <a:t> with</a:t>
-            </a:r>
-            <a:r>
-              <a:rPr lang="en-US" baseline="0" dirty="0" smtClean="0"/>
-              <a:t> </a:t>
-            </a:r>
-            <a:r>
-              <a:rPr lang="en-US" baseline="0" dirty="0" err="1" smtClean="0"/>
-              <a:t>HttpRequest</a:t>
-            </a:r>
-            <a:r>
-              <a:rPr lang="en-US" baseline="0" dirty="0" smtClean="0"/>
-              <a:t>.</a:t>
-            </a:r>
-            <a:endParaRPr lang="en-US" dirty="0" smtClean="0"/>
-          </a:p>
-          <a:p>
-            <a:endParaRPr lang="en-US" dirty="0"/>
+              <a:rPr lang="en-US" b="0" u="none" dirty="0" smtClean="0"/>
+              <a:t>9 - 10</a:t>
+            </a:r>
+            <a:endParaRPr lang="en-US" b="0" u="none" dirty="0" smtClean="0"/>
           </a:p>
         </p:txBody>
       </p:sp>
@@ -1350,149 +1715,26 @@
           <a:lstStyle/>
           <a:p>
             <a:r>
-              <a:rPr lang="en-US" b="1" u="sng" strike="noStrike" dirty="0" smtClean="0"/>
-              <a:t>Craig</a:t>
-            </a:r>
-          </a:p>
-          <a:p>
-            <a:pPr marL="171450" marR="0" lvl="1" indent="-171450" algn="l" defTabSz="457200" rtl="0" eaLnBrk="1" fontAlgn="auto" latinLnBrk="0" hangingPunct="1">
-              <a:lnSpc>
-                <a:spcPct val="100000"/>
-              </a:lnSpc>
-              <a:spcBef>
-                <a:spcPts val="0"/>
-              </a:spcBef>
-              <a:spcAft>
-                <a:spcPts val="0"/>
-              </a:spcAft>
-              <a:buClrTx/>
-              <a:buSzTx/>
-              <a:buFont typeface="Arial"/>
-              <a:buChar char="•"/>
-              <a:tabLst/>
-              <a:defRPr/>
-            </a:pPr>
-            <a:r>
-              <a:rPr lang="en-US" dirty="0" smtClean="0"/>
-              <a:t>Database </a:t>
-            </a:r>
-            <a:r>
-              <a:rPr lang="en-US" dirty="0" smtClean="0"/>
-              <a:t>Design</a:t>
-            </a:r>
-          </a:p>
-          <a:p>
-            <a:pPr marL="171450" marR="0" lvl="1" indent="-171450" algn="l" defTabSz="457200" rtl="0" eaLnBrk="1" fontAlgn="auto" latinLnBrk="0" hangingPunct="1">
-              <a:lnSpc>
-                <a:spcPct val="100000"/>
-              </a:lnSpc>
-              <a:spcBef>
-                <a:spcPts val="0"/>
-              </a:spcBef>
-              <a:spcAft>
-                <a:spcPts val="0"/>
-              </a:spcAft>
-              <a:buClrTx/>
-              <a:buSzTx/>
-              <a:buFont typeface="Arial"/>
-              <a:buChar char="•"/>
-              <a:tabLst/>
-              <a:defRPr/>
-            </a:pPr>
-            <a:r>
-              <a:rPr lang="en-US" dirty="0" smtClean="0"/>
-              <a:t>What!? No</a:t>
-            </a:r>
-            <a:r>
-              <a:rPr lang="en-US" baseline="0" dirty="0" smtClean="0"/>
-              <a:t> SQL!?</a:t>
-            </a:r>
-            <a:endParaRPr lang="en-US" dirty="0" smtClean="0"/>
-          </a:p>
-          <a:p>
-            <a:r>
-              <a:rPr lang="en-US" sz="1400" b="1" u="sng" dirty="0" smtClean="0"/>
-              <a:t>Jeff</a:t>
-            </a:r>
-          </a:p>
-          <a:p>
-            <a:pPr marL="285750" indent="-285750">
-              <a:buFont typeface="Arial"/>
-              <a:buChar char="•"/>
-            </a:pPr>
-            <a:r>
-              <a:rPr lang="en-US" sz="1400" b="0" u="none" dirty="0" smtClean="0"/>
-              <a:t>Hibernate</a:t>
-            </a:r>
-          </a:p>
-          <a:p>
-            <a:pPr marL="742950" lvl="1" indent="-285750">
-              <a:buFont typeface="Arial"/>
-              <a:buChar char="•"/>
-            </a:pPr>
-            <a:r>
-              <a:rPr lang="en-US" sz="1400" b="0" u="none" dirty="0" smtClean="0"/>
-              <a:t>READ THE BOOK FIRST</a:t>
-            </a:r>
-            <a:endParaRPr lang="en-US" sz="1400" b="0" u="none" dirty="0" smtClean="0"/>
-          </a:p>
-          <a:p>
-            <a:pPr marL="742950" lvl="1" indent="-285750">
-              <a:buFont typeface="Arial"/>
-              <a:buChar char="•"/>
-            </a:pPr>
-            <a:r>
-              <a:rPr lang="en-US" sz="1400" b="0" u="none" dirty="0" smtClean="0"/>
-              <a:t>Adds layer of security</a:t>
-            </a:r>
-          </a:p>
-          <a:p>
-            <a:pPr marL="742950" lvl="1" indent="-285750">
-              <a:buFont typeface="Arial"/>
-              <a:buChar char="•"/>
-            </a:pPr>
-            <a:r>
-              <a:rPr lang="en-US" sz="1400" b="0" u="none" dirty="0" smtClean="0"/>
-              <a:t>Middle man</a:t>
-            </a:r>
-            <a:endParaRPr lang="en-US" sz="1400" b="0" u="none" dirty="0"/>
-          </a:p>
-          <a:p>
-            <a:pPr marL="742950" lvl="1" indent="-285750">
-              <a:buFont typeface="Arial"/>
-              <a:buChar char="•"/>
-            </a:pPr>
-            <a:endParaRPr lang="en-US" sz="1400" b="0" u="none" dirty="0" smtClean="0"/>
-          </a:p>
-          <a:p>
-            <a:pPr marL="0" marR="0" lvl="0" indent="0" algn="l" defTabSz="457200" rtl="0" eaLnBrk="1" fontAlgn="auto" latinLnBrk="0" hangingPunct="1">
-              <a:lnSpc>
-                <a:spcPct val="100000"/>
-              </a:lnSpc>
-              <a:spcBef>
-                <a:spcPts val="0"/>
-              </a:spcBef>
-              <a:spcAft>
-                <a:spcPts val="0"/>
-              </a:spcAft>
-              <a:buClrTx/>
-              <a:buSzTx/>
-              <a:buFont typeface="Arial"/>
-              <a:buNone/>
-              <a:tabLst/>
-              <a:defRPr/>
-            </a:pPr>
-            <a:r>
-              <a:rPr lang="en-US" sz="1400" b="1" u="sng" strike="noStrike" dirty="0" smtClean="0"/>
-              <a:t>Creativity</a:t>
-            </a:r>
-          </a:p>
-          <a:p>
-            <a:pPr marL="285750" lvl="0" indent="-285750">
-              <a:buFont typeface="Arial"/>
-              <a:buChar char="•"/>
-            </a:pPr>
-            <a:endParaRPr lang="en-US" sz="1400" b="0" u="none" dirty="0"/>
+              <a:rPr lang="en-US" b="1" u="sng" dirty="0" smtClean="0"/>
+              <a:t>Shawn</a:t>
+            </a:r>
+          </a:p>
+          <a:p>
+            <a:endParaRPr lang="en-US" b="0" u="none" dirty="0" smtClean="0"/>
+          </a:p>
+          <a:p>
+            <a:endParaRPr lang="en-US" b="0" u="none" dirty="0" smtClean="0"/>
+          </a:p>
+          <a:p>
+            <a:r>
+              <a:rPr lang="en-US" b="0" u="none" dirty="0" smtClean="0"/>
+              <a:t>11</a:t>
+            </a:r>
+            <a:r>
+              <a:rPr lang="en-US" b="0" u="none" baseline="0" dirty="0" smtClean="0"/>
+              <a:t> - 13</a:t>
+            </a:r>
+            <a:endParaRPr lang="en-US" b="0" u="none" dirty="0" smtClean="0"/>
           </a:p>
         </p:txBody>
       </p:sp>
@@ -1522,7 +1764,7 @@
     </p:spTree>
     <p:extLst>
       <p:ext uri="{BB962C8B-B14F-4D97-AF65-F5344CB8AC3E}">
-        <p14:creationId xmlns:p14="http://schemas.microsoft.com/office/powerpoint/2010/main" val="3302315348"/>
+        <p14:creationId xmlns:p14="http://schemas.microsoft.com/office/powerpoint/2010/main" val="3302623132"/>
       </p:ext>
     </p:extLst>
   </p:cSld>
@@ -1576,14 +1818,289 @@
           <a:bodyPr/>
           <a:lstStyle/>
           <a:p>
+            <a:pPr marL="0" marR="0" lvl="0" indent="0" algn="l" defTabSz="457200" rtl="0" eaLnBrk="1" fontAlgn="auto" latinLnBrk="0" hangingPunct="1">
+              <a:lnSpc>
+                <a:spcPct val="100000"/>
+              </a:lnSpc>
+              <a:spcBef>
+                <a:spcPts val="0"/>
+              </a:spcBef>
+              <a:spcAft>
+                <a:spcPts val="0"/>
+              </a:spcAft>
+              <a:buClrTx/>
+              <a:buSzTx/>
+              <a:buFontTx/>
+              <a:buNone/>
+              <a:tabLst/>
+              <a:defRPr/>
+            </a:pPr>
+            <a:r>
+              <a:rPr lang="en-US" sz="1200" b="1" u="sng" strike="noStrike" dirty="0" smtClean="0"/>
+              <a:t>Creativity</a:t>
+            </a:r>
+          </a:p>
+          <a:p>
+            <a:endParaRPr lang="en-US" b="1" u="sng" strike="noStrike" dirty="0" smtClean="0"/>
+          </a:p>
+          <a:p>
+            <a:r>
+              <a:rPr lang="en-US" b="1" u="sng" strike="noStrike" dirty="0" smtClean="0"/>
+              <a:t>Craig</a:t>
+            </a:r>
+            <a:endParaRPr lang="en-US" b="1" u="sng" strike="noStrike" dirty="0" smtClean="0"/>
+          </a:p>
+          <a:p>
+            <a:pPr marL="171450" marR="0" lvl="1" indent="-171450" algn="l" defTabSz="457200" rtl="0" eaLnBrk="1" fontAlgn="auto" latinLnBrk="0" hangingPunct="1">
+              <a:lnSpc>
+                <a:spcPct val="100000"/>
+              </a:lnSpc>
+              <a:spcBef>
+                <a:spcPts val="0"/>
+              </a:spcBef>
+              <a:spcAft>
+                <a:spcPts val="0"/>
+              </a:spcAft>
+              <a:buClrTx/>
+              <a:buSzTx/>
+              <a:buFont typeface="Arial"/>
+              <a:buChar char="•"/>
+              <a:tabLst/>
+              <a:defRPr/>
+            </a:pPr>
+            <a:r>
+              <a:rPr lang="en-US" dirty="0" smtClean="0"/>
+              <a:t>Database </a:t>
+            </a:r>
+            <a:r>
+              <a:rPr lang="en-US" dirty="0" smtClean="0"/>
+              <a:t>Design</a:t>
+            </a:r>
+          </a:p>
+          <a:p>
+            <a:pPr marL="171450" marR="0" lvl="1" indent="-171450" algn="l" defTabSz="457200" rtl="0" eaLnBrk="1" fontAlgn="auto" latinLnBrk="0" hangingPunct="1">
+              <a:lnSpc>
+                <a:spcPct val="100000"/>
+              </a:lnSpc>
+              <a:spcBef>
+                <a:spcPts val="0"/>
+              </a:spcBef>
+              <a:spcAft>
+                <a:spcPts val="0"/>
+              </a:spcAft>
+              <a:buClrTx/>
+              <a:buSzTx/>
+              <a:buFont typeface="Arial"/>
+              <a:buChar char="•"/>
+              <a:tabLst/>
+              <a:defRPr/>
+            </a:pPr>
+            <a:r>
+              <a:rPr lang="en-US" dirty="0" smtClean="0"/>
+              <a:t>What!? No</a:t>
+            </a:r>
+            <a:r>
+              <a:rPr lang="en-US" baseline="0" dirty="0" smtClean="0"/>
+              <a:t> SQL!?</a:t>
+            </a:r>
+            <a:endParaRPr lang="en-US" dirty="0" smtClean="0"/>
+          </a:p>
+          <a:p>
+            <a:r>
+              <a:rPr lang="en-US" sz="1400" b="1" u="sng" dirty="0" smtClean="0"/>
+              <a:t>Jeff</a:t>
+            </a:r>
+          </a:p>
+          <a:p>
+            <a:pPr marL="285750" lvl="0" indent="-285750">
+              <a:buFont typeface="Arial"/>
+              <a:buChar char="•"/>
+            </a:pPr>
+            <a:r>
+              <a:rPr lang="en-US" sz="1400" b="0" u="none" dirty="0" smtClean="0"/>
+              <a:t>Hibernate</a:t>
+            </a:r>
+          </a:p>
+          <a:p>
+            <a:pPr marL="742950" lvl="1" indent="-285750">
+              <a:buFont typeface="Arial"/>
+              <a:buChar char="•"/>
+            </a:pPr>
+            <a:r>
+              <a:rPr lang="en-US" sz="1400" b="0" u="none" dirty="0" smtClean="0"/>
+              <a:t>READ THE BOOK FIRST</a:t>
+            </a:r>
+            <a:endParaRPr lang="en-US" sz="1400" b="0" u="none" dirty="0" smtClean="0"/>
+          </a:p>
+          <a:p>
+            <a:pPr marL="742950" lvl="1" indent="-285750">
+              <a:buFont typeface="Arial"/>
+              <a:buChar char="•"/>
+            </a:pPr>
+            <a:r>
+              <a:rPr lang="en-US" sz="1400" b="0" u="none" dirty="0" smtClean="0"/>
+              <a:t>Adds layer of security</a:t>
+            </a:r>
+          </a:p>
+          <a:p>
+            <a:pPr marL="742950" lvl="1" indent="-285750">
+              <a:buFont typeface="Arial"/>
+              <a:buChar char="•"/>
+            </a:pPr>
+            <a:r>
+              <a:rPr lang="en-US" sz="1400" b="0" u="none" dirty="0" smtClean="0"/>
+              <a:t>Middle </a:t>
+            </a:r>
+            <a:r>
+              <a:rPr lang="en-US" sz="1400" b="0" u="none" dirty="0" smtClean="0"/>
+              <a:t>man</a:t>
+            </a:r>
+            <a:endParaRPr lang="en-US" sz="1400" b="0" u="none" dirty="0"/>
+          </a:p>
+          <a:p>
+            <a:pPr marL="742950" lvl="1" indent="-285750">
+              <a:buFont typeface="Arial"/>
+              <a:buChar char="•"/>
+            </a:pPr>
+            <a:endParaRPr lang="en-US" sz="1400" b="0" u="none" dirty="0"/>
+          </a:p>
+          <a:p>
+            <a:pPr marL="0" lvl="0" indent="0">
+              <a:buFont typeface="Arial"/>
+              <a:buNone/>
+            </a:pPr>
+            <a:r>
+              <a:rPr lang="en-US" sz="1400" b="0" u="none" dirty="0" smtClean="0"/>
+              <a:t>13 - 15</a:t>
+            </a:r>
+            <a:endParaRPr lang="en-US" sz="1400" b="0" u="none" dirty="0"/>
+          </a:p>
+        </p:txBody>
+      </p:sp>
+      <p:sp>
+        <p:nvSpPr>
+          <p:cNvPr id="4" name="Slide Number Placeholder 3"/>
+          <p:cNvSpPr>
+            <a:spLocks noGrp="1"/>
+          </p:cNvSpPr>
+          <p:nvPr>
+            <p:ph type="sldNum" sz="quarter" idx="10"/>
+          </p:nvPr>
+        </p:nvSpPr>
+        <p:spPr/>
+        <p:txBody>
+          <a:bodyPr/>
+          <a:lstStyle/>
+          <a:p>
+            <a:fld id="{1F5F59E0-0C9E-B44E-B3B1-2F0A462DBE4C}" type="slidenum">
+              <a:rPr lang="en-US" smtClean="0"/>
+              <a:t>8</a:t>
+            </a:fld>
+            <a:endParaRPr lang="en-US"/>
+          </a:p>
+        </p:txBody>
+      </p:sp>
+    </p:spTree>
+    <p:extLst>
+      <p:ext uri="{BB962C8B-B14F-4D97-AF65-F5344CB8AC3E}">
+        <p14:creationId xmlns:p14="http://schemas.microsoft.com/office/powerpoint/2010/main" val="3302315348"/>
+      </p:ext>
+    </p:extLst>
+  </p:cSld>
+  <p:clrMapOvr>
+    <a:masterClrMapping/>
+  </p:clrMapOvr>
+</p:notes>
+</file>
+
+<file path=ppt/notesSlides/notesSlide9.xml><?xml version="1.0" encoding="utf-8"?>
+<p:notes xmlns:a="http://schemas.openxmlformats.org/drawingml/2006/main" xmlns:r="http://schemas.openxmlformats.org/officeDocument/2006/relationships" xmlns:p="http://schemas.openxmlformats.org/presentationml/2006/main">
+  <p:cSld>
+    <p:spTree>
+      <p:nvGrpSpPr>
+        <p:cNvPr id="1" name=""/>
+        <p:cNvGrpSpPr/>
+        <p:nvPr/>
+      </p:nvGrpSpPr>
+      <p:grpSpPr>
+        <a:xfrm>
+          <a:off x="0" y="0"/>
+          <a:ext cx="0" cy="0"/>
+          <a:chOff x="0" y="0"/>
+          <a:chExt cx="0" cy="0"/>
+        </a:xfrm>
+      </p:grpSpPr>
+      <p:sp>
+        <p:nvSpPr>
+          <p:cNvPr id="2" name="Slide Image Placeholder 1"/>
+          <p:cNvSpPr>
+            <a:spLocks noGrp="1" noRot="1" noChangeAspect="1"/>
+          </p:cNvSpPr>
+          <p:nvPr>
+            <p:ph type="sldImg"/>
+          </p:nvPr>
+        </p:nvSpPr>
+        <p:spPr/>
+      </p:sp>
+      <p:sp>
+        <p:nvSpPr>
+          <p:cNvPr id="3" name="Notes Placeholder 2"/>
+          <p:cNvSpPr>
+            <a:spLocks noGrp="1"/>
+          </p:cNvSpPr>
+          <p:nvPr>
+            <p:ph type="body" idx="1"/>
+          </p:nvPr>
+        </p:nvSpPr>
+        <p:spPr/>
+        <p:txBody>
+          <a:bodyPr/>
+          <a:lstStyle/>
+          <a:p>
+            <a:pPr marL="0" marR="0" indent="0" algn="l" defTabSz="457200" rtl="0" eaLnBrk="1" fontAlgn="auto" latinLnBrk="0" hangingPunct="1">
+              <a:lnSpc>
+                <a:spcPct val="100000"/>
+              </a:lnSpc>
+              <a:spcBef>
+                <a:spcPts val="0"/>
+              </a:spcBef>
+              <a:spcAft>
+                <a:spcPts val="0"/>
+              </a:spcAft>
+              <a:buClrTx/>
+              <a:buSzTx/>
+              <a:buFont typeface="Arial"/>
+              <a:buNone/>
+              <a:tabLst/>
+              <a:defRPr/>
+            </a:pPr>
+            <a:r>
+              <a:rPr lang="en-US" b="1" u="sng" dirty="0" smtClean="0"/>
+              <a:t>Openness to new</a:t>
+            </a:r>
+            <a:r>
+              <a:rPr lang="en-US" b="1" u="sng" baseline="0" dirty="0" smtClean="0"/>
+              <a:t> ideas</a:t>
+            </a:r>
+            <a:endParaRPr lang="en-US" dirty="0" smtClean="0"/>
+          </a:p>
+          <a:p>
             <a:pPr marL="0" indent="0">
               <a:buFont typeface="Arial"/>
               <a:buNone/>
             </a:pPr>
+            <a:endParaRPr lang="en-US" b="1" u="sng" dirty="0" smtClean="0"/>
+          </a:p>
+          <a:p>
+            <a:pPr marL="0" indent="0">
+              <a:buFont typeface="Arial"/>
+              <a:buNone/>
+            </a:pPr>
             <a:r>
               <a:rPr lang="en-US" b="1" u="sng" dirty="0" smtClean="0"/>
               <a:t>Craig</a:t>
             </a:r>
+            <a:endParaRPr lang="en-US" b="1" u="sng" dirty="0" smtClean="0"/>
           </a:p>
           <a:p>
             <a:pPr marL="171450" indent="-171450">
@@ -1592,33 +2109,30 @@
             </a:pPr>
             <a:r>
               <a:rPr lang="en-US" b="0" u="none" dirty="0" smtClean="0"/>
-              <a:t>Wanted to implement in current/existing projects</a:t>
-            </a:r>
-          </a:p>
-          <a:p>
-            <a:pPr marL="0" indent="0">
-              <a:buFont typeface="Arial"/>
-              <a:buNone/>
-            </a:pPr>
-            <a:r>
-              <a:rPr lang="en-US" b="1" u="sng" dirty="0" smtClean="0"/>
-              <a:t>Openness to new</a:t>
-            </a:r>
-            <a:r>
-              <a:rPr lang="en-US" b="1" u="sng" baseline="0" dirty="0" smtClean="0"/>
-              <a:t> ideas</a:t>
-            </a:r>
-          </a:p>
-          <a:p>
-            <a:pPr marL="171450" lvl="0" indent="-171450">
+              <a:t>Wanted to implement in current/existing </a:t>
+            </a:r>
+            <a:r>
+              <a:rPr lang="en-US" b="0" u="none" dirty="0" smtClean="0"/>
+              <a:t>projects</a:t>
+            </a:r>
+          </a:p>
+          <a:p>
+            <a:pPr marL="171450" indent="-171450">
               <a:buFont typeface="Arial"/>
               <a:buChar char="•"/>
             </a:pPr>
-            <a:r>
-              <a:rPr lang="en-US" dirty="0" smtClean="0"/>
-              <a:t>Application Controller Pattern</a:t>
-            </a:r>
-            <a:endParaRPr lang="en-US" dirty="0"/>
+            <a:endParaRPr lang="en-US" b="0" u="none" dirty="0" smtClean="0"/>
+          </a:p>
+          <a:p>
+            <a:pPr marL="0" indent="0">
+              <a:buFont typeface="Arial"/>
+              <a:buNone/>
+            </a:pPr>
+            <a:r>
+              <a:rPr lang="en-US" b="0" u="none" dirty="0" smtClean="0"/>
+              <a:t>15 - 16</a:t>
+            </a:r>
+            <a:endParaRPr lang="en-US" b="0" u="none" dirty="0" smtClean="0"/>
           </a:p>
         </p:txBody>
       </p:sp>
@@ -1639,7 +2153,7 @@
           <a:p>
             <a:fld id="{1F5F59E0-0C9E-B44E-B3B1-2F0A462DBE4C}" type="slidenum">
               <a:rPr lang="en-US" smtClean="0"/>
-              <a:t>8</a:t>
+              <a:t>9</a:t>
             </a:fld>
             <a:endParaRPr lang="en-US"/>
           </a:p>
@@ -6580,6 +7094,467 @@
 </p:sld>
 </file>
 
+<file path=ppt/slides/slide10.xml><?xml version="1.0" encoding="utf-8"?>
+<p:sld xmlns:a="http://schemas.openxmlformats.org/drawingml/2006/main" xmlns:r="http://schemas.openxmlformats.org/officeDocument/2006/relationships" xmlns:p="http://schemas.openxmlformats.org/presentationml/2006/main">
+  <p:cSld>
+    <p:spTree>
+      <p:nvGrpSpPr>
+        <p:cNvPr id="1" name=""/>
+        <p:cNvGrpSpPr/>
+        <p:nvPr/>
+      </p:nvGrpSpPr>
+      <p:grpSpPr>
+        <a:xfrm>
+          <a:off x="0" y="0"/>
+          <a:ext cx="0" cy="0"/>
+          <a:chOff x="0" y="0"/>
+          <a:chExt cx="0" cy="0"/>
+        </a:xfrm>
+      </p:grpSpPr>
+      <p:sp>
+        <p:nvSpPr>
+          <p:cNvPr id="2" name="Title 1"/>
+          <p:cNvSpPr>
+            <a:spLocks noGrp="1"/>
+          </p:cNvSpPr>
+          <p:nvPr>
+            <p:ph type="title"/>
+          </p:nvPr>
+        </p:nvSpPr>
+        <p:spPr/>
+        <p:txBody>
+          <a:bodyPr/>
+          <a:lstStyle/>
+          <a:p>
+            <a:r>
+              <a:rPr lang="en-US" b="1" dirty="0" smtClean="0"/>
+              <a:t>Think first, then act.</a:t>
+            </a:r>
+            <a:endParaRPr lang="en-US" b="1" dirty="0"/>
+          </a:p>
+        </p:txBody>
+      </p:sp>
+      <p:sp>
+        <p:nvSpPr>
+          <p:cNvPr id="3" name="Content Placeholder 2"/>
+          <p:cNvSpPr>
+            <a:spLocks noGrp="1"/>
+          </p:cNvSpPr>
+          <p:nvPr>
+            <p:ph idx="1"/>
+          </p:nvPr>
+        </p:nvSpPr>
+        <p:spPr>
+          <a:xfrm>
+            <a:off x="685800" y="1550894"/>
+            <a:ext cx="7770813" cy="4575269"/>
+          </a:xfrm>
+        </p:spPr>
+        <p:txBody>
+          <a:bodyPr/>
+          <a:lstStyle/>
+          <a:p>
+            <a:r>
+              <a:rPr lang="en-US" b="1" dirty="0" smtClean="0">
+                <a:solidFill>
+                  <a:srgbClr val="94D66C"/>
+                </a:solidFill>
+              </a:rPr>
+              <a:t>Learn and understand the technology first.</a:t>
+            </a:r>
+          </a:p>
+          <a:p>
+            <a:pPr lvl="1"/>
+            <a:r>
+              <a:rPr lang="en-US" dirty="0" smtClean="0"/>
+              <a:t>Ask about other’s experiences. </a:t>
+            </a:r>
+          </a:p>
+          <a:p>
+            <a:pPr lvl="1"/>
+            <a:r>
+              <a:rPr lang="en-US" dirty="0" smtClean="0"/>
+              <a:t>Learn the alternatives.</a:t>
+            </a:r>
+          </a:p>
+          <a:p>
+            <a:pPr lvl="1"/>
+            <a:r>
+              <a:rPr lang="en-US" dirty="0" smtClean="0"/>
+              <a:t>Ask lots of questions.</a:t>
+            </a:r>
+          </a:p>
+          <a:p>
+            <a:r>
+              <a:rPr lang="en-US" b="1" dirty="0" smtClean="0">
+                <a:solidFill>
+                  <a:srgbClr val="94D66C"/>
+                </a:solidFill>
+              </a:rPr>
+              <a:t>Simplify, simplify, simplify.  </a:t>
+            </a:r>
+          </a:p>
+          <a:p>
+            <a:pPr lvl="1"/>
+            <a:r>
+              <a:rPr lang="en-US" dirty="0" smtClean="0"/>
+              <a:t>When planning use simple tools. (</a:t>
+            </a:r>
+            <a:r>
+              <a:rPr lang="en-US" dirty="0"/>
+              <a:t>e</a:t>
+            </a:r>
+            <a:r>
+              <a:rPr lang="en-US" dirty="0" smtClean="0"/>
+              <a:t>x. whiteboard, paper/pencil)</a:t>
+            </a:r>
+          </a:p>
+          <a:p>
+            <a:pPr lvl="1"/>
+            <a:r>
+              <a:rPr lang="en-US" dirty="0" smtClean="0"/>
+              <a:t>Using software too soon makes it too complicated.</a:t>
+            </a:r>
+          </a:p>
+          <a:p>
+            <a:r>
+              <a:rPr lang="en-US" b="1" dirty="0" smtClean="0">
+                <a:solidFill>
+                  <a:srgbClr val="94D66C"/>
+                </a:solidFill>
+              </a:rPr>
+              <a:t>Think smarter, not harder.</a:t>
+            </a:r>
+          </a:p>
+          <a:p>
+            <a:pPr lvl="1"/>
+            <a:r>
+              <a:rPr lang="en-US" dirty="0" smtClean="0"/>
+              <a:t>Saves resources.</a:t>
+            </a:r>
+          </a:p>
+          <a:p>
+            <a:pPr lvl="1"/>
+            <a:r>
+              <a:rPr lang="en-US" dirty="0" smtClean="0"/>
+              <a:t>Teamwork is key.</a:t>
+            </a:r>
+          </a:p>
+          <a:p>
+            <a:pPr lvl="1"/>
+            <a:endParaRPr lang="en-US" dirty="0"/>
+          </a:p>
+        </p:txBody>
+      </p:sp>
+    </p:spTree>
+    <p:extLst>
+      <p:ext uri="{BB962C8B-B14F-4D97-AF65-F5344CB8AC3E}">
+        <p14:creationId xmlns:p14="http://schemas.microsoft.com/office/powerpoint/2010/main" val="3807658290"/>
+      </p:ext>
+    </p:extLst>
+  </p:cSld>
+  <p:clrMapOvr>
+    <a:masterClrMapping/>
+  </p:clrMapOvr>
+  <p:timing>
+    <p:tnLst>
+      <p:par>
+        <p:cTn xmlns:p14="http://schemas.microsoft.com/office/powerpoint/2010/main" id="1" dur="indefinite" restart="never" nodeType="tmRoot"/>
+      </p:par>
+    </p:tnLst>
+  </p:timing>
+</p:sld>
+</file>
+
+<file path=ppt/slides/slide11.xml><?xml version="1.0" encoding="utf-8"?>
+<p:sld xmlns:a="http://schemas.openxmlformats.org/drawingml/2006/main" xmlns:r="http://schemas.openxmlformats.org/officeDocument/2006/relationships" xmlns:p="http://schemas.openxmlformats.org/presentationml/2006/main">
+  <p:cSld>
+    <p:spTree>
+      <p:nvGrpSpPr>
+        <p:cNvPr id="1" name=""/>
+        <p:cNvGrpSpPr/>
+        <p:nvPr/>
+      </p:nvGrpSpPr>
+      <p:grpSpPr>
+        <a:xfrm>
+          <a:off x="0" y="0"/>
+          <a:ext cx="0" cy="0"/>
+          <a:chOff x="0" y="0"/>
+          <a:chExt cx="0" cy="0"/>
+        </a:xfrm>
+      </p:grpSpPr>
+      <p:sp>
+        <p:nvSpPr>
+          <p:cNvPr id="2" name="Title 1"/>
+          <p:cNvSpPr>
+            <a:spLocks noGrp="1"/>
+          </p:cNvSpPr>
+          <p:nvPr>
+            <p:ph type="title"/>
+          </p:nvPr>
+        </p:nvSpPr>
+        <p:spPr/>
+        <p:txBody>
+          <a:bodyPr>
+            <a:normAutofit/>
+          </a:bodyPr>
+          <a:lstStyle/>
+          <a:p>
+            <a:r>
+              <a:rPr lang="en-US" b="1" dirty="0" smtClean="0"/>
+              <a:t>I think, therefore I am.</a:t>
+            </a:r>
+            <a:endParaRPr lang="en-US" b="1" dirty="0"/>
+          </a:p>
+        </p:txBody>
+      </p:sp>
+      <p:pic>
+        <p:nvPicPr>
+          <p:cNvPr id="4" name="Content Placeholder 3" descr="images.jpeg"/>
+          <p:cNvPicPr>
+            <a:picLocks noGrp="1" noChangeAspect="1"/>
+          </p:cNvPicPr>
+          <p:nvPr>
+            <p:ph idx="1"/>
+          </p:nvPr>
+        </p:nvPicPr>
+        <p:blipFill rotWithShape="1">
+          <a:blip r:embed="rId3">
+            <a:extLst>
+              <a:ext uri="{28A0092B-C50C-407E-A947-70E740481C1C}">
+                <a14:useLocalDpi xmlns:a14="http://schemas.microsoft.com/office/drawing/2010/main" val="0"/>
+              </a:ext>
+            </a:extLst>
+          </a:blip>
+          <a:srcRect l="30" r="-513"/>
+          <a:stretch/>
+        </p:blipFill>
+        <p:spPr>
+          <a:xfrm>
+            <a:off x="2419247" y="1550894"/>
+            <a:ext cx="4294166" cy="4797597"/>
+          </a:xfrm>
+        </p:spPr>
+      </p:pic>
+    </p:spTree>
+    <p:extLst>
+      <p:ext uri="{BB962C8B-B14F-4D97-AF65-F5344CB8AC3E}">
+        <p14:creationId xmlns:p14="http://schemas.microsoft.com/office/powerpoint/2010/main" val="3831368425"/>
+      </p:ext>
+    </p:extLst>
+  </p:cSld>
+  <p:clrMapOvr>
+    <a:masterClrMapping/>
+  </p:clrMapOvr>
+  <p:timing>
+    <p:tnLst>
+      <p:par>
+        <p:cTn xmlns:p14="http://schemas.microsoft.com/office/powerpoint/2010/main" id="1" dur="indefinite" restart="never" nodeType="tmRoot"/>
+      </p:par>
+    </p:tnLst>
+  </p:timing>
+</p:sld>
+</file>
+
+<file path=ppt/slides/slide12.xml><?xml version="1.0" encoding="utf-8"?>
+<p:sld xmlns:a="http://schemas.openxmlformats.org/drawingml/2006/main" xmlns:r="http://schemas.openxmlformats.org/officeDocument/2006/relationships" xmlns:p="http://schemas.openxmlformats.org/presentationml/2006/main">
+  <p:cSld>
+    <p:spTree>
+      <p:nvGrpSpPr>
+        <p:cNvPr id="1" name=""/>
+        <p:cNvGrpSpPr/>
+        <p:nvPr/>
+      </p:nvGrpSpPr>
+      <p:grpSpPr>
+        <a:xfrm>
+          <a:off x="0" y="0"/>
+          <a:ext cx="0" cy="0"/>
+          <a:chOff x="0" y="0"/>
+          <a:chExt cx="0" cy="0"/>
+        </a:xfrm>
+      </p:grpSpPr>
+      <p:sp>
+        <p:nvSpPr>
+          <p:cNvPr id="2" name="Title 1"/>
+          <p:cNvSpPr>
+            <a:spLocks noGrp="1"/>
+          </p:cNvSpPr>
+          <p:nvPr>
+            <p:ph type="title"/>
+          </p:nvPr>
+        </p:nvSpPr>
+        <p:spPr/>
+        <p:txBody>
+          <a:bodyPr>
+            <a:normAutofit fontScale="90000"/>
+          </a:bodyPr>
+          <a:lstStyle/>
+          <a:p>
+            <a:r>
+              <a:rPr lang="en-US" b="1" dirty="0"/>
+              <a:t>Rejected </a:t>
+            </a:r>
+            <a:r>
+              <a:rPr lang="en-US" b="1" dirty="0" err="1" smtClean="0"/>
+              <a:t>TicWatch</a:t>
+            </a:r>
+            <a:r>
+              <a:rPr lang="en-US" b="1" dirty="0" smtClean="0"/>
+              <a:t> descriptions</a:t>
+            </a:r>
+            <a:endParaRPr lang="en-US" b="1" dirty="0"/>
+          </a:p>
+        </p:txBody>
+      </p:sp>
+      <p:sp>
+        <p:nvSpPr>
+          <p:cNvPr id="3" name="Content Placeholder 2"/>
+          <p:cNvSpPr>
+            <a:spLocks noGrp="1"/>
+          </p:cNvSpPr>
+          <p:nvPr>
+            <p:ph idx="1"/>
+          </p:nvPr>
+        </p:nvSpPr>
+        <p:spPr/>
+        <p:txBody>
+          <a:bodyPr/>
+          <a:lstStyle/>
+          <a:p>
+            <a:r>
+              <a:rPr lang="en-US" sz="2400" dirty="0" smtClean="0">
+                <a:solidFill>
+                  <a:srgbClr val="FF0000"/>
+                </a:solidFill>
+              </a:rPr>
+              <a:t>Watch</a:t>
+            </a:r>
+            <a:r>
+              <a:rPr lang="en-US" sz="2400" dirty="0" smtClean="0"/>
+              <a:t>ing </a:t>
+            </a:r>
+            <a:r>
+              <a:rPr lang="en-US" sz="2400" dirty="0"/>
+              <a:t>your stock like an annoying </a:t>
+            </a:r>
+            <a:r>
+              <a:rPr lang="en-US" sz="2400" dirty="0">
+                <a:solidFill>
+                  <a:srgbClr val="FF0000"/>
+                </a:solidFill>
+              </a:rPr>
+              <a:t>tic</a:t>
+            </a:r>
+            <a:r>
+              <a:rPr lang="en-US" sz="2400" dirty="0"/>
+              <a:t>k in your hair.</a:t>
+            </a:r>
+          </a:p>
+          <a:p>
+            <a:r>
+              <a:rPr lang="en-US" sz="2400" dirty="0">
+                <a:solidFill>
+                  <a:srgbClr val="FF0000"/>
+                </a:solidFill>
+              </a:rPr>
+              <a:t>Watch</a:t>
+            </a:r>
+            <a:r>
+              <a:rPr lang="en-US" sz="2400" dirty="0"/>
+              <a:t>ing your stock like a persistent </a:t>
+            </a:r>
+            <a:r>
+              <a:rPr lang="en-US" sz="2400" dirty="0" smtClean="0">
+                <a:solidFill>
+                  <a:srgbClr val="FF0000"/>
+                </a:solidFill>
+              </a:rPr>
+              <a:t>stock</a:t>
+            </a:r>
+            <a:r>
+              <a:rPr lang="en-US" sz="2400" dirty="0" smtClean="0"/>
+              <a:t>er</a:t>
+            </a:r>
+            <a:r>
+              <a:rPr lang="en-US" sz="2400" dirty="0"/>
+              <a:t>.</a:t>
+            </a:r>
+          </a:p>
+          <a:p>
+            <a:r>
+              <a:rPr lang="en-US" dirty="0"/>
+              <a:t>This app will NOT </a:t>
+            </a:r>
+            <a:r>
+              <a:rPr lang="en-US" dirty="0" smtClean="0">
+                <a:solidFill>
+                  <a:srgbClr val="FF0000"/>
+                </a:solidFill>
+              </a:rPr>
+              <a:t>Tic</a:t>
+            </a:r>
+            <a:r>
+              <a:rPr lang="en-US" dirty="0" smtClean="0"/>
+              <a:t> </a:t>
+            </a:r>
+            <a:r>
+              <a:rPr lang="en-US" dirty="0"/>
+              <a:t>you off.</a:t>
+            </a:r>
+          </a:p>
+          <a:p>
+            <a:r>
+              <a:rPr lang="en-US" dirty="0" smtClean="0">
+                <a:solidFill>
+                  <a:srgbClr val="FF0000"/>
+                </a:solidFill>
+              </a:rPr>
+              <a:t>Watch</a:t>
+            </a:r>
+            <a:r>
+              <a:rPr lang="en-US" dirty="0" smtClean="0"/>
+              <a:t> </a:t>
+            </a:r>
+            <a:r>
+              <a:rPr lang="en-US" dirty="0"/>
+              <a:t>out</a:t>
+            </a:r>
+            <a:r>
+              <a:rPr lang="en-US" dirty="0" smtClean="0"/>
+              <a:t>! </a:t>
+            </a:r>
+            <a:r>
+              <a:rPr lang="en-US" dirty="0"/>
+              <a:t>You’re loosing all </a:t>
+            </a:r>
+            <a:r>
+              <a:rPr lang="en-US" dirty="0" smtClean="0"/>
+              <a:t>you’re money!</a:t>
+            </a:r>
+            <a:endParaRPr lang="en-US" dirty="0"/>
+          </a:p>
+        </p:txBody>
+      </p:sp>
+    </p:spTree>
+    <p:extLst>
+      <p:ext uri="{BB962C8B-B14F-4D97-AF65-F5344CB8AC3E}">
+        <p14:creationId xmlns:p14="http://schemas.microsoft.com/office/powerpoint/2010/main" val="2129332840"/>
+      </p:ext>
+    </p:extLst>
+  </p:cSld>
+  <p:clrMapOvr>
+    <a:masterClrMapping/>
+  </p:clrMapOvr>
+  <p:timing>
+    <p:tnLst>
+      <p:par>
+        <p:cTn xmlns:p14="http://schemas.microsoft.com/office/powerpoint/2010/main" id="1" dur="indefinite" restart="never" nodeType="tmRoot"/>
+      </p:par>
+    </p:tnLst>
+  </p:timing>
+</p:sld>
+</file>
+
 <file path=ppt/slides/slide2.xml><?xml version="1.0" encoding="utf-8"?>
 <p:sld xmlns:a="http://schemas.openxmlformats.org/drawingml/2006/main" xmlns:r="http://schemas.openxmlformats.org/officeDocument/2006/relationships" xmlns:p="http://schemas.openxmlformats.org/presentationml/2006/main">
   <p:cSld>
@@ -6645,7 +7620,9 @@
           </a:xfrm>
         </p:spPr>
         <p:txBody>
-          <a:bodyPr/>
+          <a:bodyPr>
+            <a:normAutofit fontScale="77500" lnSpcReduction="20000"/>
+          </a:bodyPr>
           <a:lstStyle/>
           <a:p>
             <a:pPr marL="0" indent="0" algn="ctr">
@@ -6706,9 +7683,20 @@
               <a:buChar char="•"/>
             </a:pPr>
             <a:r>
-              <a:rPr lang="en-US" sz="3200" dirty="0" smtClean="0"/>
-              <a:t>Have a plan of attack.</a:t>
-            </a:r>
+              <a:rPr lang="en-US" sz="3200" dirty="0"/>
+              <a:t>Frustrating at times</a:t>
+            </a:r>
+          </a:p>
+          <a:p>
+            <a:pPr lvl="1">
+              <a:buFont typeface="Arial"/>
+              <a:buChar char="•"/>
+            </a:pPr>
+            <a:r>
+              <a:rPr lang="en-US" sz="2600" dirty="0" smtClean="0"/>
+              <a:t>Echo</a:t>
+            </a:r>
+            <a:endParaRPr lang="en-US" sz="2600" dirty="0" smtClean="0"/>
           </a:p>
           <a:p>
             <a:pPr>
@@ -6717,7 +7705,11 @@
             </a:pPr>
             <a:r>
               <a:rPr lang="en-US" sz="3200" dirty="0" smtClean="0"/>
-              <a:t>Use the time wisely.</a:t>
+              <a:t>Have </a:t>
+            </a:r>
+            <a:r>
+              <a:rPr lang="en-US" sz="3200" dirty="0" smtClean="0"/>
+              <a:t>a plan of attack.</a:t>
             </a:r>
           </a:p>
           <a:p>
@@ -6727,8 +7719,27 @@
             </a:pPr>
             <a:r>
               <a:rPr lang="en-US" sz="3200" dirty="0" smtClean="0"/>
-              <a:t>Teach yourself then teach each other.</a:t>
-            </a:r>
+              <a:t>Use the time wisely</a:t>
+            </a:r>
+            <a:r>
+              <a:rPr lang="en-US" sz="3200" dirty="0" smtClean="0"/>
+              <a:t>.</a:t>
+            </a:r>
+          </a:p>
+          <a:p>
+            <a:pPr lvl="1">
+              <a:buFont typeface="Arial"/>
+              <a:buChar char="•"/>
+            </a:pPr>
+            <a:r>
+              <a:rPr lang="en-US" sz="2600" dirty="0"/>
+              <a:t>Agreed to each research topics </a:t>
+            </a:r>
+            <a:r>
+              <a:rPr lang="en-US" sz="2600" dirty="0" smtClean="0"/>
+              <a:t>then…</a:t>
+            </a:r>
+            <a:endParaRPr lang="en-US" sz="2600" dirty="0" smtClean="0"/>
           </a:p>
           <a:p>
             <a:pPr>
@@ -6737,7 +7748,25 @@
             </a:pPr>
             <a:r>
               <a:rPr lang="en-US" sz="3200" dirty="0" smtClean="0"/>
-              <a:t>#?*! happens. </a:t>
+              <a:t>Teach yourself then teach each </a:t>
+            </a:r>
+            <a:r>
+              <a:rPr lang="en-US" sz="3200" dirty="0" smtClean="0"/>
+              <a:t>other.</a:t>
+            </a:r>
+          </a:p>
+          <a:p>
+            <a:pPr>
+              <a:buFont typeface="Arial"/>
+              <a:buChar char="•"/>
+            </a:pPr>
+            <a:r>
+              <a:rPr lang="en-US" sz="3200" dirty="0" smtClean="0"/>
+              <a:t>#</a:t>
+            </a:r>
+            <a:r>
+              <a:rPr lang="en-US" sz="3200" dirty="0" smtClean="0"/>
+              <a:t>?*! happens. </a:t>
             </a:r>
           </a:p>
           <a:p>
@@ -6746,22 +7775,22 @@
               <a:buChar char="•"/>
             </a:pPr>
             <a:r>
-              <a:rPr lang="en-US" sz="3000" dirty="0" smtClean="0"/>
+              <a:rPr lang="en-US" sz="2600" dirty="0" smtClean="0"/>
               <a:t>When life gives you lemons…use </a:t>
             </a:r>
             <a:r>
-              <a:rPr lang="en-US" sz="3000" dirty="0" err="1" smtClean="0"/>
+              <a:rPr lang="en-US" sz="2600" dirty="0" err="1" smtClean="0"/>
               <a:t>GoToMeeting</a:t>
             </a:r>
             <a:r>
-              <a:rPr lang="en-US" sz="3000" dirty="0" smtClean="0"/>
+              <a:rPr lang="en-US" sz="2600" dirty="0" smtClean="0"/>
               <a:t> &amp; </a:t>
             </a:r>
             <a:r>
-              <a:rPr lang="en-US" sz="3000" dirty="0" err="1" smtClean="0"/>
+              <a:rPr lang="en-US" sz="2600" dirty="0" err="1" smtClean="0"/>
               <a:t>GitHub</a:t>
             </a:r>
-            <a:endParaRPr lang="en-US" sz="3000" dirty="0"/>
+            <a:endParaRPr lang="en-US" sz="2600" dirty="0"/>
           </a:p>
         </p:txBody>
       </p:sp>
@@ -6911,128 +7940,80 @@
           <a:p>
             <a:r>
               <a:rPr lang="en-US" b="1" dirty="0" smtClean="0"/>
-              <a:t>Think first, then act.</a:t>
+              <a:t>UML fosters change</a:t>
             </a:r>
             <a:endParaRPr lang="en-US" b="1" dirty="0"/>
           </a:p>
         </p:txBody>
       </p:sp>
-      <p:sp>
-        <p:nvSpPr>
-          <p:cNvPr id="3" name="Content Placeholder 2"/>
-          <p:cNvSpPr>
-            <a:spLocks noGrp="1"/>
-          </p:cNvSpPr>
-          <p:nvPr>
-            <p:ph idx="1"/>
-          </p:nvPr>
-        </p:nvSpPr>
-        <p:spPr>
+      <p:pic>
+        <p:nvPicPr>
+          <p:cNvPr id="1026" name="Picture 2"/>
+          <p:cNvPicPr>
+            <a:picLocks noChangeAspect="1" noChangeArrowheads="1"/>
+          </p:cNvPicPr>
+          <p:nvPr/>
+        </p:nvPicPr>
+        <p:blipFill>
+          <a:blip r:embed="rId3">
+            <a:extLst>
+              <a:ext uri="{28A0092B-C50C-407E-A947-70E740481C1C}">
+                <a14:useLocalDpi xmlns:a14="http://schemas.microsoft.com/office/drawing/2010/main" val="0"/>
+              </a:ext>
+            </a:extLst>
+          </a:blip>
+          <a:srcRect/>
+          <a:stretch>
+            <a:fillRect/>
+          </a:stretch>
+        </p:blipFill>
+        <p:spPr bwMode="auto">
           <a:xfrm>
-            <a:off x="685800" y="1550894"/>
-            <a:ext cx="7770813" cy="4575269"/>
+            <a:off x="566738" y="1563185"/>
+            <a:ext cx="8010525" cy="4391025"/>
           </a:xfrm>
+          <a:prstGeom prst="rect">
+            <a:avLst/>
+          </a:prstGeom>
+          <a:noFill/>
+          <a:ln>
+            <a:noFill/>
+          </a:ln>
+          <a:effectLst/>
+          <a:extLst>
+            <a:ext uri="{909E8E84-426E-40dd-AFC4-6F175D3DCCD1}">
+              <a14:hiddenFill xmlns:a14="http://schemas.microsoft.com/office/drawing/2010/main">
+                <a:solidFill>
+                  <a:schemeClr val="accent1"/>
+                </a:solidFill>
+              </a14:hiddenFill>
+            </a:ext>
+            <a:ext uri="{91240B29-F687-4f45-9708-019B960494DF}">
+              <a14:hiddenLine xmlns:a14="http://schemas.microsoft.com/office/drawing/2010/main" w="9525">
+                <a:solidFill>
+                  <a:schemeClr val="tx1"/>
+                </a:solidFill>
+                <a:miter lim="800000"/>
+                <a:headEnd/>
+                <a:tailEnd/>
+              </a14:hiddenLine>
+            </a:ext>
+            <a:ext uri="{AF507438-7753-43e0-B8FC-AC1667EBCBE1}">
+              <a14:hiddenEffects xmlns:a14="http://schemas.microsoft.com/office/drawing/2010/main">
+                <a:effectLst>
+                  <a:outerShdw dist="35921" dir="2700000" algn="ctr" rotWithShape="0">
+                    <a:schemeClr val="bg2"/>
+                  </a:outerShdw>
+                </a:effectLst>
+              </a14:hiddenEffects>
+            </a:ext>
+          </a:extLst>
         </p:spPr>
-        <p:txBody>
-          <a:bodyPr/>
-          <a:lstStyle/>
-          <a:p>
-            <a:r>
-              <a:rPr lang="en-US" b="1" dirty="0" smtClean="0">
-                <a:solidFill>
-                  <a:srgbClr val="94D66C"/>
-                </a:solidFill>
-              </a:rPr>
-              <a:t>Learn and understand the technology first.</a:t>
-            </a:r>
-          </a:p>
-          <a:p>
-            <a:pPr lvl="1"/>
-            <a:r>
-              <a:rPr lang="en-US" dirty="0" smtClean="0"/>
-              <a:t>Ask about other’s experiences. </a:t>
-            </a:r>
-          </a:p>
-          <a:p>
-            <a:pPr lvl="1"/>
-            <a:r>
-              <a:rPr lang="en-US" dirty="0" smtClean="0"/>
-              <a:t>Learn the alternatives.</a:t>
-            </a:r>
-          </a:p>
-          <a:p>
-            <a:pPr lvl="1"/>
-            <a:r>
-              <a:rPr lang="en-US" dirty="0" smtClean="0"/>
-              <a:t>Ask lots of questions.</a:t>
-            </a:r>
-          </a:p>
-          <a:p>
-            <a:r>
-              <a:rPr lang="en-US" b="1" dirty="0" smtClean="0">
-                <a:solidFill>
-                  <a:srgbClr val="94D66C"/>
-                </a:solidFill>
-              </a:rPr>
-              <a:t>Simplify, simplify, simplify.  </a:t>
-            </a:r>
-          </a:p>
-          <a:p>
-            <a:pPr lvl="1"/>
-            <a:r>
-              <a:rPr lang="en-US" dirty="0" smtClean="0"/>
-              <a:t>When planning use simple tools. (</a:t>
-            </a:r>
-            <a:r>
-              <a:rPr lang="en-US" dirty="0"/>
-              <a:t>e</a:t>
-            </a:r>
-            <a:r>
-              <a:rPr lang="en-US" dirty="0" smtClean="0"/>
-              <a:t>x. whiteboard, paper/pencil)</a:t>
-            </a:r>
-          </a:p>
-          <a:p>
-            <a:pPr lvl="1"/>
-            <a:r>
-              <a:rPr lang="en-US" dirty="0" smtClean="0"/>
-              <a:t>Using software too soon makes it too complicated.</a:t>
-            </a:r>
-          </a:p>
-          <a:p>
-            <a:r>
-              <a:rPr lang="en-US" b="1" dirty="0" smtClean="0">
-                <a:solidFill>
-                  <a:srgbClr val="94D66C"/>
-                </a:solidFill>
-              </a:rPr>
-              <a:t>Think smarter, not harder.</a:t>
-            </a:r>
-          </a:p>
-          <a:p>
-            <a:pPr lvl="1"/>
-            <a:r>
-              <a:rPr lang="en-US" dirty="0" smtClean="0"/>
-              <a:t>Saves resources.</a:t>
-            </a:r>
-          </a:p>
-          <a:p>
-            <a:pPr lvl="1"/>
-            <a:r>
-              <a:rPr lang="en-US" dirty="0" smtClean="0"/>
-              <a:t>Teamwork is key.</a:t>
-            </a:r>
-          </a:p>
-          <a:p>
-            <a:pPr lvl="1"/>
-            <a:endParaRPr lang="en-US" dirty="0"/>
-          </a:p>
-        </p:txBody>
-      </p:sp>
+      </p:pic>
     </p:spTree>
     <p:extLst>
       <p:ext uri="{BB962C8B-B14F-4D97-AF65-F5344CB8AC3E}">
-        <p14:creationId xmlns:p14="http://schemas.microsoft.com/office/powerpoint/2010/main" val="3807658290"/>
+        <p14:creationId xmlns:p14="http://schemas.microsoft.com/office/powerpoint/2010/main" val="3478673658"/>
       </p:ext>
     </p:extLst>
   </p:cSld>
@@ -7452,6 +8433,132 @@
 </file>
 
 <file path=ppt/slides/slide7.xml><?xml version="1.0" encoding="utf-8"?>
+<p:sld xmlns:a="http://schemas.openxmlformats.org/drawingml/2006/main" xmlns:r="http://schemas.openxmlformats.org/officeDocument/2006/relationships" xmlns:p="http://schemas.openxmlformats.org/presentationml/2006/main">
+  <p:cSld>
+    <p:spTree>
+      <p:nvGrpSpPr>
+        <p:cNvPr id="1" name=""/>
+        <p:cNvGrpSpPr/>
+        <p:nvPr/>
+      </p:nvGrpSpPr>
+      <p:grpSpPr>
+        <a:xfrm>
+          <a:off x="0" y="0"/>
+          <a:ext cx="0" cy="0"/>
+          <a:chOff x="0" y="0"/>
+          <a:chExt cx="0" cy="0"/>
+        </a:xfrm>
+      </p:grpSpPr>
+      <p:sp>
+        <p:nvSpPr>
+          <p:cNvPr id="2" name="Title 1"/>
+          <p:cNvSpPr>
+            <a:spLocks noGrp="1"/>
+          </p:cNvSpPr>
+          <p:nvPr>
+            <p:ph type="title"/>
+          </p:nvPr>
+        </p:nvSpPr>
+        <p:spPr/>
+        <p:txBody>
+          <a:bodyPr>
+            <a:normAutofit fontScale="90000"/>
+          </a:bodyPr>
+          <a:lstStyle/>
+          <a:p>
+            <a:r>
+              <a:rPr lang="en-US" b="1" dirty="0" smtClean="0"/>
+              <a:t>Learning while solving real problems</a:t>
+            </a:r>
+            <a:endParaRPr lang="en-US" b="1" dirty="0"/>
+          </a:p>
+        </p:txBody>
+      </p:sp>
+      <p:pic>
+        <p:nvPicPr>
+          <p:cNvPr id="2050" name="Picture 2"/>
+          <p:cNvPicPr>
+            <a:picLocks noChangeAspect="1" noChangeArrowheads="1"/>
+          </p:cNvPicPr>
+          <p:nvPr/>
+        </p:nvPicPr>
+        <p:blipFill>
+          <a:blip r:embed="rId3">
+            <a:extLst>
+              <a:ext uri="{28A0092B-C50C-407E-A947-70E740481C1C}">
+                <a14:useLocalDpi xmlns:a14="http://schemas.microsoft.com/office/drawing/2010/main" val="0"/>
+              </a:ext>
+            </a:extLst>
+          </a:blip>
+          <a:srcRect/>
+          <a:stretch>
+            <a:fillRect/>
+          </a:stretch>
+        </p:blipFill>
+        <p:spPr bwMode="auto">
+          <a:xfrm>
+            <a:off x="559828" y="2159069"/>
+            <a:ext cx="8009830" cy="3748087"/>
+          </a:xfrm>
+          <a:prstGeom prst="rect">
+            <a:avLst/>
+          </a:prstGeom>
+          <a:noFill/>
+          <a:ln>
+            <a:noFill/>
+          </a:ln>
+          <a:effectLst/>
+          <a:extLst>
+            <a:ext uri="{909E8E84-426E-40dd-AFC4-6F175D3DCCD1}">
+              <a14:hiddenFill xmlns:a14="http://schemas.microsoft.com/office/drawing/2010/main">
+                <a:solidFill>
+                  <a:schemeClr val="accent1"/>
+                </a:solidFill>
+              </a14:hiddenFill>
+            </a:ext>
+            <a:ext uri="{91240B29-F687-4f45-9708-019B960494DF}">
+              <a14:hiddenLine xmlns:a14="http://schemas.microsoft.com/office/drawing/2010/main" w="9525">
+                <a:solidFill>
+                  <a:schemeClr val="tx1"/>
+                </a:solidFill>
+                <a:miter lim="800000"/>
+                <a:headEnd/>
+                <a:tailEnd/>
+              </a14:hiddenLine>
+            </a:ext>
+            <a:ext uri="{AF507438-7753-43e0-B8FC-AC1667EBCBE1}">
+              <a14:hiddenEffects xmlns:a14="http://schemas.microsoft.com/office/drawing/2010/main">
+                <a:effectLst>
+                  <a:outerShdw dist="35921" dir="2700000" algn="ctr" rotWithShape="0">
+                    <a:schemeClr val="bg2"/>
+                  </a:outerShdw>
+                </a:effectLst>
+              </a14:hiddenEffects>
+            </a:ext>
+          </a:extLst>
+        </p:spPr>
+      </p:pic>
+    </p:spTree>
+    <p:extLst>
+      <p:ext uri="{BB962C8B-B14F-4D97-AF65-F5344CB8AC3E}">
+        <p14:creationId xmlns:p14="http://schemas.microsoft.com/office/powerpoint/2010/main" val="869165781"/>
+      </p:ext>
+    </p:extLst>
+  </p:cSld>
+  <p:clrMapOvr>
+    <a:masterClrMapping/>
+  </p:clrMapOvr>
+  <p:timing>
+    <p:tnLst>
+      <p:par>
+        <p:cTn xmlns:p14="http://schemas.microsoft.com/office/powerpoint/2010/main" id="1" dur="indefinite" restart="never" nodeType="tmRoot"/>
+      </p:par>
+    </p:tnLst>
+  </p:timing>
+</p:sld>
+</file>
+
+<file path=ppt/slides/slide8.xml><?xml version="1.0" encoding="utf-8"?>
 <p:sld xmlns:a="http://schemas.openxmlformats.org/drawingml/2006/main" xmlns:r="http://schemas.openxmlformats.org/officeDocument/2006/relationships" xmlns:p="http://schemas.openxmlformats.org/presentationml/2006/main">
   <p:cSld>
     <p:spTree>
@@ -7911,7 +9018,7 @@
 </p:sld>
 </file>
 
-<file path=ppt/slides/slide8.xml><?xml version="1.0" encoding="utf-8"?>
+<file path=ppt/slides/slide9.xml><?xml version="1.0" encoding="utf-8"?>
 <p:sld xmlns:a="http://schemas.openxmlformats.org/drawingml/2006/main" xmlns:r="http://schemas.openxmlformats.org/officeDocument/2006/relationships" xmlns:p="http://schemas.openxmlformats.org/presentationml/2006/main">
   <p:cSld>
     <p:spTree>
@@ -8030,189 +9137,6 @@
     <p:extLst>
       <p:ext uri="{BB962C8B-B14F-4D97-AF65-F5344CB8AC3E}">
         <p14:creationId xmlns:p14="http://schemas.microsoft.com/office/powerpoint/2010/main" val="2704607678"/>
-      </p:ext>
-    </p:extLst>
-  </p:cSld>
-  <p:clrMapOvr>
-    <a:masterClrMapping/>
-  </p:clrMapOvr>
-  <p:timing>
-    <p:tnLst>
-      <p:par>
-        <p:cTn xmlns:p14="http://schemas.microsoft.com/office/powerpoint/2010/main" id="1" dur="indefinite" restart="never" nodeType="tmRoot"/>
-      </p:par>
-    </p:tnLst>
-  </p:timing>
-</p:sld>
-</file>
-
-<file path=ppt/slides/slide9.xml><?xml version="1.0" encoding="utf-8"?>
-<p:sld xmlns:a="http://schemas.openxmlformats.org/drawingml/2006/main" xmlns:r="http://schemas.openxmlformats.org/officeDocument/2006/relationships" xmlns:p="http://schemas.openxmlformats.org/presentationml/2006/main">
-  <p:cSld>
-    <p:spTree>
-      <p:nvGrpSpPr>
-        <p:cNvPr id="1" name=""/>
-        <p:cNvGrpSpPr/>
-        <p:nvPr/>
-      </p:nvGrpSpPr>
-      <p:grpSpPr>
-        <a:xfrm>
-          <a:off x="0" y="0"/>
-          <a:ext cx="0" cy="0"/>
-          <a:chOff x="0" y="0"/>
-          <a:chExt cx="0" cy="0"/>
-        </a:xfrm>
-      </p:grpSpPr>
-      <p:sp>
-        <p:nvSpPr>
-          <p:cNvPr id="2" name="Title 1"/>
-          <p:cNvSpPr>
-            <a:spLocks noGrp="1"/>
-          </p:cNvSpPr>
-          <p:nvPr>
-            <p:ph type="title"/>
-          </p:nvPr>
-        </p:nvSpPr>
-        <p:spPr/>
-        <p:txBody>
-          <a:bodyPr>
-            <a:normAutofit fontScale="90000"/>
-          </a:bodyPr>
-          <a:lstStyle/>
-          <a:p>
-            <a:r>
-              <a:rPr lang="en-US" b="1" dirty="0"/>
-              <a:t>Rejected </a:t>
-            </a:r>
-            <a:r>
-              <a:rPr lang="en-US" b="1" dirty="0" err="1" smtClean="0"/>
-              <a:t>TicWatch</a:t>
-            </a:r>
-            <a:r>
-              <a:rPr lang="en-US" b="1" dirty="0" smtClean="0"/>
-              <a:t> descriptions</a:t>
-            </a:r>
-            <a:endParaRPr lang="en-US" b="1" dirty="0"/>
-          </a:p>
-        </p:txBody>
-      </p:sp>
-      <p:sp>
-        <p:nvSpPr>
-          <p:cNvPr id="3" name="Content Placeholder 2"/>
-          <p:cNvSpPr>
-            <a:spLocks noGrp="1"/>
-          </p:cNvSpPr>
-          <p:nvPr>
-            <p:ph idx="1"/>
-          </p:nvPr>
-        </p:nvSpPr>
-        <p:spPr/>
-        <p:txBody>
-          <a:bodyPr/>
-          <a:lstStyle/>
-          <a:p>
-            <a:r>
-              <a:rPr lang="en-US" sz="2400" dirty="0" smtClean="0">
-                <a:solidFill>
-                  <a:srgbClr val="FF0000"/>
-                </a:solidFill>
-              </a:rPr>
-              <a:t>Watch</a:t>
-            </a:r>
-            <a:r>
-              <a:rPr lang="en-US" sz="2400" dirty="0" smtClean="0"/>
-              <a:t>ing </a:t>
-            </a:r>
-            <a:r>
-              <a:rPr lang="en-US" sz="2400" dirty="0"/>
-              <a:t>your stock like an annoying </a:t>
-            </a:r>
-            <a:r>
-              <a:rPr lang="en-US" sz="2400" u="sng" dirty="0"/>
-              <a:t>tic</a:t>
-            </a:r>
-            <a:r>
-              <a:rPr lang="en-US" sz="2400" dirty="0"/>
-              <a:t>k in your hair.</a:t>
-            </a:r>
-          </a:p>
-          <a:p>
-            <a:r>
-              <a:rPr lang="en-US" sz="2400" dirty="0">
-                <a:solidFill>
-                  <a:srgbClr val="FF0000"/>
-                </a:solidFill>
-              </a:rPr>
-              <a:t>Watch</a:t>
-            </a:r>
-            <a:r>
-              <a:rPr lang="en-US" sz="2400" dirty="0"/>
-              <a:t>ing your stock like a persistent “</a:t>
-            </a:r>
-            <a:r>
-              <a:rPr lang="en-US" sz="2400" dirty="0" err="1">
-                <a:solidFill>
-                  <a:srgbClr val="FF0000"/>
-                </a:solidFill>
-              </a:rPr>
-              <a:t>stock</a:t>
-            </a:r>
-            <a:r>
-              <a:rPr lang="en-US" sz="2400" dirty="0" err="1"/>
-              <a:t>”er</a:t>
-            </a:r>
-            <a:r>
-              <a:rPr lang="en-US" sz="2400" dirty="0"/>
-              <a:t>.</a:t>
-            </a:r>
-          </a:p>
-          <a:p>
-            <a:r>
-              <a:rPr lang="en-US" dirty="0"/>
-              <a:t>This app will NOT “</a:t>
-            </a:r>
-            <a:r>
-              <a:rPr lang="en-US" dirty="0">
-                <a:solidFill>
-                  <a:srgbClr val="FF0000"/>
-                </a:solidFill>
-              </a:rPr>
-              <a:t>Tic</a:t>
-            </a:r>
-            <a:r>
-              <a:rPr lang="en-US" dirty="0"/>
-              <a:t>” you off.</a:t>
-            </a:r>
-          </a:p>
-          <a:p>
-            <a:r>
-              <a:rPr lang="en-US" dirty="0"/>
-              <a:t>“</a:t>
-            </a:r>
-            <a:r>
-              <a:rPr lang="en-US" dirty="0">
-                <a:solidFill>
-                  <a:srgbClr val="FF0000"/>
-                </a:solidFill>
-              </a:rPr>
-              <a:t>Watch</a:t>
-            </a:r>
-            <a:r>
-              <a:rPr lang="en-US" dirty="0"/>
-              <a:t> out!” You’re loosing all your money</a:t>
-            </a:r>
-            <a:r>
-              <a:rPr lang="en-US" dirty="0" smtClean="0"/>
-              <a:t>!</a:t>
-            </a:r>
-            <a:endParaRPr lang="en-US" dirty="0"/>
-          </a:p>
-        </p:txBody>
-      </p:sp>
-    </p:spTree>
-    <p:extLst>
-      <p:ext uri="{BB962C8B-B14F-4D97-AF65-F5344CB8AC3E}">
-        <p14:creationId xmlns:p14="http://schemas.microsoft.com/office/powerpoint/2010/main" val="2129332840"/>
       </p:ext>
     </p:extLst>
   </p:cSld>
